--- a/DS202-FinalPresentation.pptx
+++ b/DS202-FinalPresentation.pptx
@@ -2,7 +2,7 @@
 <file path=ppt/presentation.xml><?xml version="1.0" encoding="utf-8"?>
 <p:presentation xmlns:a="http://schemas.openxmlformats.org/drawingml/2006/main" xmlns:r="http://schemas.openxmlformats.org/officeDocument/2006/relationships" xmlns:p="http://schemas.openxmlformats.org/presentationml/2006/main" saveSubsetFonts="1" autoCompressPictures="0">
   <p:sldMasterIdLst>
-    <p:sldMasterId id="2147483648" r:id="rId1"/>
+    <p:sldMasterId id="2147483707" r:id="rId1"/>
   </p:sldMasterIdLst>
   <p:sldIdLst>
     <p:sldId id="256" r:id="rId2"/>
@@ -27,7 +27,7 @@
     <a:defPPr>
       <a:defRPr lang="en-US"/>
     </a:defPPr>
-    <a:lvl1pPr marL="0" algn="l" defTabSz="914400" rtl="0" eaLnBrk="1" latinLnBrk="0" hangingPunct="1">
+    <a:lvl1pPr marL="0" algn="l" defTabSz="457200" rtl="0" eaLnBrk="1" latinLnBrk="0" hangingPunct="1">
       <a:defRPr sz="1800" kern="1200">
         <a:solidFill>
           <a:schemeClr val="tx1"/>
@@ -37,7 +37,7 @@
         <a:cs typeface="+mn-cs"/>
       </a:defRPr>
     </a:lvl1pPr>
-    <a:lvl2pPr marL="457200" algn="l" defTabSz="914400" rtl="0" eaLnBrk="1" latinLnBrk="0" hangingPunct="1">
+    <a:lvl2pPr marL="457200" algn="l" defTabSz="457200" rtl="0" eaLnBrk="1" latinLnBrk="0" hangingPunct="1">
       <a:defRPr sz="1800" kern="1200">
         <a:solidFill>
           <a:schemeClr val="tx1"/>
@@ -47,7 +47,7 @@
         <a:cs typeface="+mn-cs"/>
       </a:defRPr>
     </a:lvl2pPr>
-    <a:lvl3pPr marL="914400" algn="l" defTabSz="914400" rtl="0" eaLnBrk="1" latinLnBrk="0" hangingPunct="1">
+    <a:lvl3pPr marL="914400" algn="l" defTabSz="457200" rtl="0" eaLnBrk="1" latinLnBrk="0" hangingPunct="1">
       <a:defRPr sz="1800" kern="1200">
         <a:solidFill>
           <a:schemeClr val="tx1"/>
@@ -57,7 +57,7 @@
         <a:cs typeface="+mn-cs"/>
       </a:defRPr>
     </a:lvl3pPr>
-    <a:lvl4pPr marL="1371600" algn="l" defTabSz="914400" rtl="0" eaLnBrk="1" latinLnBrk="0" hangingPunct="1">
+    <a:lvl4pPr marL="1371600" algn="l" defTabSz="457200" rtl="0" eaLnBrk="1" latinLnBrk="0" hangingPunct="1">
       <a:defRPr sz="1800" kern="1200">
         <a:solidFill>
           <a:schemeClr val="tx1"/>
@@ -67,7 +67,7 @@
         <a:cs typeface="+mn-cs"/>
       </a:defRPr>
     </a:lvl4pPr>
-    <a:lvl5pPr marL="1828800" algn="l" defTabSz="914400" rtl="0" eaLnBrk="1" latinLnBrk="0" hangingPunct="1">
+    <a:lvl5pPr marL="1828800" algn="l" defTabSz="457200" rtl="0" eaLnBrk="1" latinLnBrk="0" hangingPunct="1">
       <a:defRPr sz="1800" kern="1200">
         <a:solidFill>
           <a:schemeClr val="tx1"/>
@@ -77,7 +77,7 @@
         <a:cs typeface="+mn-cs"/>
       </a:defRPr>
     </a:lvl5pPr>
-    <a:lvl6pPr marL="2286000" algn="l" defTabSz="914400" rtl="0" eaLnBrk="1" latinLnBrk="0" hangingPunct="1">
+    <a:lvl6pPr marL="2286000" algn="l" defTabSz="457200" rtl="0" eaLnBrk="1" latinLnBrk="0" hangingPunct="1">
       <a:defRPr sz="1800" kern="1200">
         <a:solidFill>
           <a:schemeClr val="tx1"/>
@@ -87,7 +87,7 @@
         <a:cs typeface="+mn-cs"/>
       </a:defRPr>
     </a:lvl6pPr>
-    <a:lvl7pPr marL="2743200" algn="l" defTabSz="914400" rtl="0" eaLnBrk="1" latinLnBrk="0" hangingPunct="1">
+    <a:lvl7pPr marL="2743200" algn="l" defTabSz="457200" rtl="0" eaLnBrk="1" latinLnBrk="0" hangingPunct="1">
       <a:defRPr sz="1800" kern="1200">
         <a:solidFill>
           <a:schemeClr val="tx1"/>
@@ -97,7 +97,7 @@
         <a:cs typeface="+mn-cs"/>
       </a:defRPr>
     </a:lvl7pPr>
-    <a:lvl8pPr marL="3200400" algn="l" defTabSz="914400" rtl="0" eaLnBrk="1" latinLnBrk="0" hangingPunct="1">
+    <a:lvl8pPr marL="3200400" algn="l" defTabSz="457200" rtl="0" eaLnBrk="1" latinLnBrk="0" hangingPunct="1">
       <a:defRPr sz="1800" kern="1200">
         <a:solidFill>
           <a:schemeClr val="tx1"/>
@@ -107,7 +107,7 @@
         <a:cs typeface="+mn-cs"/>
       </a:defRPr>
     </a:lvl8pPr>
-    <a:lvl9pPr marL="3657600" algn="l" defTabSz="914400" rtl="0" eaLnBrk="1" latinLnBrk="0" hangingPunct="1">
+    <a:lvl9pPr marL="3657600" algn="l" defTabSz="457200" rtl="0" eaLnBrk="1" latinLnBrk="0" hangingPunct="1">
       <a:defRPr sz="1800" kern="1200">
         <a:solidFill>
           <a:schemeClr val="tx1"/>
@@ -118,6 +118,11 @@
       </a:defRPr>
     </a:lvl9pPr>
   </p:defaultTextStyle>
+  <p:extLst>
+    <p:ext uri="{EFAFB233-063F-42B5-8137-9DF3F51BA10A}">
+      <p15:sldGuideLst xmlns:p15="http://schemas.microsoft.com/office/powerpoint/2012/main"/>
+    </p:ext>
+  </p:extLst>
 </p:presentation>
 </file>
 
@@ -140,13 +145,7 @@
       </p:grpSpPr>
       <p:sp>
         <p:nvSpPr>
-          <p:cNvPr id="2" name="Title 1">
-            <a:extLst>
-              <a:ext uri="{FF2B5EF4-FFF2-40B4-BE49-F238E27FC236}">
-                <a16:creationId xmlns:a16="http://schemas.microsoft.com/office/drawing/2014/main" id="{200BADB4-FA98-45FD-9B20-F14E80E51F53}"/>
-              </a:ext>
-            </a:extLst>
-          </p:cNvPr>
+          <p:cNvPr id="2" name="Title 1"/>
           <p:cNvSpPr>
             <a:spLocks noGrp="1"/>
           </p:cNvSpPr>
@@ -156,15 +155,15 @@
         </p:nvSpPr>
         <p:spPr>
           <a:xfrm>
-            <a:off x="1524000" y="1122363"/>
-            <a:ext cx="9144000" cy="2387600"/>
+            <a:off x="1154955" y="1447800"/>
+            <a:ext cx="8825658" cy="3329581"/>
           </a:xfrm>
         </p:spPr>
         <p:txBody>
           <a:bodyPr anchor="b"/>
           <a:lstStyle>
-            <a:lvl1pPr algn="ctr">
-              <a:defRPr sz="6000"/>
+            <a:lvl1pPr>
+              <a:defRPr sz="7200"/>
             </a:lvl1pPr>
           </a:lstStyle>
           <a:p>
@@ -172,18 +171,13 @@
               <a:rPr lang="en-US"/>
               <a:t>Click to edit Master title style</a:t>
             </a:r>
-          </a:p>
-        </p:txBody>
-      </p:sp>
-      <p:sp>
-        <p:nvSpPr>
-          <p:cNvPr id="3" name="Subtitle 2">
-            <a:extLst>
-              <a:ext uri="{FF2B5EF4-FFF2-40B4-BE49-F238E27FC236}">
-                <a16:creationId xmlns:a16="http://schemas.microsoft.com/office/drawing/2014/main" id="{600EEE0F-43E2-5BF1-8E2C-BC04651C5EDB}"/>
-              </a:ext>
-            </a:extLst>
-          </p:cNvPr>
+            <a:endParaRPr lang="en-US" dirty="0"/>
+          </a:p>
+        </p:txBody>
+      </p:sp>
+      <p:sp>
+        <p:nvSpPr>
+          <p:cNvPr id="3" name="Subtitle 2"/>
           <p:cNvSpPr>
             <a:spLocks noGrp="1"/>
           </p:cNvSpPr>
@@ -193,48 +187,103 @@
         </p:nvSpPr>
         <p:spPr>
           <a:xfrm>
-            <a:off x="1524000" y="3602038"/>
-            <a:ext cx="9144000" cy="1655762"/>
+            <a:off x="1154955" y="4777380"/>
+            <a:ext cx="8825658" cy="861420"/>
           </a:xfrm>
         </p:spPr>
         <p:txBody>
-          <a:bodyPr/>
+          <a:bodyPr anchor="t"/>
           <a:lstStyle>
-            <a:lvl1pPr marL="0" indent="0" algn="ctr">
-              <a:buNone/>
-              <a:defRPr sz="2400"/>
+            <a:lvl1pPr marL="0" indent="0" algn="l">
+              <a:buNone/>
+              <a:defRPr cap="all">
+                <a:solidFill>
+                  <a:schemeClr val="bg2">
+                    <a:lumMod val="40000"/>
+                    <a:lumOff val="60000"/>
+                  </a:schemeClr>
+                </a:solidFill>
+              </a:defRPr>
             </a:lvl1pPr>
             <a:lvl2pPr marL="457200" indent="0" algn="ctr">
               <a:buNone/>
-              <a:defRPr sz="2000"/>
+              <a:defRPr>
+                <a:solidFill>
+                  <a:schemeClr val="tx1">
+                    <a:tint val="75000"/>
+                  </a:schemeClr>
+                </a:solidFill>
+              </a:defRPr>
             </a:lvl2pPr>
             <a:lvl3pPr marL="914400" indent="0" algn="ctr">
               <a:buNone/>
-              <a:defRPr sz="1800"/>
+              <a:defRPr>
+                <a:solidFill>
+                  <a:schemeClr val="tx1">
+                    <a:tint val="75000"/>
+                  </a:schemeClr>
+                </a:solidFill>
+              </a:defRPr>
             </a:lvl3pPr>
             <a:lvl4pPr marL="1371600" indent="0" algn="ctr">
               <a:buNone/>
-              <a:defRPr sz="1600"/>
+              <a:defRPr>
+                <a:solidFill>
+                  <a:schemeClr val="tx1">
+                    <a:tint val="75000"/>
+                  </a:schemeClr>
+                </a:solidFill>
+              </a:defRPr>
             </a:lvl4pPr>
             <a:lvl5pPr marL="1828800" indent="0" algn="ctr">
               <a:buNone/>
-              <a:defRPr sz="1600"/>
+              <a:defRPr>
+                <a:solidFill>
+                  <a:schemeClr val="tx1">
+                    <a:tint val="75000"/>
+                  </a:schemeClr>
+                </a:solidFill>
+              </a:defRPr>
             </a:lvl5pPr>
             <a:lvl6pPr marL="2286000" indent="0" algn="ctr">
               <a:buNone/>
-              <a:defRPr sz="1600"/>
+              <a:defRPr>
+                <a:solidFill>
+                  <a:schemeClr val="tx1">
+                    <a:tint val="75000"/>
+                  </a:schemeClr>
+                </a:solidFill>
+              </a:defRPr>
             </a:lvl6pPr>
             <a:lvl7pPr marL="2743200" indent="0" algn="ctr">
               <a:buNone/>
-              <a:defRPr sz="1600"/>
+              <a:defRPr>
+                <a:solidFill>
+                  <a:schemeClr val="tx1">
+                    <a:tint val="75000"/>
+                  </a:schemeClr>
+                </a:solidFill>
+              </a:defRPr>
             </a:lvl7pPr>
             <a:lvl8pPr marL="3200400" indent="0" algn="ctr">
               <a:buNone/>
-              <a:defRPr sz="1600"/>
+              <a:defRPr>
+                <a:solidFill>
+                  <a:schemeClr val="tx1">
+                    <a:tint val="75000"/>
+                  </a:schemeClr>
+                </a:solidFill>
+              </a:defRPr>
             </a:lvl8pPr>
             <a:lvl9pPr marL="3657600" indent="0" algn="ctr">
               <a:buNone/>
-              <a:defRPr sz="1600"/>
+              <a:defRPr>
+                <a:solidFill>
+                  <a:schemeClr val="tx1">
+                    <a:tint val="75000"/>
+                  </a:schemeClr>
+                </a:solidFill>
+              </a:defRPr>
             </a:lvl9pPr>
           </a:lstStyle>
           <a:p>
@@ -242,18 +291,13 @@
               <a:rPr lang="en-US"/>
               <a:t>Click to edit Master subtitle style</a:t>
             </a:r>
-          </a:p>
-        </p:txBody>
-      </p:sp>
-      <p:sp>
-        <p:nvSpPr>
-          <p:cNvPr id="4" name="Date Placeholder 3">
-            <a:extLst>
-              <a:ext uri="{FF2B5EF4-FFF2-40B4-BE49-F238E27FC236}">
-                <a16:creationId xmlns:a16="http://schemas.microsoft.com/office/drawing/2014/main" id="{85E7E70F-4C4F-2401-0B55-5BF0F0F6EFAA}"/>
-              </a:ext>
-            </a:extLst>
-          </p:cNvPr>
+            <a:endParaRPr lang="en-US" dirty="0"/>
+          </a:p>
+        </p:txBody>
+      </p:sp>
+      <p:sp>
+        <p:nvSpPr>
+          <p:cNvPr id="4" name="Date Placeholder 3"/>
           <p:cNvSpPr>
             <a:spLocks noGrp="1"/>
           </p:cNvSpPr>
@@ -268,7 +312,7 @@
           <a:p>
             <a:fld id="{30B9BDC6-9212-AA4A-B1DD-31ED212B226C}" type="datetimeFigureOut">
               <a:rPr lang="en-US" smtClean="0"/>
-              <a:t>12/9/23</a:t>
+              <a:t>12/10/2023</a:t>
             </a:fld>
             <a:endParaRPr lang="en-US"/>
           </a:p>
@@ -276,13 +320,7 @@
       </p:sp>
       <p:sp>
         <p:nvSpPr>
-          <p:cNvPr id="5" name="Footer Placeholder 4">
-            <a:extLst>
-              <a:ext uri="{FF2B5EF4-FFF2-40B4-BE49-F238E27FC236}">
-                <a16:creationId xmlns:a16="http://schemas.microsoft.com/office/drawing/2014/main" id="{04D65704-553A-D70A-3E07-EA42514DD193}"/>
-              </a:ext>
-            </a:extLst>
-          </p:cNvPr>
+          <p:cNvPr id="5" name="Footer Placeholder 4"/>
           <p:cNvSpPr>
             <a:spLocks noGrp="1"/>
           </p:cNvSpPr>
@@ -301,13 +339,7 @@
       </p:sp>
       <p:sp>
         <p:nvSpPr>
-          <p:cNvPr id="6" name="Slide Number Placeholder 5">
-            <a:extLst>
-              <a:ext uri="{FF2B5EF4-FFF2-40B4-BE49-F238E27FC236}">
-                <a16:creationId xmlns:a16="http://schemas.microsoft.com/office/drawing/2014/main" id="{48ECDC8F-038E-0B32-B5C0-D07A9E1653BE}"/>
-              </a:ext>
-            </a:extLst>
-          </p:cNvPr>
+          <p:cNvPr id="6" name="Slide Number Placeholder 5"/>
           <p:cNvSpPr>
             <a:spLocks noGrp="1"/>
           </p:cNvSpPr>
@@ -331,7 +363,7 @@
     </p:spTree>
     <p:extLst>
       <p:ext uri="{BB962C8B-B14F-4D97-AF65-F5344CB8AC3E}">
-        <p14:creationId xmlns:p14="http://schemas.microsoft.com/office/powerpoint/2010/main" val="986415795"/>
+        <p14:creationId xmlns:p14="http://schemas.microsoft.com/office/powerpoint/2010/main" val="4170504607"/>
       </p:ext>
     </p:extLst>
   </p:cSld>
@@ -342,6 +374,2572 @@
 </file>
 
 <file path=ppt/slideLayouts/slideLayout10.xml><?xml version="1.0" encoding="utf-8"?>
+<p:sldLayout xmlns:a="http://schemas.openxmlformats.org/drawingml/2006/main" xmlns:r="http://schemas.openxmlformats.org/officeDocument/2006/relationships" xmlns:p="http://schemas.openxmlformats.org/presentationml/2006/main" preserve="1">
+  <p:cSld name="Panoramic Picture with Caption">
+    <p:spTree>
+      <p:nvGrpSpPr>
+        <p:cNvPr id="1" name=""/>
+        <p:cNvGrpSpPr/>
+        <p:nvPr/>
+      </p:nvGrpSpPr>
+      <p:grpSpPr>
+        <a:xfrm>
+          <a:off x="0" y="0"/>
+          <a:ext cx="0" cy="0"/>
+          <a:chOff x="0" y="0"/>
+          <a:chExt cx="0" cy="0"/>
+        </a:xfrm>
+      </p:grpSpPr>
+      <p:sp>
+        <p:nvSpPr>
+          <p:cNvPr id="2" name="Title 1"/>
+          <p:cNvSpPr>
+            <a:spLocks noGrp="1"/>
+          </p:cNvSpPr>
+          <p:nvPr>
+            <p:ph type="title"/>
+          </p:nvPr>
+        </p:nvSpPr>
+        <p:spPr>
+          <a:xfrm>
+            <a:off x="1154956" y="4800587"/>
+            <a:ext cx="8825657" cy="566738"/>
+          </a:xfrm>
+        </p:spPr>
+        <p:txBody>
+          <a:bodyPr anchor="b">
+            <a:normAutofit/>
+          </a:bodyPr>
+          <a:lstStyle>
+            <a:lvl1pPr algn="l">
+              <a:defRPr sz="2400" b="0"/>
+            </a:lvl1pPr>
+          </a:lstStyle>
+          <a:p>
+            <a:r>
+              <a:rPr lang="en-US"/>
+              <a:t>Click to edit Master title style</a:t>
+            </a:r>
+            <a:endParaRPr lang="en-US" dirty="0"/>
+          </a:p>
+        </p:txBody>
+      </p:sp>
+      <p:sp>
+        <p:nvSpPr>
+          <p:cNvPr id="3" name="Picture Placeholder 2"/>
+          <p:cNvSpPr>
+            <a:spLocks noGrp="1" noChangeAspect="1"/>
+          </p:cNvSpPr>
+          <p:nvPr>
+            <p:ph type="pic" idx="1"/>
+          </p:nvPr>
+        </p:nvSpPr>
+        <p:spPr>
+          <a:xfrm>
+            <a:off x="1154955" y="685800"/>
+            <a:ext cx="8825658" cy="3640666"/>
+          </a:xfrm>
+          <a:prstGeom prst="roundRect">
+            <a:avLst>
+              <a:gd name="adj" fmla="val 1858"/>
+            </a:avLst>
+          </a:prstGeom>
+          <a:effectLst>
+            <a:outerShdw blurRad="50800" dist="50800" dir="5400000" algn="tl" rotWithShape="0">
+              <a:srgbClr val="000000">
+                <a:alpha val="43000"/>
+              </a:srgbClr>
+            </a:outerShdw>
+          </a:effectLst>
+        </p:spPr>
+        <p:txBody>
+          <a:bodyPr anchor="t">
+            <a:normAutofit/>
+          </a:bodyPr>
+          <a:lstStyle>
+            <a:lvl1pPr marL="0" indent="0" algn="ctr">
+              <a:buNone/>
+              <a:defRPr sz="1600"/>
+            </a:lvl1pPr>
+            <a:lvl2pPr marL="457200" indent="0">
+              <a:buNone/>
+              <a:defRPr sz="1600"/>
+            </a:lvl2pPr>
+            <a:lvl3pPr marL="914400" indent="0">
+              <a:buNone/>
+              <a:defRPr sz="1600"/>
+            </a:lvl3pPr>
+            <a:lvl4pPr marL="1371600" indent="0">
+              <a:buNone/>
+              <a:defRPr sz="1600"/>
+            </a:lvl4pPr>
+            <a:lvl5pPr marL="1828800" indent="0">
+              <a:buNone/>
+              <a:defRPr sz="1600"/>
+            </a:lvl5pPr>
+            <a:lvl6pPr marL="2286000" indent="0">
+              <a:buNone/>
+              <a:defRPr sz="1600"/>
+            </a:lvl6pPr>
+            <a:lvl7pPr marL="2743200" indent="0">
+              <a:buNone/>
+              <a:defRPr sz="1600"/>
+            </a:lvl7pPr>
+            <a:lvl8pPr marL="3200400" indent="0">
+              <a:buNone/>
+              <a:defRPr sz="1600"/>
+            </a:lvl8pPr>
+            <a:lvl9pPr marL="3657600" indent="0">
+              <a:buNone/>
+              <a:defRPr sz="1600"/>
+            </a:lvl9pPr>
+          </a:lstStyle>
+          <a:p>
+            <a:r>
+              <a:rPr lang="en-US"/>
+              <a:t>Click icon to add picture</a:t>
+            </a:r>
+            <a:endParaRPr lang="en-US" dirty="0"/>
+          </a:p>
+        </p:txBody>
+      </p:sp>
+      <p:sp>
+        <p:nvSpPr>
+          <p:cNvPr id="4" name="Text Placeholder 3"/>
+          <p:cNvSpPr>
+            <a:spLocks noGrp="1"/>
+          </p:cNvSpPr>
+          <p:nvPr>
+            <p:ph type="body" sz="half" idx="2"/>
+          </p:nvPr>
+        </p:nvSpPr>
+        <p:spPr>
+          <a:xfrm>
+            <a:off x="1154956" y="5367325"/>
+            <a:ext cx="8825656" cy="493712"/>
+          </a:xfrm>
+        </p:spPr>
+        <p:txBody>
+          <a:bodyPr>
+            <a:normAutofit/>
+          </a:bodyPr>
+          <a:lstStyle>
+            <a:lvl1pPr marL="0" indent="0">
+              <a:buNone/>
+              <a:defRPr sz="1200"/>
+            </a:lvl1pPr>
+            <a:lvl2pPr marL="457200" indent="0">
+              <a:buNone/>
+              <a:defRPr sz="1200"/>
+            </a:lvl2pPr>
+            <a:lvl3pPr marL="914400" indent="0">
+              <a:buNone/>
+              <a:defRPr sz="1000"/>
+            </a:lvl3pPr>
+            <a:lvl4pPr marL="1371600" indent="0">
+              <a:buNone/>
+              <a:defRPr sz="900"/>
+            </a:lvl4pPr>
+            <a:lvl5pPr marL="1828800" indent="0">
+              <a:buNone/>
+              <a:defRPr sz="900"/>
+            </a:lvl5pPr>
+            <a:lvl6pPr marL="2286000" indent="0">
+              <a:buNone/>
+              <a:defRPr sz="900"/>
+            </a:lvl6pPr>
+            <a:lvl7pPr marL="2743200" indent="0">
+              <a:buNone/>
+              <a:defRPr sz="900"/>
+            </a:lvl7pPr>
+            <a:lvl8pPr marL="3200400" indent="0">
+              <a:buNone/>
+              <a:defRPr sz="900"/>
+            </a:lvl8pPr>
+            <a:lvl9pPr marL="3657600" indent="0">
+              <a:buNone/>
+              <a:defRPr sz="900"/>
+            </a:lvl9pPr>
+          </a:lstStyle>
+          <a:p>
+            <a:pPr lvl="0"/>
+            <a:r>
+              <a:rPr lang="en-US"/>
+              <a:t>Click to edit Master text styles</a:t>
+            </a:r>
+          </a:p>
+        </p:txBody>
+      </p:sp>
+      <p:sp>
+        <p:nvSpPr>
+          <p:cNvPr id="5" name="Date Placeholder 4"/>
+          <p:cNvSpPr>
+            <a:spLocks noGrp="1"/>
+          </p:cNvSpPr>
+          <p:nvPr>
+            <p:ph type="dt" sz="half" idx="10"/>
+          </p:nvPr>
+        </p:nvSpPr>
+        <p:spPr/>
+        <p:txBody>
+          <a:bodyPr/>
+          <a:lstStyle/>
+          <a:p>
+            <a:fld id="{30B9BDC6-9212-AA4A-B1DD-31ED212B226C}" type="datetimeFigureOut">
+              <a:rPr lang="en-US" smtClean="0"/>
+              <a:t>12/10/2023</a:t>
+            </a:fld>
+            <a:endParaRPr lang="en-US"/>
+          </a:p>
+        </p:txBody>
+      </p:sp>
+      <p:sp>
+        <p:nvSpPr>
+          <p:cNvPr id="6" name="Footer Placeholder 5"/>
+          <p:cNvSpPr>
+            <a:spLocks noGrp="1"/>
+          </p:cNvSpPr>
+          <p:nvPr>
+            <p:ph type="ftr" sz="quarter" idx="11"/>
+          </p:nvPr>
+        </p:nvSpPr>
+        <p:spPr/>
+        <p:txBody>
+          <a:bodyPr/>
+          <a:lstStyle/>
+          <a:p>
+            <a:endParaRPr lang="en-US"/>
+          </a:p>
+        </p:txBody>
+      </p:sp>
+      <p:sp>
+        <p:nvSpPr>
+          <p:cNvPr id="7" name="Slide Number Placeholder 6"/>
+          <p:cNvSpPr>
+            <a:spLocks noGrp="1"/>
+          </p:cNvSpPr>
+          <p:nvPr>
+            <p:ph type="sldNum" sz="quarter" idx="12"/>
+          </p:nvPr>
+        </p:nvSpPr>
+        <p:spPr/>
+        <p:txBody>
+          <a:bodyPr/>
+          <a:lstStyle/>
+          <a:p>
+            <a:fld id="{B463B704-AF0F-AC44-9D96-7697EBF7120A}" type="slidenum">
+              <a:rPr lang="en-US" smtClean="0"/>
+              <a:t>‹#›</a:t>
+            </a:fld>
+            <a:endParaRPr lang="en-US"/>
+          </a:p>
+        </p:txBody>
+      </p:sp>
+    </p:spTree>
+    <p:extLst>
+      <p:ext uri="{BB962C8B-B14F-4D97-AF65-F5344CB8AC3E}">
+        <p14:creationId xmlns:p14="http://schemas.microsoft.com/office/powerpoint/2010/main" val="1369373219"/>
+      </p:ext>
+    </p:extLst>
+  </p:cSld>
+  <p:clrMapOvr>
+    <a:masterClrMapping/>
+  </p:clrMapOvr>
+</p:sldLayout>
+</file>
+
+<file path=ppt/slideLayouts/slideLayout11.xml><?xml version="1.0" encoding="utf-8"?>
+<p:sldLayout xmlns:a="http://schemas.openxmlformats.org/drawingml/2006/main" xmlns:r="http://schemas.openxmlformats.org/officeDocument/2006/relationships" xmlns:p="http://schemas.openxmlformats.org/presentationml/2006/main" preserve="1">
+  <p:cSld name="Title and Caption">
+    <p:spTree>
+      <p:nvGrpSpPr>
+        <p:cNvPr id="1" name=""/>
+        <p:cNvGrpSpPr/>
+        <p:nvPr/>
+      </p:nvGrpSpPr>
+      <p:grpSpPr>
+        <a:xfrm>
+          <a:off x="0" y="0"/>
+          <a:ext cx="0" cy="0"/>
+          <a:chOff x="0" y="0"/>
+          <a:chExt cx="0" cy="0"/>
+        </a:xfrm>
+      </p:grpSpPr>
+      <p:sp>
+        <p:nvSpPr>
+          <p:cNvPr id="2" name="Title 1"/>
+          <p:cNvSpPr>
+            <a:spLocks noGrp="1"/>
+          </p:cNvSpPr>
+          <p:nvPr>
+            <p:ph type="title"/>
+          </p:nvPr>
+        </p:nvSpPr>
+        <p:spPr>
+          <a:xfrm>
+            <a:off x="1154954" y="1447800"/>
+            <a:ext cx="8825659" cy="1981200"/>
+          </a:xfrm>
+        </p:spPr>
+        <p:txBody>
+          <a:bodyPr/>
+          <a:lstStyle>
+            <a:lvl1pPr>
+              <a:defRPr sz="4800"/>
+            </a:lvl1pPr>
+          </a:lstStyle>
+          <a:p>
+            <a:r>
+              <a:rPr lang="en-US"/>
+              <a:t>Click to edit Master title style</a:t>
+            </a:r>
+            <a:endParaRPr lang="en-US" dirty="0"/>
+          </a:p>
+        </p:txBody>
+      </p:sp>
+      <p:sp>
+        <p:nvSpPr>
+          <p:cNvPr id="8" name="Text Placeholder 3"/>
+          <p:cNvSpPr>
+            <a:spLocks noGrp="1"/>
+          </p:cNvSpPr>
+          <p:nvPr>
+            <p:ph type="body" sz="half" idx="2"/>
+          </p:nvPr>
+        </p:nvSpPr>
+        <p:spPr>
+          <a:xfrm>
+            <a:off x="1154954" y="3657600"/>
+            <a:ext cx="8825659" cy="2362200"/>
+          </a:xfrm>
+        </p:spPr>
+        <p:txBody>
+          <a:bodyPr anchor="ctr">
+            <a:normAutofit/>
+          </a:bodyPr>
+          <a:lstStyle>
+            <a:lvl1pPr marL="0" indent="0">
+              <a:buNone/>
+              <a:defRPr sz="1800"/>
+            </a:lvl1pPr>
+            <a:lvl2pPr marL="457200" indent="0">
+              <a:buNone/>
+              <a:defRPr sz="1200"/>
+            </a:lvl2pPr>
+            <a:lvl3pPr marL="914400" indent="0">
+              <a:buNone/>
+              <a:defRPr sz="1000"/>
+            </a:lvl3pPr>
+            <a:lvl4pPr marL="1371600" indent="0">
+              <a:buNone/>
+              <a:defRPr sz="900"/>
+            </a:lvl4pPr>
+            <a:lvl5pPr marL="1828800" indent="0">
+              <a:buNone/>
+              <a:defRPr sz="900"/>
+            </a:lvl5pPr>
+            <a:lvl6pPr marL="2286000" indent="0">
+              <a:buNone/>
+              <a:defRPr sz="900"/>
+            </a:lvl6pPr>
+            <a:lvl7pPr marL="2743200" indent="0">
+              <a:buNone/>
+              <a:defRPr sz="900"/>
+            </a:lvl7pPr>
+            <a:lvl8pPr marL="3200400" indent="0">
+              <a:buNone/>
+              <a:defRPr sz="900"/>
+            </a:lvl8pPr>
+            <a:lvl9pPr marL="3657600" indent="0">
+              <a:buNone/>
+              <a:defRPr sz="900"/>
+            </a:lvl9pPr>
+          </a:lstStyle>
+          <a:p>
+            <a:pPr lvl="0"/>
+            <a:r>
+              <a:rPr lang="en-US"/>
+              <a:t>Click to edit Master text styles</a:t>
+            </a:r>
+          </a:p>
+        </p:txBody>
+      </p:sp>
+      <p:sp>
+        <p:nvSpPr>
+          <p:cNvPr id="4" name="Date Placeholder 3"/>
+          <p:cNvSpPr>
+            <a:spLocks noGrp="1"/>
+          </p:cNvSpPr>
+          <p:nvPr>
+            <p:ph type="dt" sz="half" idx="10"/>
+          </p:nvPr>
+        </p:nvSpPr>
+        <p:spPr/>
+        <p:txBody>
+          <a:bodyPr/>
+          <a:lstStyle/>
+          <a:p>
+            <a:fld id="{30B9BDC6-9212-AA4A-B1DD-31ED212B226C}" type="datetimeFigureOut">
+              <a:rPr lang="en-US" smtClean="0"/>
+              <a:t>12/10/2023</a:t>
+            </a:fld>
+            <a:endParaRPr lang="en-US"/>
+          </a:p>
+        </p:txBody>
+      </p:sp>
+      <p:sp>
+        <p:nvSpPr>
+          <p:cNvPr id="5" name="Footer Placeholder 4"/>
+          <p:cNvSpPr>
+            <a:spLocks noGrp="1"/>
+          </p:cNvSpPr>
+          <p:nvPr>
+            <p:ph type="ftr" sz="quarter" idx="11"/>
+          </p:nvPr>
+        </p:nvSpPr>
+        <p:spPr/>
+        <p:txBody>
+          <a:bodyPr/>
+          <a:lstStyle/>
+          <a:p>
+            <a:endParaRPr lang="en-US"/>
+          </a:p>
+        </p:txBody>
+      </p:sp>
+      <p:sp>
+        <p:nvSpPr>
+          <p:cNvPr id="6" name="Slide Number Placeholder 5"/>
+          <p:cNvSpPr>
+            <a:spLocks noGrp="1"/>
+          </p:cNvSpPr>
+          <p:nvPr>
+            <p:ph type="sldNum" sz="quarter" idx="12"/>
+          </p:nvPr>
+        </p:nvSpPr>
+        <p:spPr/>
+        <p:txBody>
+          <a:bodyPr/>
+          <a:lstStyle/>
+          <a:p>
+            <a:fld id="{B463B704-AF0F-AC44-9D96-7697EBF7120A}" type="slidenum">
+              <a:rPr lang="en-US" smtClean="0"/>
+              <a:t>‹#›</a:t>
+            </a:fld>
+            <a:endParaRPr lang="en-US"/>
+          </a:p>
+        </p:txBody>
+      </p:sp>
+    </p:spTree>
+    <p:extLst>
+      <p:ext uri="{BB962C8B-B14F-4D97-AF65-F5344CB8AC3E}">
+        <p14:creationId xmlns:p14="http://schemas.microsoft.com/office/powerpoint/2010/main" val="1333253061"/>
+      </p:ext>
+    </p:extLst>
+  </p:cSld>
+  <p:clrMapOvr>
+    <a:masterClrMapping/>
+  </p:clrMapOvr>
+</p:sldLayout>
+</file>
+
+<file path=ppt/slideLayouts/slideLayout12.xml><?xml version="1.0" encoding="utf-8"?>
+<p:sldLayout xmlns:a="http://schemas.openxmlformats.org/drawingml/2006/main" xmlns:r="http://schemas.openxmlformats.org/officeDocument/2006/relationships" xmlns:p="http://schemas.openxmlformats.org/presentationml/2006/main" preserve="1">
+  <p:cSld name="Quote with Caption">
+    <p:spTree>
+      <p:nvGrpSpPr>
+        <p:cNvPr id="1" name=""/>
+        <p:cNvGrpSpPr/>
+        <p:nvPr/>
+      </p:nvGrpSpPr>
+      <p:grpSpPr>
+        <a:xfrm>
+          <a:off x="0" y="0"/>
+          <a:ext cx="0" cy="0"/>
+          <a:chOff x="0" y="0"/>
+          <a:chExt cx="0" cy="0"/>
+        </a:xfrm>
+      </p:grpSpPr>
+      <p:sp>
+        <p:nvSpPr>
+          <p:cNvPr id="2" name="Title 1"/>
+          <p:cNvSpPr>
+            <a:spLocks noGrp="1"/>
+          </p:cNvSpPr>
+          <p:nvPr>
+            <p:ph type="title"/>
+          </p:nvPr>
+        </p:nvSpPr>
+        <p:spPr>
+          <a:xfrm>
+            <a:off x="1574801" y="1447800"/>
+            <a:ext cx="7999315" cy="2323374"/>
+          </a:xfrm>
+        </p:spPr>
+        <p:txBody>
+          <a:bodyPr/>
+          <a:lstStyle>
+            <a:lvl1pPr>
+              <a:defRPr sz="4800"/>
+            </a:lvl1pPr>
+          </a:lstStyle>
+          <a:p>
+            <a:r>
+              <a:rPr lang="en-US"/>
+              <a:t>Click to edit Master title style</a:t>
+            </a:r>
+            <a:endParaRPr lang="en-US" dirty="0"/>
+          </a:p>
+        </p:txBody>
+      </p:sp>
+      <p:sp>
+        <p:nvSpPr>
+          <p:cNvPr id="11" name="Text Placeholder 3"/>
+          <p:cNvSpPr>
+            <a:spLocks noGrp="1"/>
+          </p:cNvSpPr>
+          <p:nvPr>
+            <p:ph type="body" sz="half" idx="14"/>
+          </p:nvPr>
+        </p:nvSpPr>
+        <p:spPr>
+          <a:xfrm>
+            <a:off x="1930400" y="3771174"/>
+            <a:ext cx="7279649" cy="342174"/>
+          </a:xfrm>
+        </p:spPr>
+        <p:txBody>
+          <a:bodyPr vert="horz" lIns="91440" tIns="45720" rIns="91440" bIns="45720" rtlCol="0" anchor="t">
+            <a:normAutofit/>
+          </a:bodyPr>
+          <a:lstStyle>
+            <a:lvl1pPr marL="0" indent="0">
+              <a:buNone/>
+              <a:defRPr lang="en-US" sz="1400" b="0" i="0" kern="1200" cap="small" dirty="0">
+                <a:solidFill>
+                  <a:schemeClr val="bg2">
+                    <a:lumMod val="40000"/>
+                    <a:lumOff val="60000"/>
+                  </a:schemeClr>
+                </a:solidFill>
+                <a:latin typeface="+mj-lt"/>
+                <a:ea typeface="+mj-ea"/>
+                <a:cs typeface="+mj-cs"/>
+              </a:defRPr>
+            </a:lvl1pPr>
+            <a:lvl2pPr marL="457200" indent="0">
+              <a:buNone/>
+              <a:defRPr sz="1200"/>
+            </a:lvl2pPr>
+            <a:lvl3pPr marL="914400" indent="0">
+              <a:buNone/>
+              <a:defRPr sz="1000"/>
+            </a:lvl3pPr>
+            <a:lvl4pPr marL="1371600" indent="0">
+              <a:buNone/>
+              <a:defRPr sz="900"/>
+            </a:lvl4pPr>
+            <a:lvl5pPr marL="1828800" indent="0">
+              <a:buNone/>
+              <a:defRPr sz="900"/>
+            </a:lvl5pPr>
+            <a:lvl6pPr marL="2286000" indent="0">
+              <a:buNone/>
+              <a:defRPr sz="900"/>
+            </a:lvl6pPr>
+            <a:lvl7pPr marL="2743200" indent="0">
+              <a:buNone/>
+              <a:defRPr sz="900"/>
+            </a:lvl7pPr>
+            <a:lvl8pPr marL="3200400" indent="0">
+              <a:buNone/>
+              <a:defRPr sz="900"/>
+            </a:lvl8pPr>
+            <a:lvl9pPr marL="3657600" indent="0">
+              <a:buNone/>
+              <a:defRPr sz="900"/>
+            </a:lvl9pPr>
+          </a:lstStyle>
+          <a:p>
+            <a:pPr marL="0" lvl="0" indent="0">
+              <a:buNone/>
+            </a:pPr>
+            <a:r>
+              <a:rPr lang="en-US"/>
+              <a:t>Click to edit Master text styles</a:t>
+            </a:r>
+          </a:p>
+        </p:txBody>
+      </p:sp>
+      <p:sp>
+        <p:nvSpPr>
+          <p:cNvPr id="10" name="Text Placeholder 3"/>
+          <p:cNvSpPr>
+            <a:spLocks noGrp="1"/>
+          </p:cNvSpPr>
+          <p:nvPr>
+            <p:ph type="body" sz="half" idx="2"/>
+          </p:nvPr>
+        </p:nvSpPr>
+        <p:spPr>
+          <a:xfrm>
+            <a:off x="1154954" y="4350657"/>
+            <a:ext cx="8825659" cy="1676400"/>
+          </a:xfrm>
+        </p:spPr>
+        <p:txBody>
+          <a:bodyPr anchor="ctr">
+            <a:normAutofit/>
+          </a:bodyPr>
+          <a:lstStyle>
+            <a:lvl1pPr marL="0" indent="0">
+              <a:buNone/>
+              <a:defRPr sz="1800"/>
+            </a:lvl1pPr>
+            <a:lvl2pPr marL="457200" indent="0">
+              <a:buNone/>
+              <a:defRPr sz="1200"/>
+            </a:lvl2pPr>
+            <a:lvl3pPr marL="914400" indent="0">
+              <a:buNone/>
+              <a:defRPr sz="1000"/>
+            </a:lvl3pPr>
+            <a:lvl4pPr marL="1371600" indent="0">
+              <a:buNone/>
+              <a:defRPr sz="900"/>
+            </a:lvl4pPr>
+            <a:lvl5pPr marL="1828800" indent="0">
+              <a:buNone/>
+              <a:defRPr sz="900"/>
+            </a:lvl5pPr>
+            <a:lvl6pPr marL="2286000" indent="0">
+              <a:buNone/>
+              <a:defRPr sz="900"/>
+            </a:lvl6pPr>
+            <a:lvl7pPr marL="2743200" indent="0">
+              <a:buNone/>
+              <a:defRPr sz="900"/>
+            </a:lvl7pPr>
+            <a:lvl8pPr marL="3200400" indent="0">
+              <a:buNone/>
+              <a:defRPr sz="900"/>
+            </a:lvl8pPr>
+            <a:lvl9pPr marL="3657600" indent="0">
+              <a:buNone/>
+              <a:defRPr sz="900"/>
+            </a:lvl9pPr>
+          </a:lstStyle>
+          <a:p>
+            <a:pPr lvl="0"/>
+            <a:r>
+              <a:rPr lang="en-US"/>
+              <a:t>Click to edit Master text styles</a:t>
+            </a:r>
+          </a:p>
+        </p:txBody>
+      </p:sp>
+      <p:sp>
+        <p:nvSpPr>
+          <p:cNvPr id="4" name="Date Placeholder 3"/>
+          <p:cNvSpPr>
+            <a:spLocks noGrp="1"/>
+          </p:cNvSpPr>
+          <p:nvPr>
+            <p:ph type="dt" sz="half" idx="10"/>
+          </p:nvPr>
+        </p:nvSpPr>
+        <p:spPr/>
+        <p:txBody>
+          <a:bodyPr/>
+          <a:lstStyle/>
+          <a:p>
+            <a:fld id="{30B9BDC6-9212-AA4A-B1DD-31ED212B226C}" type="datetimeFigureOut">
+              <a:rPr lang="en-US" smtClean="0"/>
+              <a:t>12/10/2023</a:t>
+            </a:fld>
+            <a:endParaRPr lang="en-US"/>
+          </a:p>
+        </p:txBody>
+      </p:sp>
+      <p:sp>
+        <p:nvSpPr>
+          <p:cNvPr id="5" name="Footer Placeholder 4"/>
+          <p:cNvSpPr>
+            <a:spLocks noGrp="1"/>
+          </p:cNvSpPr>
+          <p:nvPr>
+            <p:ph type="ftr" sz="quarter" idx="11"/>
+          </p:nvPr>
+        </p:nvSpPr>
+        <p:spPr/>
+        <p:txBody>
+          <a:bodyPr/>
+          <a:lstStyle/>
+          <a:p>
+            <a:endParaRPr lang="en-US"/>
+          </a:p>
+        </p:txBody>
+      </p:sp>
+      <p:sp>
+        <p:nvSpPr>
+          <p:cNvPr id="6" name="Slide Number Placeholder 5"/>
+          <p:cNvSpPr>
+            <a:spLocks noGrp="1"/>
+          </p:cNvSpPr>
+          <p:nvPr>
+            <p:ph type="sldNum" sz="quarter" idx="12"/>
+          </p:nvPr>
+        </p:nvSpPr>
+        <p:spPr/>
+        <p:txBody>
+          <a:bodyPr/>
+          <a:lstStyle/>
+          <a:p>
+            <a:fld id="{B463B704-AF0F-AC44-9D96-7697EBF7120A}" type="slidenum">
+              <a:rPr lang="en-US" smtClean="0"/>
+              <a:t>‹#›</a:t>
+            </a:fld>
+            <a:endParaRPr lang="en-US"/>
+          </a:p>
+        </p:txBody>
+      </p:sp>
+      <p:sp>
+        <p:nvSpPr>
+          <p:cNvPr id="12" name="TextBox 11"/>
+          <p:cNvSpPr txBox="1"/>
+          <p:nvPr/>
+        </p:nvSpPr>
+        <p:spPr>
+          <a:xfrm>
+            <a:off x="898295" y="971253"/>
+            <a:ext cx="801912" cy="1969770"/>
+          </a:xfrm>
+          <a:prstGeom prst="rect">
+            <a:avLst/>
+          </a:prstGeom>
+          <a:noFill/>
+        </p:spPr>
+        <p:txBody>
+          <a:bodyPr wrap="square" rtlCol="0">
+            <a:spAutoFit/>
+          </a:bodyPr>
+          <a:lstStyle>
+            <a:defPPr>
+              <a:defRPr lang="en-US"/>
+            </a:defPPr>
+            <a:lvl1pPr algn="r">
+              <a:defRPr sz="12200" b="0" i="0">
+                <a:solidFill>
+                  <a:schemeClr val="bg2">
+                    <a:lumMod val="40000"/>
+                    <a:lumOff val="60000"/>
+                  </a:schemeClr>
+                </a:solidFill>
+                <a:latin typeface="Arial"/>
+                <a:ea typeface="+mj-ea"/>
+                <a:cs typeface="+mj-cs"/>
+              </a:defRPr>
+            </a:lvl1pPr>
+          </a:lstStyle>
+          <a:p>
+            <a:pPr lvl="0"/>
+            <a:r>
+              <a:rPr lang="en-US" dirty="0"/>
+              <a:t>“</a:t>
+            </a:r>
+          </a:p>
+        </p:txBody>
+      </p:sp>
+      <p:sp>
+        <p:nvSpPr>
+          <p:cNvPr id="15" name="TextBox 14"/>
+          <p:cNvSpPr txBox="1"/>
+          <p:nvPr/>
+        </p:nvSpPr>
+        <p:spPr>
+          <a:xfrm>
+            <a:off x="9330490" y="2613787"/>
+            <a:ext cx="801912" cy="1969770"/>
+          </a:xfrm>
+          <a:prstGeom prst="rect">
+            <a:avLst/>
+          </a:prstGeom>
+          <a:noFill/>
+        </p:spPr>
+        <p:txBody>
+          <a:bodyPr wrap="square" rtlCol="0">
+            <a:spAutoFit/>
+          </a:bodyPr>
+          <a:lstStyle>
+            <a:defPPr>
+              <a:defRPr lang="en-US"/>
+            </a:defPPr>
+            <a:lvl1pPr algn="r">
+              <a:defRPr sz="12200" b="0" i="0">
+                <a:solidFill>
+                  <a:schemeClr val="bg2">
+                    <a:lumMod val="40000"/>
+                    <a:lumOff val="60000"/>
+                  </a:schemeClr>
+                </a:solidFill>
+                <a:latin typeface="Arial"/>
+                <a:ea typeface="+mj-ea"/>
+                <a:cs typeface="+mj-cs"/>
+              </a:defRPr>
+            </a:lvl1pPr>
+          </a:lstStyle>
+          <a:p>
+            <a:pPr lvl="0"/>
+            <a:r>
+              <a:rPr lang="en-US" dirty="0"/>
+              <a:t>”</a:t>
+            </a:r>
+          </a:p>
+        </p:txBody>
+      </p:sp>
+    </p:spTree>
+    <p:extLst>
+      <p:ext uri="{BB962C8B-B14F-4D97-AF65-F5344CB8AC3E}">
+        <p14:creationId xmlns:p14="http://schemas.microsoft.com/office/powerpoint/2010/main" val="674532338"/>
+      </p:ext>
+    </p:extLst>
+  </p:cSld>
+  <p:clrMapOvr>
+    <a:masterClrMapping/>
+  </p:clrMapOvr>
+</p:sldLayout>
+</file>
+
+<file path=ppt/slideLayouts/slideLayout13.xml><?xml version="1.0" encoding="utf-8"?>
+<p:sldLayout xmlns:a="http://schemas.openxmlformats.org/drawingml/2006/main" xmlns:r="http://schemas.openxmlformats.org/officeDocument/2006/relationships" xmlns:p="http://schemas.openxmlformats.org/presentationml/2006/main" preserve="1">
+  <p:cSld name="Name Card">
+    <p:spTree>
+      <p:nvGrpSpPr>
+        <p:cNvPr id="1" name=""/>
+        <p:cNvGrpSpPr/>
+        <p:nvPr/>
+      </p:nvGrpSpPr>
+      <p:grpSpPr>
+        <a:xfrm>
+          <a:off x="0" y="0"/>
+          <a:ext cx="0" cy="0"/>
+          <a:chOff x="0" y="0"/>
+          <a:chExt cx="0" cy="0"/>
+        </a:xfrm>
+      </p:grpSpPr>
+      <p:sp>
+        <p:nvSpPr>
+          <p:cNvPr id="2" name="Title 1"/>
+          <p:cNvSpPr>
+            <a:spLocks noGrp="1"/>
+          </p:cNvSpPr>
+          <p:nvPr>
+            <p:ph type="title"/>
+          </p:nvPr>
+        </p:nvSpPr>
+        <p:spPr>
+          <a:xfrm>
+            <a:off x="1154954" y="3124201"/>
+            <a:ext cx="8825660" cy="1653180"/>
+          </a:xfrm>
+        </p:spPr>
+        <p:txBody>
+          <a:bodyPr anchor="b"/>
+          <a:lstStyle>
+            <a:lvl1pPr algn="l">
+              <a:defRPr sz="4000" b="0" cap="none"/>
+            </a:lvl1pPr>
+          </a:lstStyle>
+          <a:p>
+            <a:r>
+              <a:rPr lang="en-US"/>
+              <a:t>Click to edit Master title style</a:t>
+            </a:r>
+            <a:endParaRPr lang="en-US" dirty="0"/>
+          </a:p>
+        </p:txBody>
+      </p:sp>
+      <p:sp>
+        <p:nvSpPr>
+          <p:cNvPr id="3" name="Text Placeholder 2"/>
+          <p:cNvSpPr>
+            <a:spLocks noGrp="1"/>
+          </p:cNvSpPr>
+          <p:nvPr>
+            <p:ph type="body" idx="1"/>
+          </p:nvPr>
+        </p:nvSpPr>
+        <p:spPr>
+          <a:xfrm>
+            <a:off x="1154954" y="4777381"/>
+            <a:ext cx="8825659" cy="860400"/>
+          </a:xfrm>
+        </p:spPr>
+        <p:txBody>
+          <a:bodyPr anchor="t"/>
+          <a:lstStyle>
+            <a:lvl1pPr marL="0" indent="0" algn="l">
+              <a:buNone/>
+              <a:defRPr sz="2000" cap="none">
+                <a:solidFill>
+                  <a:schemeClr val="bg2">
+                    <a:lumMod val="40000"/>
+                    <a:lumOff val="60000"/>
+                  </a:schemeClr>
+                </a:solidFill>
+              </a:defRPr>
+            </a:lvl1pPr>
+            <a:lvl2pPr marL="457200" indent="0">
+              <a:buNone/>
+              <a:defRPr sz="1800">
+                <a:solidFill>
+                  <a:schemeClr val="tx1">
+                    <a:tint val="75000"/>
+                  </a:schemeClr>
+                </a:solidFill>
+              </a:defRPr>
+            </a:lvl2pPr>
+            <a:lvl3pPr marL="914400" indent="0">
+              <a:buNone/>
+              <a:defRPr sz="1600">
+                <a:solidFill>
+                  <a:schemeClr val="tx1">
+                    <a:tint val="75000"/>
+                  </a:schemeClr>
+                </a:solidFill>
+              </a:defRPr>
+            </a:lvl3pPr>
+            <a:lvl4pPr marL="1371600" indent="0">
+              <a:buNone/>
+              <a:defRPr sz="1400">
+                <a:solidFill>
+                  <a:schemeClr val="tx1">
+                    <a:tint val="75000"/>
+                  </a:schemeClr>
+                </a:solidFill>
+              </a:defRPr>
+            </a:lvl4pPr>
+            <a:lvl5pPr marL="1828800" indent="0">
+              <a:buNone/>
+              <a:defRPr sz="1400">
+                <a:solidFill>
+                  <a:schemeClr val="tx1">
+                    <a:tint val="75000"/>
+                  </a:schemeClr>
+                </a:solidFill>
+              </a:defRPr>
+            </a:lvl5pPr>
+            <a:lvl6pPr marL="2286000" indent="0">
+              <a:buNone/>
+              <a:defRPr sz="1400">
+                <a:solidFill>
+                  <a:schemeClr val="tx1">
+                    <a:tint val="75000"/>
+                  </a:schemeClr>
+                </a:solidFill>
+              </a:defRPr>
+            </a:lvl6pPr>
+            <a:lvl7pPr marL="2743200" indent="0">
+              <a:buNone/>
+              <a:defRPr sz="1400">
+                <a:solidFill>
+                  <a:schemeClr val="tx1">
+                    <a:tint val="75000"/>
+                  </a:schemeClr>
+                </a:solidFill>
+              </a:defRPr>
+            </a:lvl7pPr>
+            <a:lvl8pPr marL="3200400" indent="0">
+              <a:buNone/>
+              <a:defRPr sz="1400">
+                <a:solidFill>
+                  <a:schemeClr val="tx1">
+                    <a:tint val="75000"/>
+                  </a:schemeClr>
+                </a:solidFill>
+              </a:defRPr>
+            </a:lvl8pPr>
+            <a:lvl9pPr marL="3657600" indent="0">
+              <a:buNone/>
+              <a:defRPr sz="1400">
+                <a:solidFill>
+                  <a:schemeClr val="tx1">
+                    <a:tint val="75000"/>
+                  </a:schemeClr>
+                </a:solidFill>
+              </a:defRPr>
+            </a:lvl9pPr>
+          </a:lstStyle>
+          <a:p>
+            <a:pPr lvl="0"/>
+            <a:r>
+              <a:rPr lang="en-US"/>
+              <a:t>Click to edit Master text styles</a:t>
+            </a:r>
+          </a:p>
+        </p:txBody>
+      </p:sp>
+      <p:sp>
+        <p:nvSpPr>
+          <p:cNvPr id="4" name="Date Placeholder 3"/>
+          <p:cNvSpPr>
+            <a:spLocks noGrp="1"/>
+          </p:cNvSpPr>
+          <p:nvPr>
+            <p:ph type="dt" sz="half" idx="10"/>
+          </p:nvPr>
+        </p:nvSpPr>
+        <p:spPr/>
+        <p:txBody>
+          <a:bodyPr/>
+          <a:lstStyle/>
+          <a:p>
+            <a:fld id="{30B9BDC6-9212-AA4A-B1DD-31ED212B226C}" type="datetimeFigureOut">
+              <a:rPr lang="en-US" smtClean="0"/>
+              <a:t>12/10/2023</a:t>
+            </a:fld>
+            <a:endParaRPr lang="en-US"/>
+          </a:p>
+        </p:txBody>
+      </p:sp>
+      <p:sp>
+        <p:nvSpPr>
+          <p:cNvPr id="5" name="Footer Placeholder 4"/>
+          <p:cNvSpPr>
+            <a:spLocks noGrp="1"/>
+          </p:cNvSpPr>
+          <p:nvPr>
+            <p:ph type="ftr" sz="quarter" idx="11"/>
+          </p:nvPr>
+        </p:nvSpPr>
+        <p:spPr/>
+        <p:txBody>
+          <a:bodyPr/>
+          <a:lstStyle/>
+          <a:p>
+            <a:endParaRPr lang="en-US"/>
+          </a:p>
+        </p:txBody>
+      </p:sp>
+      <p:sp>
+        <p:nvSpPr>
+          <p:cNvPr id="6" name="Slide Number Placeholder 5"/>
+          <p:cNvSpPr>
+            <a:spLocks noGrp="1"/>
+          </p:cNvSpPr>
+          <p:nvPr>
+            <p:ph type="sldNum" sz="quarter" idx="12"/>
+          </p:nvPr>
+        </p:nvSpPr>
+        <p:spPr/>
+        <p:txBody>
+          <a:bodyPr/>
+          <a:lstStyle/>
+          <a:p>
+            <a:fld id="{B463B704-AF0F-AC44-9D96-7697EBF7120A}" type="slidenum">
+              <a:rPr lang="en-US" smtClean="0"/>
+              <a:t>‹#›</a:t>
+            </a:fld>
+            <a:endParaRPr lang="en-US"/>
+          </a:p>
+        </p:txBody>
+      </p:sp>
+    </p:spTree>
+    <p:extLst>
+      <p:ext uri="{BB962C8B-B14F-4D97-AF65-F5344CB8AC3E}">
+        <p14:creationId xmlns:p14="http://schemas.microsoft.com/office/powerpoint/2010/main" val="1673554967"/>
+      </p:ext>
+    </p:extLst>
+  </p:cSld>
+  <p:clrMapOvr>
+    <a:masterClrMapping/>
+  </p:clrMapOvr>
+</p:sldLayout>
+</file>
+
+<file path=ppt/slideLayouts/slideLayout14.xml><?xml version="1.0" encoding="utf-8"?>
+<p:sldLayout xmlns:a="http://schemas.openxmlformats.org/drawingml/2006/main" xmlns:r="http://schemas.openxmlformats.org/officeDocument/2006/relationships" xmlns:p="http://schemas.openxmlformats.org/presentationml/2006/main" preserve="1">
+  <p:cSld name="3 Column">
+    <p:spTree>
+      <p:nvGrpSpPr>
+        <p:cNvPr id="1" name=""/>
+        <p:cNvGrpSpPr/>
+        <p:nvPr/>
+      </p:nvGrpSpPr>
+      <p:grpSpPr>
+        <a:xfrm>
+          <a:off x="0" y="0"/>
+          <a:ext cx="0" cy="0"/>
+          <a:chOff x="0" y="0"/>
+          <a:chExt cx="0" cy="0"/>
+        </a:xfrm>
+      </p:grpSpPr>
+      <p:sp>
+        <p:nvSpPr>
+          <p:cNvPr id="2" name="Title 1"/>
+          <p:cNvSpPr>
+            <a:spLocks noGrp="1"/>
+          </p:cNvSpPr>
+          <p:nvPr>
+            <p:ph type="title"/>
+          </p:nvPr>
+        </p:nvSpPr>
+        <p:spPr/>
+        <p:txBody>
+          <a:bodyPr/>
+          <a:lstStyle>
+            <a:lvl1pPr>
+              <a:defRPr sz="4200"/>
+            </a:lvl1pPr>
+          </a:lstStyle>
+          <a:p>
+            <a:r>
+              <a:rPr lang="en-US"/>
+              <a:t>Click to edit Master title style</a:t>
+            </a:r>
+            <a:endParaRPr lang="en-US" dirty="0"/>
+          </a:p>
+        </p:txBody>
+      </p:sp>
+      <p:sp>
+        <p:nvSpPr>
+          <p:cNvPr id="3" name="Text Placeholder 2"/>
+          <p:cNvSpPr>
+            <a:spLocks noGrp="1"/>
+          </p:cNvSpPr>
+          <p:nvPr>
+            <p:ph type="body" idx="1"/>
+          </p:nvPr>
+        </p:nvSpPr>
+        <p:spPr>
+          <a:xfrm>
+            <a:off x="632947" y="1981200"/>
+            <a:ext cx="2946866" cy="576262"/>
+          </a:xfrm>
+        </p:spPr>
+        <p:txBody>
+          <a:bodyPr anchor="b">
+            <a:noAutofit/>
+          </a:bodyPr>
+          <a:lstStyle>
+            <a:lvl1pPr marL="0" indent="0">
+              <a:buNone/>
+              <a:defRPr sz="2400" b="0">
+                <a:solidFill>
+                  <a:schemeClr val="bg2">
+                    <a:lumMod val="40000"/>
+                    <a:lumOff val="60000"/>
+                  </a:schemeClr>
+                </a:solidFill>
+              </a:defRPr>
+            </a:lvl1pPr>
+            <a:lvl2pPr marL="457200" indent="0">
+              <a:buNone/>
+              <a:defRPr sz="2000" b="1"/>
+            </a:lvl2pPr>
+            <a:lvl3pPr marL="914400" indent="0">
+              <a:buNone/>
+              <a:defRPr sz="1800" b="1"/>
+            </a:lvl3pPr>
+            <a:lvl4pPr marL="1371600" indent="0">
+              <a:buNone/>
+              <a:defRPr sz="1600" b="1"/>
+            </a:lvl4pPr>
+            <a:lvl5pPr marL="1828800" indent="0">
+              <a:buNone/>
+              <a:defRPr sz="1600" b="1"/>
+            </a:lvl5pPr>
+            <a:lvl6pPr marL="2286000" indent="0">
+              <a:buNone/>
+              <a:defRPr sz="1600" b="1"/>
+            </a:lvl6pPr>
+            <a:lvl7pPr marL="2743200" indent="0">
+              <a:buNone/>
+              <a:defRPr sz="1600" b="1"/>
+            </a:lvl7pPr>
+            <a:lvl8pPr marL="3200400" indent="0">
+              <a:buNone/>
+              <a:defRPr sz="1600" b="1"/>
+            </a:lvl8pPr>
+            <a:lvl9pPr marL="3657600" indent="0">
+              <a:buNone/>
+              <a:defRPr sz="1600" b="1"/>
+            </a:lvl9pPr>
+          </a:lstStyle>
+          <a:p>
+            <a:pPr lvl="0"/>
+            <a:r>
+              <a:rPr lang="en-US"/>
+              <a:t>Click to edit Master text styles</a:t>
+            </a:r>
+          </a:p>
+        </p:txBody>
+      </p:sp>
+      <p:sp>
+        <p:nvSpPr>
+          <p:cNvPr id="16" name="Text Placeholder 3"/>
+          <p:cNvSpPr>
+            <a:spLocks noGrp="1"/>
+          </p:cNvSpPr>
+          <p:nvPr>
+            <p:ph type="body" sz="half" idx="15"/>
+          </p:nvPr>
+        </p:nvSpPr>
+        <p:spPr>
+          <a:xfrm>
+            <a:off x="652463" y="2667000"/>
+            <a:ext cx="2927350" cy="3589338"/>
+          </a:xfrm>
+        </p:spPr>
+        <p:txBody>
+          <a:bodyPr anchor="t">
+            <a:normAutofit/>
+          </a:bodyPr>
+          <a:lstStyle>
+            <a:lvl1pPr marL="0" indent="0">
+              <a:buNone/>
+              <a:defRPr sz="1400"/>
+            </a:lvl1pPr>
+            <a:lvl2pPr marL="457200" indent="0">
+              <a:buNone/>
+              <a:defRPr sz="1200"/>
+            </a:lvl2pPr>
+            <a:lvl3pPr marL="914400" indent="0">
+              <a:buNone/>
+              <a:defRPr sz="1000"/>
+            </a:lvl3pPr>
+            <a:lvl4pPr marL="1371600" indent="0">
+              <a:buNone/>
+              <a:defRPr sz="900"/>
+            </a:lvl4pPr>
+            <a:lvl5pPr marL="1828800" indent="0">
+              <a:buNone/>
+              <a:defRPr sz="900"/>
+            </a:lvl5pPr>
+            <a:lvl6pPr marL="2286000" indent="0">
+              <a:buNone/>
+              <a:defRPr sz="900"/>
+            </a:lvl6pPr>
+            <a:lvl7pPr marL="2743200" indent="0">
+              <a:buNone/>
+              <a:defRPr sz="900"/>
+            </a:lvl7pPr>
+            <a:lvl8pPr marL="3200400" indent="0">
+              <a:buNone/>
+              <a:defRPr sz="900"/>
+            </a:lvl8pPr>
+            <a:lvl9pPr marL="3657600" indent="0">
+              <a:buNone/>
+              <a:defRPr sz="900"/>
+            </a:lvl9pPr>
+          </a:lstStyle>
+          <a:p>
+            <a:pPr lvl="0"/>
+            <a:r>
+              <a:rPr lang="en-US"/>
+              <a:t>Click to edit Master text styles</a:t>
+            </a:r>
+          </a:p>
+        </p:txBody>
+      </p:sp>
+      <p:sp>
+        <p:nvSpPr>
+          <p:cNvPr id="5" name="Text Placeholder 4"/>
+          <p:cNvSpPr>
+            <a:spLocks noGrp="1"/>
+          </p:cNvSpPr>
+          <p:nvPr>
+            <p:ph type="body" sz="quarter" idx="3"/>
+          </p:nvPr>
+        </p:nvSpPr>
+        <p:spPr>
+          <a:xfrm>
+            <a:off x="3883659" y="1981200"/>
+            <a:ext cx="2936241" cy="576262"/>
+          </a:xfrm>
+        </p:spPr>
+        <p:txBody>
+          <a:bodyPr anchor="b">
+            <a:noAutofit/>
+          </a:bodyPr>
+          <a:lstStyle>
+            <a:lvl1pPr marL="0" indent="0">
+              <a:buNone/>
+              <a:defRPr sz="2400" b="0">
+                <a:solidFill>
+                  <a:schemeClr val="bg2">
+                    <a:lumMod val="40000"/>
+                    <a:lumOff val="60000"/>
+                  </a:schemeClr>
+                </a:solidFill>
+              </a:defRPr>
+            </a:lvl1pPr>
+            <a:lvl2pPr marL="457200" indent="0">
+              <a:buNone/>
+              <a:defRPr sz="2000" b="1"/>
+            </a:lvl2pPr>
+            <a:lvl3pPr marL="914400" indent="0">
+              <a:buNone/>
+              <a:defRPr sz="1800" b="1"/>
+            </a:lvl3pPr>
+            <a:lvl4pPr marL="1371600" indent="0">
+              <a:buNone/>
+              <a:defRPr sz="1600" b="1"/>
+            </a:lvl4pPr>
+            <a:lvl5pPr marL="1828800" indent="0">
+              <a:buNone/>
+              <a:defRPr sz="1600" b="1"/>
+            </a:lvl5pPr>
+            <a:lvl6pPr marL="2286000" indent="0">
+              <a:buNone/>
+              <a:defRPr sz="1600" b="1"/>
+            </a:lvl6pPr>
+            <a:lvl7pPr marL="2743200" indent="0">
+              <a:buNone/>
+              <a:defRPr sz="1600" b="1"/>
+            </a:lvl7pPr>
+            <a:lvl8pPr marL="3200400" indent="0">
+              <a:buNone/>
+              <a:defRPr sz="1600" b="1"/>
+            </a:lvl8pPr>
+            <a:lvl9pPr marL="3657600" indent="0">
+              <a:buNone/>
+              <a:defRPr sz="1600" b="1"/>
+            </a:lvl9pPr>
+          </a:lstStyle>
+          <a:p>
+            <a:pPr lvl="0"/>
+            <a:r>
+              <a:rPr lang="en-US"/>
+              <a:t>Click to edit Master text styles</a:t>
+            </a:r>
+          </a:p>
+        </p:txBody>
+      </p:sp>
+      <p:sp>
+        <p:nvSpPr>
+          <p:cNvPr id="19" name="Text Placeholder 3"/>
+          <p:cNvSpPr>
+            <a:spLocks noGrp="1"/>
+          </p:cNvSpPr>
+          <p:nvPr>
+            <p:ph type="body" sz="half" idx="16"/>
+          </p:nvPr>
+        </p:nvSpPr>
+        <p:spPr>
+          <a:xfrm>
+            <a:off x="3873106" y="2667000"/>
+            <a:ext cx="2946794" cy="3589338"/>
+          </a:xfrm>
+        </p:spPr>
+        <p:txBody>
+          <a:bodyPr anchor="t">
+            <a:normAutofit/>
+          </a:bodyPr>
+          <a:lstStyle>
+            <a:lvl1pPr marL="0" indent="0">
+              <a:buNone/>
+              <a:defRPr sz="1400"/>
+            </a:lvl1pPr>
+            <a:lvl2pPr marL="457200" indent="0">
+              <a:buNone/>
+              <a:defRPr sz="1200"/>
+            </a:lvl2pPr>
+            <a:lvl3pPr marL="914400" indent="0">
+              <a:buNone/>
+              <a:defRPr sz="1000"/>
+            </a:lvl3pPr>
+            <a:lvl4pPr marL="1371600" indent="0">
+              <a:buNone/>
+              <a:defRPr sz="900"/>
+            </a:lvl4pPr>
+            <a:lvl5pPr marL="1828800" indent="0">
+              <a:buNone/>
+              <a:defRPr sz="900"/>
+            </a:lvl5pPr>
+            <a:lvl6pPr marL="2286000" indent="0">
+              <a:buNone/>
+              <a:defRPr sz="900"/>
+            </a:lvl6pPr>
+            <a:lvl7pPr marL="2743200" indent="0">
+              <a:buNone/>
+              <a:defRPr sz="900"/>
+            </a:lvl7pPr>
+            <a:lvl8pPr marL="3200400" indent="0">
+              <a:buNone/>
+              <a:defRPr sz="900"/>
+            </a:lvl8pPr>
+            <a:lvl9pPr marL="3657600" indent="0">
+              <a:buNone/>
+              <a:defRPr sz="900"/>
+            </a:lvl9pPr>
+          </a:lstStyle>
+          <a:p>
+            <a:pPr lvl="0"/>
+            <a:r>
+              <a:rPr lang="en-US"/>
+              <a:t>Click to edit Master text styles</a:t>
+            </a:r>
+          </a:p>
+        </p:txBody>
+      </p:sp>
+      <p:sp>
+        <p:nvSpPr>
+          <p:cNvPr id="14" name="Text Placeholder 4"/>
+          <p:cNvSpPr>
+            <a:spLocks noGrp="1"/>
+          </p:cNvSpPr>
+          <p:nvPr>
+            <p:ph type="body" sz="quarter" idx="13"/>
+          </p:nvPr>
+        </p:nvSpPr>
+        <p:spPr>
+          <a:xfrm>
+            <a:off x="7124700" y="1981200"/>
+            <a:ext cx="2932113" cy="576262"/>
+          </a:xfrm>
+        </p:spPr>
+        <p:txBody>
+          <a:bodyPr anchor="b">
+            <a:noAutofit/>
+          </a:bodyPr>
+          <a:lstStyle>
+            <a:lvl1pPr marL="0" indent="0">
+              <a:buNone/>
+              <a:defRPr sz="2400" b="0">
+                <a:solidFill>
+                  <a:schemeClr val="bg2">
+                    <a:lumMod val="40000"/>
+                    <a:lumOff val="60000"/>
+                  </a:schemeClr>
+                </a:solidFill>
+              </a:defRPr>
+            </a:lvl1pPr>
+            <a:lvl2pPr marL="457200" indent="0">
+              <a:buNone/>
+              <a:defRPr sz="2000" b="1"/>
+            </a:lvl2pPr>
+            <a:lvl3pPr marL="914400" indent="0">
+              <a:buNone/>
+              <a:defRPr sz="1800" b="1"/>
+            </a:lvl3pPr>
+            <a:lvl4pPr marL="1371600" indent="0">
+              <a:buNone/>
+              <a:defRPr sz="1600" b="1"/>
+            </a:lvl4pPr>
+            <a:lvl5pPr marL="1828800" indent="0">
+              <a:buNone/>
+              <a:defRPr sz="1600" b="1"/>
+            </a:lvl5pPr>
+            <a:lvl6pPr marL="2286000" indent="0">
+              <a:buNone/>
+              <a:defRPr sz="1600" b="1"/>
+            </a:lvl6pPr>
+            <a:lvl7pPr marL="2743200" indent="0">
+              <a:buNone/>
+              <a:defRPr sz="1600" b="1"/>
+            </a:lvl7pPr>
+            <a:lvl8pPr marL="3200400" indent="0">
+              <a:buNone/>
+              <a:defRPr sz="1600" b="1"/>
+            </a:lvl8pPr>
+            <a:lvl9pPr marL="3657600" indent="0">
+              <a:buNone/>
+              <a:defRPr sz="1600" b="1"/>
+            </a:lvl9pPr>
+          </a:lstStyle>
+          <a:p>
+            <a:pPr lvl="0"/>
+            <a:r>
+              <a:rPr lang="en-US"/>
+              <a:t>Click to edit Master text styles</a:t>
+            </a:r>
+          </a:p>
+        </p:txBody>
+      </p:sp>
+      <p:sp>
+        <p:nvSpPr>
+          <p:cNvPr id="20" name="Text Placeholder 3"/>
+          <p:cNvSpPr>
+            <a:spLocks noGrp="1"/>
+          </p:cNvSpPr>
+          <p:nvPr>
+            <p:ph type="body" sz="half" idx="17"/>
+          </p:nvPr>
+        </p:nvSpPr>
+        <p:spPr>
+          <a:xfrm>
+            <a:off x="7124700" y="2667000"/>
+            <a:ext cx="2932113" cy="3589338"/>
+          </a:xfrm>
+        </p:spPr>
+        <p:txBody>
+          <a:bodyPr anchor="t">
+            <a:normAutofit/>
+          </a:bodyPr>
+          <a:lstStyle>
+            <a:lvl1pPr marL="0" indent="0">
+              <a:buNone/>
+              <a:defRPr sz="1400"/>
+            </a:lvl1pPr>
+            <a:lvl2pPr marL="457200" indent="0">
+              <a:buNone/>
+              <a:defRPr sz="1200"/>
+            </a:lvl2pPr>
+            <a:lvl3pPr marL="914400" indent="0">
+              <a:buNone/>
+              <a:defRPr sz="1000"/>
+            </a:lvl3pPr>
+            <a:lvl4pPr marL="1371600" indent="0">
+              <a:buNone/>
+              <a:defRPr sz="900"/>
+            </a:lvl4pPr>
+            <a:lvl5pPr marL="1828800" indent="0">
+              <a:buNone/>
+              <a:defRPr sz="900"/>
+            </a:lvl5pPr>
+            <a:lvl6pPr marL="2286000" indent="0">
+              <a:buNone/>
+              <a:defRPr sz="900"/>
+            </a:lvl6pPr>
+            <a:lvl7pPr marL="2743200" indent="0">
+              <a:buNone/>
+              <a:defRPr sz="900"/>
+            </a:lvl7pPr>
+            <a:lvl8pPr marL="3200400" indent="0">
+              <a:buNone/>
+              <a:defRPr sz="900"/>
+            </a:lvl8pPr>
+            <a:lvl9pPr marL="3657600" indent="0">
+              <a:buNone/>
+              <a:defRPr sz="900"/>
+            </a:lvl9pPr>
+          </a:lstStyle>
+          <a:p>
+            <a:pPr lvl="0"/>
+            <a:r>
+              <a:rPr lang="en-US"/>
+              <a:t>Click to edit Master text styles</a:t>
+            </a:r>
+          </a:p>
+        </p:txBody>
+      </p:sp>
+      <p:cxnSp>
+        <p:nvCxnSpPr>
+          <p:cNvPr id="17" name="Straight Connector 16"/>
+          <p:cNvCxnSpPr/>
+          <p:nvPr/>
+        </p:nvCxnSpPr>
+        <p:spPr>
+          <a:xfrm>
+            <a:off x="3726142" y="2133600"/>
+            <a:ext cx="0" cy="3962400"/>
+          </a:xfrm>
+          <a:prstGeom prst="line">
+            <a:avLst/>
+          </a:prstGeom>
+          <a:ln w="12700" cmpd="sng">
+            <a:solidFill>
+              <a:schemeClr val="bg2">
+                <a:lumMod val="40000"/>
+                <a:lumOff val="60000"/>
+                <a:alpha val="40000"/>
+              </a:schemeClr>
+            </a:solidFill>
+          </a:ln>
+        </p:spPr>
+        <p:style>
+          <a:lnRef idx="2">
+            <a:schemeClr val="accent1"/>
+          </a:lnRef>
+          <a:fillRef idx="0">
+            <a:schemeClr val="accent1"/>
+          </a:fillRef>
+          <a:effectRef idx="1">
+            <a:schemeClr val="accent1"/>
+          </a:effectRef>
+          <a:fontRef idx="minor">
+            <a:schemeClr val="tx1"/>
+          </a:fontRef>
+        </p:style>
+      </p:cxnSp>
+      <p:cxnSp>
+        <p:nvCxnSpPr>
+          <p:cNvPr id="18" name="Straight Connector 17"/>
+          <p:cNvCxnSpPr/>
+          <p:nvPr/>
+        </p:nvCxnSpPr>
+        <p:spPr>
+          <a:xfrm>
+            <a:off x="6962227" y="2133600"/>
+            <a:ext cx="0" cy="3966882"/>
+          </a:xfrm>
+          <a:prstGeom prst="line">
+            <a:avLst/>
+          </a:prstGeom>
+          <a:ln w="12700" cmpd="sng">
+            <a:solidFill>
+              <a:schemeClr val="bg2">
+                <a:lumMod val="40000"/>
+                <a:lumOff val="60000"/>
+                <a:alpha val="40000"/>
+              </a:schemeClr>
+            </a:solidFill>
+          </a:ln>
+        </p:spPr>
+        <p:style>
+          <a:lnRef idx="2">
+            <a:schemeClr val="accent1"/>
+          </a:lnRef>
+          <a:fillRef idx="0">
+            <a:schemeClr val="accent1"/>
+          </a:fillRef>
+          <a:effectRef idx="1">
+            <a:schemeClr val="accent1"/>
+          </a:effectRef>
+          <a:fontRef idx="minor">
+            <a:schemeClr val="tx1"/>
+          </a:fontRef>
+        </p:style>
+      </p:cxnSp>
+      <p:sp>
+        <p:nvSpPr>
+          <p:cNvPr id="7" name="Date Placeholder 3"/>
+          <p:cNvSpPr>
+            <a:spLocks noGrp="1"/>
+          </p:cNvSpPr>
+          <p:nvPr>
+            <p:ph type="dt" sz="half" idx="10"/>
+          </p:nvPr>
+        </p:nvSpPr>
+        <p:spPr/>
+        <p:txBody>
+          <a:bodyPr/>
+          <a:lstStyle/>
+          <a:p>
+            <a:fld id="{30B9BDC6-9212-AA4A-B1DD-31ED212B226C}" type="datetimeFigureOut">
+              <a:rPr lang="en-US" smtClean="0"/>
+              <a:t>12/10/2023</a:t>
+            </a:fld>
+            <a:endParaRPr lang="en-US"/>
+          </a:p>
+        </p:txBody>
+      </p:sp>
+      <p:sp>
+        <p:nvSpPr>
+          <p:cNvPr id="4" name="Footer Placeholder 4"/>
+          <p:cNvSpPr>
+            <a:spLocks noGrp="1"/>
+          </p:cNvSpPr>
+          <p:nvPr>
+            <p:ph type="ftr" sz="quarter" idx="11"/>
+          </p:nvPr>
+        </p:nvSpPr>
+        <p:spPr/>
+        <p:txBody>
+          <a:bodyPr/>
+          <a:lstStyle/>
+          <a:p>
+            <a:endParaRPr lang="en-US"/>
+          </a:p>
+        </p:txBody>
+      </p:sp>
+      <p:sp>
+        <p:nvSpPr>
+          <p:cNvPr id="6" name="Slide Number Placeholder 5"/>
+          <p:cNvSpPr>
+            <a:spLocks noGrp="1"/>
+          </p:cNvSpPr>
+          <p:nvPr>
+            <p:ph type="sldNum" sz="quarter" idx="12"/>
+          </p:nvPr>
+        </p:nvSpPr>
+        <p:spPr/>
+        <p:txBody>
+          <a:bodyPr/>
+          <a:lstStyle/>
+          <a:p>
+            <a:fld id="{B463B704-AF0F-AC44-9D96-7697EBF7120A}" type="slidenum">
+              <a:rPr lang="en-US" smtClean="0"/>
+              <a:t>‹#›</a:t>
+            </a:fld>
+            <a:endParaRPr lang="en-US"/>
+          </a:p>
+        </p:txBody>
+      </p:sp>
+    </p:spTree>
+    <p:extLst>
+      <p:ext uri="{BB962C8B-B14F-4D97-AF65-F5344CB8AC3E}">
+        <p14:creationId xmlns:p14="http://schemas.microsoft.com/office/powerpoint/2010/main" val="276356006"/>
+      </p:ext>
+    </p:extLst>
+  </p:cSld>
+  <p:clrMapOvr>
+    <a:masterClrMapping/>
+  </p:clrMapOvr>
+</p:sldLayout>
+</file>
+
+<file path=ppt/slideLayouts/slideLayout15.xml><?xml version="1.0" encoding="utf-8"?>
+<p:sldLayout xmlns:a="http://schemas.openxmlformats.org/drawingml/2006/main" xmlns:r="http://schemas.openxmlformats.org/officeDocument/2006/relationships" xmlns:p="http://schemas.openxmlformats.org/presentationml/2006/main" preserve="1">
+  <p:cSld name="3 Picture Column">
+    <p:spTree>
+      <p:nvGrpSpPr>
+        <p:cNvPr id="1" name=""/>
+        <p:cNvGrpSpPr/>
+        <p:nvPr/>
+      </p:nvGrpSpPr>
+      <p:grpSpPr>
+        <a:xfrm>
+          <a:off x="0" y="0"/>
+          <a:ext cx="0" cy="0"/>
+          <a:chOff x="0" y="0"/>
+          <a:chExt cx="0" cy="0"/>
+        </a:xfrm>
+      </p:grpSpPr>
+      <p:sp>
+        <p:nvSpPr>
+          <p:cNvPr id="2" name="Title 1"/>
+          <p:cNvSpPr>
+            <a:spLocks noGrp="1"/>
+          </p:cNvSpPr>
+          <p:nvPr>
+            <p:ph type="title"/>
+          </p:nvPr>
+        </p:nvSpPr>
+        <p:spPr/>
+        <p:txBody>
+          <a:bodyPr/>
+          <a:lstStyle>
+            <a:lvl1pPr>
+              <a:defRPr sz="4200"/>
+            </a:lvl1pPr>
+          </a:lstStyle>
+          <a:p>
+            <a:r>
+              <a:rPr lang="en-US"/>
+              <a:t>Click to edit Master title style</a:t>
+            </a:r>
+            <a:endParaRPr lang="en-US" dirty="0"/>
+          </a:p>
+        </p:txBody>
+      </p:sp>
+      <p:sp>
+        <p:nvSpPr>
+          <p:cNvPr id="3" name="Text Placeholder 2"/>
+          <p:cNvSpPr>
+            <a:spLocks noGrp="1"/>
+          </p:cNvSpPr>
+          <p:nvPr>
+            <p:ph type="body" idx="1"/>
+          </p:nvPr>
+        </p:nvSpPr>
+        <p:spPr>
+          <a:xfrm>
+            <a:off x="652463" y="4250949"/>
+            <a:ext cx="2940050" cy="576262"/>
+          </a:xfrm>
+        </p:spPr>
+        <p:txBody>
+          <a:bodyPr anchor="b">
+            <a:noAutofit/>
+          </a:bodyPr>
+          <a:lstStyle>
+            <a:lvl1pPr marL="0" indent="0">
+              <a:buNone/>
+              <a:defRPr sz="2400" b="0">
+                <a:solidFill>
+                  <a:schemeClr val="bg2">
+                    <a:lumMod val="40000"/>
+                    <a:lumOff val="60000"/>
+                  </a:schemeClr>
+                </a:solidFill>
+              </a:defRPr>
+            </a:lvl1pPr>
+            <a:lvl2pPr marL="457200" indent="0">
+              <a:buNone/>
+              <a:defRPr sz="2000" b="1"/>
+            </a:lvl2pPr>
+            <a:lvl3pPr marL="914400" indent="0">
+              <a:buNone/>
+              <a:defRPr sz="1800" b="1"/>
+            </a:lvl3pPr>
+            <a:lvl4pPr marL="1371600" indent="0">
+              <a:buNone/>
+              <a:defRPr sz="1600" b="1"/>
+            </a:lvl4pPr>
+            <a:lvl5pPr marL="1828800" indent="0">
+              <a:buNone/>
+              <a:defRPr sz="1600" b="1"/>
+            </a:lvl5pPr>
+            <a:lvl6pPr marL="2286000" indent="0">
+              <a:buNone/>
+              <a:defRPr sz="1600" b="1"/>
+            </a:lvl6pPr>
+            <a:lvl7pPr marL="2743200" indent="0">
+              <a:buNone/>
+              <a:defRPr sz="1600" b="1"/>
+            </a:lvl7pPr>
+            <a:lvl8pPr marL="3200400" indent="0">
+              <a:buNone/>
+              <a:defRPr sz="1600" b="1"/>
+            </a:lvl8pPr>
+            <a:lvl9pPr marL="3657600" indent="0">
+              <a:buNone/>
+              <a:defRPr sz="1600" b="1"/>
+            </a:lvl9pPr>
+          </a:lstStyle>
+          <a:p>
+            <a:pPr lvl="0"/>
+            <a:r>
+              <a:rPr lang="en-US"/>
+              <a:t>Click to edit Master text styles</a:t>
+            </a:r>
+          </a:p>
+        </p:txBody>
+      </p:sp>
+      <p:sp>
+        <p:nvSpPr>
+          <p:cNvPr id="29" name="Picture Placeholder 2"/>
+          <p:cNvSpPr>
+            <a:spLocks noGrp="1" noChangeAspect="1"/>
+          </p:cNvSpPr>
+          <p:nvPr>
+            <p:ph type="pic" idx="15"/>
+          </p:nvPr>
+        </p:nvSpPr>
+        <p:spPr>
+          <a:xfrm>
+            <a:off x="652463" y="2209800"/>
+            <a:ext cx="2940050" cy="1524000"/>
+          </a:xfrm>
+          <a:prstGeom prst="roundRect">
+            <a:avLst>
+              <a:gd name="adj" fmla="val 1858"/>
+            </a:avLst>
+          </a:prstGeom>
+          <a:effectLst>
+            <a:outerShdw blurRad="50800" dist="50800" dir="5400000" algn="tl" rotWithShape="0">
+              <a:srgbClr val="000000">
+                <a:alpha val="43000"/>
+              </a:srgbClr>
+            </a:outerShdw>
+          </a:effectLst>
+        </p:spPr>
+        <p:txBody>
+          <a:bodyPr anchor="t">
+            <a:normAutofit/>
+          </a:bodyPr>
+          <a:lstStyle>
+            <a:lvl1pPr marL="0" indent="0" algn="ctr">
+              <a:buNone/>
+              <a:defRPr sz="1600"/>
+            </a:lvl1pPr>
+            <a:lvl2pPr marL="457200" indent="0">
+              <a:buNone/>
+              <a:defRPr sz="1600"/>
+            </a:lvl2pPr>
+            <a:lvl3pPr marL="914400" indent="0">
+              <a:buNone/>
+              <a:defRPr sz="1600"/>
+            </a:lvl3pPr>
+            <a:lvl4pPr marL="1371600" indent="0">
+              <a:buNone/>
+              <a:defRPr sz="1600"/>
+            </a:lvl4pPr>
+            <a:lvl5pPr marL="1828800" indent="0">
+              <a:buNone/>
+              <a:defRPr sz="1600"/>
+            </a:lvl5pPr>
+            <a:lvl6pPr marL="2286000" indent="0">
+              <a:buNone/>
+              <a:defRPr sz="1600"/>
+            </a:lvl6pPr>
+            <a:lvl7pPr marL="2743200" indent="0">
+              <a:buNone/>
+              <a:defRPr sz="1600"/>
+            </a:lvl7pPr>
+            <a:lvl8pPr marL="3200400" indent="0">
+              <a:buNone/>
+              <a:defRPr sz="1600"/>
+            </a:lvl8pPr>
+            <a:lvl9pPr marL="3657600" indent="0">
+              <a:buNone/>
+              <a:defRPr sz="1600"/>
+            </a:lvl9pPr>
+          </a:lstStyle>
+          <a:p>
+            <a:r>
+              <a:rPr lang="en-US"/>
+              <a:t>Click icon to add picture</a:t>
+            </a:r>
+            <a:endParaRPr lang="en-US" dirty="0"/>
+          </a:p>
+        </p:txBody>
+      </p:sp>
+      <p:sp>
+        <p:nvSpPr>
+          <p:cNvPr id="22" name="Text Placeholder 3"/>
+          <p:cNvSpPr>
+            <a:spLocks noGrp="1"/>
+          </p:cNvSpPr>
+          <p:nvPr>
+            <p:ph type="body" sz="half" idx="18"/>
+          </p:nvPr>
+        </p:nvSpPr>
+        <p:spPr>
+          <a:xfrm>
+            <a:off x="652463" y="4827211"/>
+            <a:ext cx="2940050" cy="659189"/>
+          </a:xfrm>
+        </p:spPr>
+        <p:txBody>
+          <a:bodyPr anchor="t">
+            <a:normAutofit/>
+          </a:bodyPr>
+          <a:lstStyle>
+            <a:lvl1pPr marL="0" indent="0">
+              <a:buNone/>
+              <a:defRPr sz="1400"/>
+            </a:lvl1pPr>
+            <a:lvl2pPr marL="457200" indent="0">
+              <a:buNone/>
+              <a:defRPr sz="1200"/>
+            </a:lvl2pPr>
+            <a:lvl3pPr marL="914400" indent="0">
+              <a:buNone/>
+              <a:defRPr sz="1000"/>
+            </a:lvl3pPr>
+            <a:lvl4pPr marL="1371600" indent="0">
+              <a:buNone/>
+              <a:defRPr sz="900"/>
+            </a:lvl4pPr>
+            <a:lvl5pPr marL="1828800" indent="0">
+              <a:buNone/>
+              <a:defRPr sz="900"/>
+            </a:lvl5pPr>
+            <a:lvl6pPr marL="2286000" indent="0">
+              <a:buNone/>
+              <a:defRPr sz="900"/>
+            </a:lvl6pPr>
+            <a:lvl7pPr marL="2743200" indent="0">
+              <a:buNone/>
+              <a:defRPr sz="900"/>
+            </a:lvl7pPr>
+            <a:lvl8pPr marL="3200400" indent="0">
+              <a:buNone/>
+              <a:defRPr sz="900"/>
+            </a:lvl8pPr>
+            <a:lvl9pPr marL="3657600" indent="0">
+              <a:buNone/>
+              <a:defRPr sz="900"/>
+            </a:lvl9pPr>
+          </a:lstStyle>
+          <a:p>
+            <a:pPr lvl="0"/>
+            <a:r>
+              <a:rPr lang="en-US"/>
+              <a:t>Click to edit Master text styles</a:t>
+            </a:r>
+          </a:p>
+        </p:txBody>
+      </p:sp>
+      <p:sp>
+        <p:nvSpPr>
+          <p:cNvPr id="5" name="Text Placeholder 4"/>
+          <p:cNvSpPr>
+            <a:spLocks noGrp="1"/>
+          </p:cNvSpPr>
+          <p:nvPr>
+            <p:ph type="body" sz="quarter" idx="3"/>
+          </p:nvPr>
+        </p:nvSpPr>
+        <p:spPr>
+          <a:xfrm>
+            <a:off x="3889375" y="4250949"/>
+            <a:ext cx="2930525" cy="576262"/>
+          </a:xfrm>
+        </p:spPr>
+        <p:txBody>
+          <a:bodyPr anchor="b">
+            <a:noAutofit/>
+          </a:bodyPr>
+          <a:lstStyle>
+            <a:lvl1pPr marL="0" indent="0">
+              <a:buNone/>
+              <a:defRPr sz="2400" b="0">
+                <a:solidFill>
+                  <a:schemeClr val="bg2">
+                    <a:lumMod val="40000"/>
+                    <a:lumOff val="60000"/>
+                  </a:schemeClr>
+                </a:solidFill>
+              </a:defRPr>
+            </a:lvl1pPr>
+            <a:lvl2pPr marL="457200" indent="0">
+              <a:buNone/>
+              <a:defRPr sz="2000" b="1"/>
+            </a:lvl2pPr>
+            <a:lvl3pPr marL="914400" indent="0">
+              <a:buNone/>
+              <a:defRPr sz="1800" b="1"/>
+            </a:lvl3pPr>
+            <a:lvl4pPr marL="1371600" indent="0">
+              <a:buNone/>
+              <a:defRPr sz="1600" b="1"/>
+            </a:lvl4pPr>
+            <a:lvl5pPr marL="1828800" indent="0">
+              <a:buNone/>
+              <a:defRPr sz="1600" b="1"/>
+            </a:lvl5pPr>
+            <a:lvl6pPr marL="2286000" indent="0">
+              <a:buNone/>
+              <a:defRPr sz="1600" b="1"/>
+            </a:lvl6pPr>
+            <a:lvl7pPr marL="2743200" indent="0">
+              <a:buNone/>
+              <a:defRPr sz="1600" b="1"/>
+            </a:lvl7pPr>
+            <a:lvl8pPr marL="3200400" indent="0">
+              <a:buNone/>
+              <a:defRPr sz="1600" b="1"/>
+            </a:lvl8pPr>
+            <a:lvl9pPr marL="3657600" indent="0">
+              <a:buNone/>
+              <a:defRPr sz="1600" b="1"/>
+            </a:lvl9pPr>
+          </a:lstStyle>
+          <a:p>
+            <a:pPr lvl="0"/>
+            <a:r>
+              <a:rPr lang="en-US"/>
+              <a:t>Click to edit Master text styles</a:t>
+            </a:r>
+          </a:p>
+        </p:txBody>
+      </p:sp>
+      <p:sp>
+        <p:nvSpPr>
+          <p:cNvPr id="30" name="Picture Placeholder 2"/>
+          <p:cNvSpPr>
+            <a:spLocks noGrp="1" noChangeAspect="1"/>
+          </p:cNvSpPr>
+          <p:nvPr>
+            <p:ph type="pic" idx="21"/>
+          </p:nvPr>
+        </p:nvSpPr>
+        <p:spPr>
+          <a:xfrm>
+            <a:off x="3889374" y="2209800"/>
+            <a:ext cx="2930525" cy="1524000"/>
+          </a:xfrm>
+          <a:prstGeom prst="roundRect">
+            <a:avLst>
+              <a:gd name="adj" fmla="val 1858"/>
+            </a:avLst>
+          </a:prstGeom>
+          <a:effectLst>
+            <a:outerShdw blurRad="50800" dist="50800" dir="5400000" algn="tl" rotWithShape="0">
+              <a:srgbClr val="000000">
+                <a:alpha val="43000"/>
+              </a:srgbClr>
+            </a:outerShdw>
+          </a:effectLst>
+        </p:spPr>
+        <p:txBody>
+          <a:bodyPr anchor="t">
+            <a:normAutofit/>
+          </a:bodyPr>
+          <a:lstStyle>
+            <a:lvl1pPr marL="0" indent="0" algn="ctr">
+              <a:buNone/>
+              <a:defRPr sz="1600"/>
+            </a:lvl1pPr>
+            <a:lvl2pPr marL="457200" indent="0">
+              <a:buNone/>
+              <a:defRPr sz="1600"/>
+            </a:lvl2pPr>
+            <a:lvl3pPr marL="914400" indent="0">
+              <a:buNone/>
+              <a:defRPr sz="1600"/>
+            </a:lvl3pPr>
+            <a:lvl4pPr marL="1371600" indent="0">
+              <a:buNone/>
+              <a:defRPr sz="1600"/>
+            </a:lvl4pPr>
+            <a:lvl5pPr marL="1828800" indent="0">
+              <a:buNone/>
+              <a:defRPr sz="1600"/>
+            </a:lvl5pPr>
+            <a:lvl6pPr marL="2286000" indent="0">
+              <a:buNone/>
+              <a:defRPr sz="1600"/>
+            </a:lvl6pPr>
+            <a:lvl7pPr marL="2743200" indent="0">
+              <a:buNone/>
+              <a:defRPr sz="1600"/>
+            </a:lvl7pPr>
+            <a:lvl8pPr marL="3200400" indent="0">
+              <a:buNone/>
+              <a:defRPr sz="1600"/>
+            </a:lvl8pPr>
+            <a:lvl9pPr marL="3657600" indent="0">
+              <a:buNone/>
+              <a:defRPr sz="1600"/>
+            </a:lvl9pPr>
+          </a:lstStyle>
+          <a:p>
+            <a:r>
+              <a:rPr lang="en-US"/>
+              <a:t>Click icon to add picture</a:t>
+            </a:r>
+            <a:endParaRPr lang="en-US" dirty="0"/>
+          </a:p>
+        </p:txBody>
+      </p:sp>
+      <p:sp>
+        <p:nvSpPr>
+          <p:cNvPr id="23" name="Text Placeholder 3"/>
+          <p:cNvSpPr>
+            <a:spLocks noGrp="1"/>
+          </p:cNvSpPr>
+          <p:nvPr>
+            <p:ph type="body" sz="half" idx="19"/>
+          </p:nvPr>
+        </p:nvSpPr>
+        <p:spPr>
+          <a:xfrm>
+            <a:off x="3888022" y="4827210"/>
+            <a:ext cx="2934406" cy="659189"/>
+          </a:xfrm>
+        </p:spPr>
+        <p:txBody>
+          <a:bodyPr anchor="t">
+            <a:normAutofit/>
+          </a:bodyPr>
+          <a:lstStyle>
+            <a:lvl1pPr marL="0" indent="0">
+              <a:buNone/>
+              <a:defRPr sz="1400"/>
+            </a:lvl1pPr>
+            <a:lvl2pPr marL="457200" indent="0">
+              <a:buNone/>
+              <a:defRPr sz="1200"/>
+            </a:lvl2pPr>
+            <a:lvl3pPr marL="914400" indent="0">
+              <a:buNone/>
+              <a:defRPr sz="1000"/>
+            </a:lvl3pPr>
+            <a:lvl4pPr marL="1371600" indent="0">
+              <a:buNone/>
+              <a:defRPr sz="900"/>
+            </a:lvl4pPr>
+            <a:lvl5pPr marL="1828800" indent="0">
+              <a:buNone/>
+              <a:defRPr sz="900"/>
+            </a:lvl5pPr>
+            <a:lvl6pPr marL="2286000" indent="0">
+              <a:buNone/>
+              <a:defRPr sz="900"/>
+            </a:lvl6pPr>
+            <a:lvl7pPr marL="2743200" indent="0">
+              <a:buNone/>
+              <a:defRPr sz="900"/>
+            </a:lvl7pPr>
+            <a:lvl8pPr marL="3200400" indent="0">
+              <a:buNone/>
+              <a:defRPr sz="900"/>
+            </a:lvl8pPr>
+            <a:lvl9pPr marL="3657600" indent="0">
+              <a:buNone/>
+              <a:defRPr sz="900"/>
+            </a:lvl9pPr>
+          </a:lstStyle>
+          <a:p>
+            <a:pPr lvl="0"/>
+            <a:r>
+              <a:rPr lang="en-US"/>
+              <a:t>Click to edit Master text styles</a:t>
+            </a:r>
+          </a:p>
+        </p:txBody>
+      </p:sp>
+      <p:sp>
+        <p:nvSpPr>
+          <p:cNvPr id="14" name="Text Placeholder 4"/>
+          <p:cNvSpPr>
+            <a:spLocks noGrp="1"/>
+          </p:cNvSpPr>
+          <p:nvPr>
+            <p:ph type="body" sz="quarter" idx="13"/>
+          </p:nvPr>
+        </p:nvSpPr>
+        <p:spPr>
+          <a:xfrm>
+            <a:off x="7124700" y="4250949"/>
+            <a:ext cx="2932113" cy="576262"/>
+          </a:xfrm>
+        </p:spPr>
+        <p:txBody>
+          <a:bodyPr anchor="b">
+            <a:noAutofit/>
+          </a:bodyPr>
+          <a:lstStyle>
+            <a:lvl1pPr marL="0" indent="0">
+              <a:buNone/>
+              <a:defRPr sz="2400" b="0">
+                <a:solidFill>
+                  <a:schemeClr val="bg2">
+                    <a:lumMod val="40000"/>
+                    <a:lumOff val="60000"/>
+                  </a:schemeClr>
+                </a:solidFill>
+              </a:defRPr>
+            </a:lvl1pPr>
+            <a:lvl2pPr marL="457200" indent="0">
+              <a:buNone/>
+              <a:defRPr sz="2000" b="1"/>
+            </a:lvl2pPr>
+            <a:lvl3pPr marL="914400" indent="0">
+              <a:buNone/>
+              <a:defRPr sz="1800" b="1"/>
+            </a:lvl3pPr>
+            <a:lvl4pPr marL="1371600" indent="0">
+              <a:buNone/>
+              <a:defRPr sz="1600" b="1"/>
+            </a:lvl4pPr>
+            <a:lvl5pPr marL="1828800" indent="0">
+              <a:buNone/>
+              <a:defRPr sz="1600" b="1"/>
+            </a:lvl5pPr>
+            <a:lvl6pPr marL="2286000" indent="0">
+              <a:buNone/>
+              <a:defRPr sz="1600" b="1"/>
+            </a:lvl6pPr>
+            <a:lvl7pPr marL="2743200" indent="0">
+              <a:buNone/>
+              <a:defRPr sz="1600" b="1"/>
+            </a:lvl7pPr>
+            <a:lvl8pPr marL="3200400" indent="0">
+              <a:buNone/>
+              <a:defRPr sz="1600" b="1"/>
+            </a:lvl8pPr>
+            <a:lvl9pPr marL="3657600" indent="0">
+              <a:buNone/>
+              <a:defRPr sz="1600" b="1"/>
+            </a:lvl9pPr>
+          </a:lstStyle>
+          <a:p>
+            <a:pPr lvl="0"/>
+            <a:r>
+              <a:rPr lang="en-US"/>
+              <a:t>Click to edit Master text styles</a:t>
+            </a:r>
+          </a:p>
+        </p:txBody>
+      </p:sp>
+      <p:sp>
+        <p:nvSpPr>
+          <p:cNvPr id="31" name="Picture Placeholder 2"/>
+          <p:cNvSpPr>
+            <a:spLocks noGrp="1" noChangeAspect="1"/>
+          </p:cNvSpPr>
+          <p:nvPr>
+            <p:ph type="pic" idx="22"/>
+          </p:nvPr>
+        </p:nvSpPr>
+        <p:spPr>
+          <a:xfrm>
+            <a:off x="7124699" y="2209800"/>
+            <a:ext cx="2932113" cy="1524000"/>
+          </a:xfrm>
+          <a:prstGeom prst="roundRect">
+            <a:avLst>
+              <a:gd name="adj" fmla="val 1858"/>
+            </a:avLst>
+          </a:prstGeom>
+          <a:effectLst>
+            <a:outerShdw blurRad="50800" dist="50800" dir="5400000" algn="tl" rotWithShape="0">
+              <a:srgbClr val="000000">
+                <a:alpha val="43000"/>
+              </a:srgbClr>
+            </a:outerShdw>
+          </a:effectLst>
+        </p:spPr>
+        <p:txBody>
+          <a:bodyPr anchor="t">
+            <a:normAutofit/>
+          </a:bodyPr>
+          <a:lstStyle>
+            <a:lvl1pPr marL="0" indent="0" algn="ctr">
+              <a:buNone/>
+              <a:defRPr sz="1600"/>
+            </a:lvl1pPr>
+            <a:lvl2pPr marL="457200" indent="0">
+              <a:buNone/>
+              <a:defRPr sz="1600"/>
+            </a:lvl2pPr>
+            <a:lvl3pPr marL="914400" indent="0">
+              <a:buNone/>
+              <a:defRPr sz="1600"/>
+            </a:lvl3pPr>
+            <a:lvl4pPr marL="1371600" indent="0">
+              <a:buNone/>
+              <a:defRPr sz="1600"/>
+            </a:lvl4pPr>
+            <a:lvl5pPr marL="1828800" indent="0">
+              <a:buNone/>
+              <a:defRPr sz="1600"/>
+            </a:lvl5pPr>
+            <a:lvl6pPr marL="2286000" indent="0">
+              <a:buNone/>
+              <a:defRPr sz="1600"/>
+            </a:lvl6pPr>
+            <a:lvl7pPr marL="2743200" indent="0">
+              <a:buNone/>
+              <a:defRPr sz="1600"/>
+            </a:lvl7pPr>
+            <a:lvl8pPr marL="3200400" indent="0">
+              <a:buNone/>
+              <a:defRPr sz="1600"/>
+            </a:lvl8pPr>
+            <a:lvl9pPr marL="3657600" indent="0">
+              <a:buNone/>
+              <a:defRPr sz="1600"/>
+            </a:lvl9pPr>
+          </a:lstStyle>
+          <a:p>
+            <a:r>
+              <a:rPr lang="en-US"/>
+              <a:t>Click icon to add picture</a:t>
+            </a:r>
+            <a:endParaRPr lang="en-US" dirty="0"/>
+          </a:p>
+        </p:txBody>
+      </p:sp>
+      <p:sp>
+        <p:nvSpPr>
+          <p:cNvPr id="24" name="Text Placeholder 3"/>
+          <p:cNvSpPr>
+            <a:spLocks noGrp="1"/>
+          </p:cNvSpPr>
+          <p:nvPr>
+            <p:ph type="body" sz="half" idx="20"/>
+          </p:nvPr>
+        </p:nvSpPr>
+        <p:spPr>
+          <a:xfrm>
+            <a:off x="7124575" y="4827208"/>
+            <a:ext cx="2935997" cy="659189"/>
+          </a:xfrm>
+        </p:spPr>
+        <p:txBody>
+          <a:bodyPr anchor="t">
+            <a:normAutofit/>
+          </a:bodyPr>
+          <a:lstStyle>
+            <a:lvl1pPr marL="0" indent="0">
+              <a:buNone/>
+              <a:defRPr sz="1400"/>
+            </a:lvl1pPr>
+            <a:lvl2pPr marL="457200" indent="0">
+              <a:buNone/>
+              <a:defRPr sz="1200"/>
+            </a:lvl2pPr>
+            <a:lvl3pPr marL="914400" indent="0">
+              <a:buNone/>
+              <a:defRPr sz="1000"/>
+            </a:lvl3pPr>
+            <a:lvl4pPr marL="1371600" indent="0">
+              <a:buNone/>
+              <a:defRPr sz="900"/>
+            </a:lvl4pPr>
+            <a:lvl5pPr marL="1828800" indent="0">
+              <a:buNone/>
+              <a:defRPr sz="900"/>
+            </a:lvl5pPr>
+            <a:lvl6pPr marL="2286000" indent="0">
+              <a:buNone/>
+              <a:defRPr sz="900"/>
+            </a:lvl6pPr>
+            <a:lvl7pPr marL="2743200" indent="0">
+              <a:buNone/>
+              <a:defRPr sz="900"/>
+            </a:lvl7pPr>
+            <a:lvl8pPr marL="3200400" indent="0">
+              <a:buNone/>
+              <a:defRPr sz="900"/>
+            </a:lvl8pPr>
+            <a:lvl9pPr marL="3657600" indent="0">
+              <a:buNone/>
+              <a:defRPr sz="900"/>
+            </a:lvl9pPr>
+          </a:lstStyle>
+          <a:p>
+            <a:pPr lvl="0"/>
+            <a:r>
+              <a:rPr lang="en-US"/>
+              <a:t>Click to edit Master text styles</a:t>
+            </a:r>
+          </a:p>
+        </p:txBody>
+      </p:sp>
+      <p:cxnSp>
+        <p:nvCxnSpPr>
+          <p:cNvPr id="19" name="Straight Connector 18"/>
+          <p:cNvCxnSpPr/>
+          <p:nvPr/>
+        </p:nvCxnSpPr>
+        <p:spPr>
+          <a:xfrm>
+            <a:off x="3726142" y="2133600"/>
+            <a:ext cx="0" cy="3962400"/>
+          </a:xfrm>
+          <a:prstGeom prst="line">
+            <a:avLst/>
+          </a:prstGeom>
+          <a:ln w="12700" cmpd="sng">
+            <a:solidFill>
+              <a:schemeClr val="bg2">
+                <a:lumMod val="40000"/>
+                <a:lumOff val="60000"/>
+                <a:alpha val="40000"/>
+              </a:schemeClr>
+            </a:solidFill>
+          </a:ln>
+        </p:spPr>
+        <p:style>
+          <a:lnRef idx="2">
+            <a:schemeClr val="accent1"/>
+          </a:lnRef>
+          <a:fillRef idx="0">
+            <a:schemeClr val="accent1"/>
+          </a:fillRef>
+          <a:effectRef idx="1">
+            <a:schemeClr val="accent1"/>
+          </a:effectRef>
+          <a:fontRef idx="minor">
+            <a:schemeClr val="tx1"/>
+          </a:fontRef>
+        </p:style>
+      </p:cxnSp>
+      <p:cxnSp>
+        <p:nvCxnSpPr>
+          <p:cNvPr id="20" name="Straight Connector 19"/>
+          <p:cNvCxnSpPr/>
+          <p:nvPr/>
+        </p:nvCxnSpPr>
+        <p:spPr>
+          <a:xfrm>
+            <a:off x="6962227" y="2133600"/>
+            <a:ext cx="0" cy="3966882"/>
+          </a:xfrm>
+          <a:prstGeom prst="line">
+            <a:avLst/>
+          </a:prstGeom>
+          <a:ln w="12700" cmpd="sng">
+            <a:solidFill>
+              <a:schemeClr val="bg2">
+                <a:lumMod val="40000"/>
+                <a:lumOff val="60000"/>
+                <a:alpha val="40000"/>
+              </a:schemeClr>
+            </a:solidFill>
+          </a:ln>
+        </p:spPr>
+        <p:style>
+          <a:lnRef idx="2">
+            <a:schemeClr val="accent1"/>
+          </a:lnRef>
+          <a:fillRef idx="0">
+            <a:schemeClr val="accent1"/>
+          </a:fillRef>
+          <a:effectRef idx="1">
+            <a:schemeClr val="accent1"/>
+          </a:effectRef>
+          <a:fontRef idx="minor">
+            <a:schemeClr val="tx1"/>
+          </a:fontRef>
+        </p:style>
+      </p:cxnSp>
+      <p:sp>
+        <p:nvSpPr>
+          <p:cNvPr id="7" name="Date Placeholder 3"/>
+          <p:cNvSpPr>
+            <a:spLocks noGrp="1"/>
+          </p:cNvSpPr>
+          <p:nvPr>
+            <p:ph type="dt" sz="half" idx="10"/>
+          </p:nvPr>
+        </p:nvSpPr>
+        <p:spPr/>
+        <p:txBody>
+          <a:bodyPr/>
+          <a:lstStyle/>
+          <a:p>
+            <a:fld id="{30B9BDC6-9212-AA4A-B1DD-31ED212B226C}" type="datetimeFigureOut">
+              <a:rPr lang="en-US" smtClean="0"/>
+              <a:t>12/10/2023</a:t>
+            </a:fld>
+            <a:endParaRPr lang="en-US"/>
+          </a:p>
+        </p:txBody>
+      </p:sp>
+      <p:sp>
+        <p:nvSpPr>
+          <p:cNvPr id="4" name="Footer Placeholder 4"/>
+          <p:cNvSpPr>
+            <a:spLocks noGrp="1"/>
+          </p:cNvSpPr>
+          <p:nvPr>
+            <p:ph type="ftr" sz="quarter" idx="11"/>
+          </p:nvPr>
+        </p:nvSpPr>
+        <p:spPr/>
+        <p:txBody>
+          <a:bodyPr/>
+          <a:lstStyle/>
+          <a:p>
+            <a:endParaRPr lang="en-US"/>
+          </a:p>
+        </p:txBody>
+      </p:sp>
+      <p:sp>
+        <p:nvSpPr>
+          <p:cNvPr id="6" name="Slide Number Placeholder 5"/>
+          <p:cNvSpPr>
+            <a:spLocks noGrp="1"/>
+          </p:cNvSpPr>
+          <p:nvPr>
+            <p:ph type="sldNum" sz="quarter" idx="12"/>
+          </p:nvPr>
+        </p:nvSpPr>
+        <p:spPr/>
+        <p:txBody>
+          <a:bodyPr/>
+          <a:lstStyle/>
+          <a:p>
+            <a:fld id="{B463B704-AF0F-AC44-9D96-7697EBF7120A}" type="slidenum">
+              <a:rPr lang="en-US" smtClean="0"/>
+              <a:t>‹#›</a:t>
+            </a:fld>
+            <a:endParaRPr lang="en-US"/>
+          </a:p>
+        </p:txBody>
+      </p:sp>
+    </p:spTree>
+    <p:extLst>
+      <p:ext uri="{BB962C8B-B14F-4D97-AF65-F5344CB8AC3E}">
+        <p14:creationId xmlns:p14="http://schemas.microsoft.com/office/powerpoint/2010/main" val="4210695541"/>
+      </p:ext>
+    </p:extLst>
+  </p:cSld>
+  <p:clrMapOvr>
+    <a:masterClrMapping/>
+  </p:clrMapOvr>
+</p:sldLayout>
+</file>
+
+<file path=ppt/slideLayouts/slideLayout16.xml><?xml version="1.0" encoding="utf-8"?>
 <p:sldLayout xmlns:a="http://schemas.openxmlformats.org/drawingml/2006/main" xmlns:r="http://schemas.openxmlformats.org/officeDocument/2006/relationships" xmlns:p="http://schemas.openxmlformats.org/presentationml/2006/main" type="vertTx" preserve="1">
   <p:cSld name="Title and Vertical Text">
     <p:spTree>
@@ -360,13 +2958,7 @@
       </p:grpSpPr>
       <p:sp>
         <p:nvSpPr>
-          <p:cNvPr id="2" name="Title 1">
-            <a:extLst>
-              <a:ext uri="{FF2B5EF4-FFF2-40B4-BE49-F238E27FC236}">
-                <a16:creationId xmlns:a16="http://schemas.microsoft.com/office/drawing/2014/main" id="{862EB79E-0FE7-BDDE-0E20-595EBF7A1D9C}"/>
-              </a:ext>
-            </a:extLst>
-          </p:cNvPr>
+          <p:cNvPr id="2" name="Title 1"/>
           <p:cNvSpPr>
             <a:spLocks noGrp="1"/>
           </p:cNvSpPr>
@@ -383,18 +2975,13 @@
               <a:rPr lang="en-US"/>
               <a:t>Click to edit Master title style</a:t>
             </a:r>
-          </a:p>
-        </p:txBody>
-      </p:sp>
-      <p:sp>
-        <p:nvSpPr>
-          <p:cNvPr id="3" name="Vertical Text Placeholder 2">
-            <a:extLst>
-              <a:ext uri="{FF2B5EF4-FFF2-40B4-BE49-F238E27FC236}">
-                <a16:creationId xmlns:a16="http://schemas.microsoft.com/office/drawing/2014/main" id="{E68E4058-E301-4D42-89AB-FF20B185FCB1}"/>
-              </a:ext>
-            </a:extLst>
-          </p:cNvPr>
+            <a:endParaRPr lang="en-US" dirty="0"/>
+          </a:p>
+        </p:txBody>
+      </p:sp>
+      <p:sp>
+        <p:nvSpPr>
+          <p:cNvPr id="3" name="Vertical Text Placeholder 2"/>
           <p:cNvSpPr>
             <a:spLocks noGrp="1"/>
           </p:cNvSpPr>
@@ -404,7 +2991,7 @@
         </p:nvSpPr>
         <p:spPr/>
         <p:txBody>
-          <a:bodyPr vert="eaVert"/>
+          <a:bodyPr vert="eaVert" anchor="t" anchorCtr="0"/>
           <a:lstStyle/>
           <a:p>
             <a:pPr lvl="0"/>
@@ -440,18 +3027,13 @@
               <a:rPr lang="en-US"/>
               <a:t>Fifth level</a:t>
             </a:r>
-          </a:p>
-        </p:txBody>
-      </p:sp>
-      <p:sp>
-        <p:nvSpPr>
-          <p:cNvPr id="4" name="Date Placeholder 3">
-            <a:extLst>
-              <a:ext uri="{FF2B5EF4-FFF2-40B4-BE49-F238E27FC236}">
-                <a16:creationId xmlns:a16="http://schemas.microsoft.com/office/drawing/2014/main" id="{56A5078D-855C-F8D0-B847-BF64624D9694}"/>
-              </a:ext>
-            </a:extLst>
-          </p:cNvPr>
+            <a:endParaRPr lang="en-US" dirty="0"/>
+          </a:p>
+        </p:txBody>
+      </p:sp>
+      <p:sp>
+        <p:nvSpPr>
+          <p:cNvPr id="4" name="Date Placeholder 3"/>
           <p:cNvSpPr>
             <a:spLocks noGrp="1"/>
           </p:cNvSpPr>
@@ -466,7 +3048,7 @@
           <a:p>
             <a:fld id="{30B9BDC6-9212-AA4A-B1DD-31ED212B226C}" type="datetimeFigureOut">
               <a:rPr lang="en-US" smtClean="0"/>
-              <a:t>12/9/23</a:t>
+              <a:t>12/10/2023</a:t>
             </a:fld>
             <a:endParaRPr lang="en-US"/>
           </a:p>
@@ -474,13 +3056,7 @@
       </p:sp>
       <p:sp>
         <p:nvSpPr>
-          <p:cNvPr id="5" name="Footer Placeholder 4">
-            <a:extLst>
-              <a:ext uri="{FF2B5EF4-FFF2-40B4-BE49-F238E27FC236}">
-                <a16:creationId xmlns:a16="http://schemas.microsoft.com/office/drawing/2014/main" id="{0478EE14-86BA-17A7-7CDA-AAEDC63063E3}"/>
-              </a:ext>
-            </a:extLst>
-          </p:cNvPr>
+          <p:cNvPr id="5" name="Footer Placeholder 4"/>
           <p:cNvSpPr>
             <a:spLocks noGrp="1"/>
           </p:cNvSpPr>
@@ -499,13 +3075,7 @@
       </p:sp>
       <p:sp>
         <p:nvSpPr>
-          <p:cNvPr id="6" name="Slide Number Placeholder 5">
-            <a:extLst>
-              <a:ext uri="{FF2B5EF4-FFF2-40B4-BE49-F238E27FC236}">
-                <a16:creationId xmlns:a16="http://schemas.microsoft.com/office/drawing/2014/main" id="{EB0791EC-E903-5163-6824-A27B702C7D6D}"/>
-              </a:ext>
-            </a:extLst>
-          </p:cNvPr>
+          <p:cNvPr id="6" name="Slide Number Placeholder 5"/>
           <p:cNvSpPr>
             <a:spLocks noGrp="1"/>
           </p:cNvSpPr>
@@ -529,7 +3099,7 @@
     </p:spTree>
     <p:extLst>
       <p:ext uri="{BB962C8B-B14F-4D97-AF65-F5344CB8AC3E}">
-        <p14:creationId xmlns:p14="http://schemas.microsoft.com/office/powerpoint/2010/main" val="1268556081"/>
+        <p14:creationId xmlns:p14="http://schemas.microsoft.com/office/powerpoint/2010/main" val="714368361"/>
       </p:ext>
     </p:extLst>
   </p:cSld>
@@ -539,7 +3109,7 @@
 </p:sldLayout>
 </file>
 
-<file path=ppt/slideLayouts/slideLayout11.xml><?xml version="1.0" encoding="utf-8"?>
+<file path=ppt/slideLayouts/slideLayout17.xml><?xml version="1.0" encoding="utf-8"?>
 <p:sldLayout xmlns:a="http://schemas.openxmlformats.org/drawingml/2006/main" xmlns:r="http://schemas.openxmlformats.org/officeDocument/2006/relationships" xmlns:p="http://schemas.openxmlformats.org/presentationml/2006/main" type="vertTitleAndTx" preserve="1">
   <p:cSld name="Vertical Title and Text">
     <p:spTree>
@@ -558,13 +3128,7 @@
       </p:grpSpPr>
       <p:sp>
         <p:nvSpPr>
-          <p:cNvPr id="2" name="Vertical Title 1">
-            <a:extLst>
-              <a:ext uri="{FF2B5EF4-FFF2-40B4-BE49-F238E27FC236}">
-                <a16:creationId xmlns:a16="http://schemas.microsoft.com/office/drawing/2014/main" id="{E9ED0BC8-E563-288B-3C33-01DBA54EDCFA}"/>
-              </a:ext>
-            </a:extLst>
-          </p:cNvPr>
+          <p:cNvPr id="2" name="Vertical Title 1"/>
           <p:cNvSpPr>
             <a:spLocks noGrp="1"/>
           </p:cNvSpPr>
@@ -574,47 +3138,42 @@
         </p:nvSpPr>
         <p:spPr>
           <a:xfrm>
-            <a:off x="8724900" y="365125"/>
-            <a:ext cx="2628900" cy="5811838"/>
+            <a:off x="8304212" y="430213"/>
+            <a:ext cx="1752601" cy="5826125"/>
           </a:xfrm>
         </p:spPr>
         <p:txBody>
+          <a:bodyPr vert="eaVert" anchor="b" anchorCtr="0"/>
+          <a:lstStyle/>
+          <a:p>
+            <a:r>
+              <a:rPr lang="en-US"/>
+              <a:t>Click to edit Master title style</a:t>
+            </a:r>
+            <a:endParaRPr lang="en-US" dirty="0"/>
+          </a:p>
+        </p:txBody>
+      </p:sp>
+      <p:sp>
+        <p:nvSpPr>
+          <p:cNvPr id="3" name="Vertical Text Placeholder 2"/>
+          <p:cNvSpPr>
+            <a:spLocks noGrp="1"/>
+          </p:cNvSpPr>
+          <p:nvPr>
+            <p:ph type="body" orient="vert" idx="1"/>
+          </p:nvPr>
+        </p:nvSpPr>
+        <p:spPr>
+          <a:xfrm>
+            <a:off x="652463" y="887414"/>
+            <a:ext cx="7423149" cy="5368924"/>
+          </a:xfrm>
+        </p:spPr>
+        <p:txBody>
           <a:bodyPr vert="eaVert"/>
           <a:lstStyle/>
           <a:p>
-            <a:r>
-              <a:rPr lang="en-US"/>
-              <a:t>Click to edit Master title style</a:t>
-            </a:r>
-          </a:p>
-        </p:txBody>
-      </p:sp>
-      <p:sp>
-        <p:nvSpPr>
-          <p:cNvPr id="3" name="Vertical Text Placeholder 2">
-            <a:extLst>
-              <a:ext uri="{FF2B5EF4-FFF2-40B4-BE49-F238E27FC236}">
-                <a16:creationId xmlns:a16="http://schemas.microsoft.com/office/drawing/2014/main" id="{20FAEFF6-E9F5-D4C5-CEC2-C87AAA286A48}"/>
-              </a:ext>
-            </a:extLst>
-          </p:cNvPr>
-          <p:cNvSpPr>
-            <a:spLocks noGrp="1"/>
-          </p:cNvSpPr>
-          <p:nvPr>
-            <p:ph type="body" orient="vert" idx="1"/>
-          </p:nvPr>
-        </p:nvSpPr>
-        <p:spPr>
-          <a:xfrm>
-            <a:off x="838200" y="365125"/>
-            <a:ext cx="7734300" cy="5811838"/>
-          </a:xfrm>
-        </p:spPr>
-        <p:txBody>
-          <a:bodyPr vert="eaVert"/>
-          <a:lstStyle/>
-          <a:p>
             <a:pPr lvl="0"/>
             <a:r>
               <a:rPr lang="en-US"/>
@@ -648,18 +3207,13 @@
               <a:rPr lang="en-US"/>
               <a:t>Fifth level</a:t>
             </a:r>
-          </a:p>
-        </p:txBody>
-      </p:sp>
-      <p:sp>
-        <p:nvSpPr>
-          <p:cNvPr id="4" name="Date Placeholder 3">
-            <a:extLst>
-              <a:ext uri="{FF2B5EF4-FFF2-40B4-BE49-F238E27FC236}">
-                <a16:creationId xmlns:a16="http://schemas.microsoft.com/office/drawing/2014/main" id="{99412539-925A-FD72-6FC1-3B42730F739A}"/>
-              </a:ext>
-            </a:extLst>
-          </p:cNvPr>
+            <a:endParaRPr lang="en-US" dirty="0"/>
+          </a:p>
+        </p:txBody>
+      </p:sp>
+      <p:sp>
+        <p:nvSpPr>
+          <p:cNvPr id="4" name="Date Placeholder 3"/>
           <p:cNvSpPr>
             <a:spLocks noGrp="1"/>
           </p:cNvSpPr>
@@ -674,7 +3228,7 @@
           <a:p>
             <a:fld id="{30B9BDC6-9212-AA4A-B1DD-31ED212B226C}" type="datetimeFigureOut">
               <a:rPr lang="en-US" smtClean="0"/>
-              <a:t>12/9/23</a:t>
+              <a:t>12/10/2023</a:t>
             </a:fld>
             <a:endParaRPr lang="en-US"/>
           </a:p>
@@ -682,13 +3236,7 @@
       </p:sp>
       <p:sp>
         <p:nvSpPr>
-          <p:cNvPr id="5" name="Footer Placeholder 4">
-            <a:extLst>
-              <a:ext uri="{FF2B5EF4-FFF2-40B4-BE49-F238E27FC236}">
-                <a16:creationId xmlns:a16="http://schemas.microsoft.com/office/drawing/2014/main" id="{9AE4251B-0C4F-2406-B62C-33A8CE0B1E3A}"/>
-              </a:ext>
-            </a:extLst>
-          </p:cNvPr>
+          <p:cNvPr id="5" name="Footer Placeholder 4"/>
           <p:cNvSpPr>
             <a:spLocks noGrp="1"/>
           </p:cNvSpPr>
@@ -707,13 +3255,7 @@
       </p:sp>
       <p:sp>
         <p:nvSpPr>
-          <p:cNvPr id="6" name="Slide Number Placeholder 5">
-            <a:extLst>
-              <a:ext uri="{FF2B5EF4-FFF2-40B4-BE49-F238E27FC236}">
-                <a16:creationId xmlns:a16="http://schemas.microsoft.com/office/drawing/2014/main" id="{69B72144-F704-652E-EF28-061625C9E4A5}"/>
-              </a:ext>
-            </a:extLst>
-          </p:cNvPr>
+          <p:cNvPr id="6" name="Slide Number Placeholder 5"/>
           <p:cNvSpPr>
             <a:spLocks noGrp="1"/>
           </p:cNvSpPr>
@@ -737,7 +3279,7 @@
     </p:spTree>
     <p:extLst>
       <p:ext uri="{BB962C8B-B14F-4D97-AF65-F5344CB8AC3E}">
-        <p14:creationId xmlns:p14="http://schemas.microsoft.com/office/powerpoint/2010/main" val="2775539471"/>
+        <p14:creationId xmlns:p14="http://schemas.microsoft.com/office/powerpoint/2010/main" val="605244302"/>
       </p:ext>
     </p:extLst>
   </p:cSld>
@@ -766,13 +3308,7 @@
       </p:grpSpPr>
       <p:sp>
         <p:nvSpPr>
-          <p:cNvPr id="2" name="Title 1">
-            <a:extLst>
-              <a:ext uri="{FF2B5EF4-FFF2-40B4-BE49-F238E27FC236}">
-                <a16:creationId xmlns:a16="http://schemas.microsoft.com/office/drawing/2014/main" id="{AE82EFED-5616-85D9-4A2D-634511C1D7CA}"/>
-              </a:ext>
-            </a:extLst>
-          </p:cNvPr>
+          <p:cNvPr id="2" name="Title 1"/>
           <p:cNvSpPr>
             <a:spLocks noGrp="1"/>
           </p:cNvSpPr>
@@ -789,18 +3325,13 @@
               <a:rPr lang="en-US"/>
               <a:t>Click to edit Master title style</a:t>
             </a:r>
-          </a:p>
-        </p:txBody>
-      </p:sp>
-      <p:sp>
-        <p:nvSpPr>
-          <p:cNvPr id="3" name="Content Placeholder 2">
-            <a:extLst>
-              <a:ext uri="{FF2B5EF4-FFF2-40B4-BE49-F238E27FC236}">
-                <a16:creationId xmlns:a16="http://schemas.microsoft.com/office/drawing/2014/main" id="{21E22B86-35A2-8397-BFCB-B073C7E6BD15}"/>
-              </a:ext>
-            </a:extLst>
-          </p:cNvPr>
+            <a:endParaRPr lang="en-US" dirty="0"/>
+          </a:p>
+        </p:txBody>
+      </p:sp>
+      <p:sp>
+        <p:nvSpPr>
+          <p:cNvPr id="3" name="Content Placeholder 2"/>
           <p:cNvSpPr>
             <a:spLocks noGrp="1"/>
           </p:cNvSpPr>
@@ -846,18 +3377,13 @@
               <a:rPr lang="en-US"/>
               <a:t>Fifth level</a:t>
             </a:r>
-          </a:p>
-        </p:txBody>
-      </p:sp>
-      <p:sp>
-        <p:nvSpPr>
-          <p:cNvPr id="4" name="Date Placeholder 3">
-            <a:extLst>
-              <a:ext uri="{FF2B5EF4-FFF2-40B4-BE49-F238E27FC236}">
-                <a16:creationId xmlns:a16="http://schemas.microsoft.com/office/drawing/2014/main" id="{9B4A843E-7462-96C8-EECE-BD9686F2C00F}"/>
-              </a:ext>
-            </a:extLst>
-          </p:cNvPr>
+            <a:endParaRPr lang="en-US" dirty="0"/>
+          </a:p>
+        </p:txBody>
+      </p:sp>
+      <p:sp>
+        <p:nvSpPr>
+          <p:cNvPr id="7" name="Date Placeholder 3"/>
           <p:cNvSpPr>
             <a:spLocks noGrp="1"/>
           </p:cNvSpPr>
@@ -872,7 +3398,7 @@
           <a:p>
             <a:fld id="{30B9BDC6-9212-AA4A-B1DD-31ED212B226C}" type="datetimeFigureOut">
               <a:rPr lang="en-US" smtClean="0"/>
-              <a:t>12/9/23</a:t>
+              <a:t>12/10/2023</a:t>
             </a:fld>
             <a:endParaRPr lang="en-US"/>
           </a:p>
@@ -880,13 +3406,7 @@
       </p:sp>
       <p:sp>
         <p:nvSpPr>
-          <p:cNvPr id="5" name="Footer Placeholder 4">
-            <a:extLst>
-              <a:ext uri="{FF2B5EF4-FFF2-40B4-BE49-F238E27FC236}">
-                <a16:creationId xmlns:a16="http://schemas.microsoft.com/office/drawing/2014/main" id="{06A88022-EC63-189F-E331-911F1BD9CF46}"/>
-              </a:ext>
-            </a:extLst>
-          </p:cNvPr>
+          <p:cNvPr id="5" name="Footer Placeholder 4"/>
           <p:cNvSpPr>
             <a:spLocks noGrp="1"/>
           </p:cNvSpPr>
@@ -905,13 +3425,7 @@
       </p:sp>
       <p:sp>
         <p:nvSpPr>
-          <p:cNvPr id="6" name="Slide Number Placeholder 5">
-            <a:extLst>
-              <a:ext uri="{FF2B5EF4-FFF2-40B4-BE49-F238E27FC236}">
-                <a16:creationId xmlns:a16="http://schemas.microsoft.com/office/drawing/2014/main" id="{8378CF11-823D-11D8-3DCC-B93C125B4B9A}"/>
-              </a:ext>
-            </a:extLst>
-          </p:cNvPr>
+          <p:cNvPr id="6" name="Slide Number Placeholder 5"/>
           <p:cNvSpPr>
             <a:spLocks noGrp="1"/>
           </p:cNvSpPr>
@@ -935,7 +3449,7 @@
     </p:spTree>
     <p:extLst>
       <p:ext uri="{BB962C8B-B14F-4D97-AF65-F5344CB8AC3E}">
-        <p14:creationId xmlns:p14="http://schemas.microsoft.com/office/powerpoint/2010/main" val="230051171"/>
+        <p14:creationId xmlns:p14="http://schemas.microsoft.com/office/powerpoint/2010/main" val="758509726"/>
       </p:ext>
     </p:extLst>
   </p:cSld>
@@ -964,13 +3478,7 @@
       </p:grpSpPr>
       <p:sp>
         <p:nvSpPr>
-          <p:cNvPr id="2" name="Title 1">
-            <a:extLst>
-              <a:ext uri="{FF2B5EF4-FFF2-40B4-BE49-F238E27FC236}">
-                <a16:creationId xmlns:a16="http://schemas.microsoft.com/office/drawing/2014/main" id="{BFB44B0A-64C1-BD6C-D3D3-47F85EE1D70E}"/>
-              </a:ext>
-            </a:extLst>
-          </p:cNvPr>
+          <p:cNvPr id="2" name="Title 1"/>
           <p:cNvSpPr>
             <a:spLocks noGrp="1"/>
           </p:cNvSpPr>
@@ -980,15 +3488,15 @@
         </p:nvSpPr>
         <p:spPr>
           <a:xfrm>
-            <a:off x="831850" y="1709738"/>
-            <a:ext cx="10515600" cy="2852737"/>
+            <a:off x="1154956" y="2861733"/>
+            <a:ext cx="8825657" cy="1915647"/>
           </a:xfrm>
         </p:spPr>
         <p:txBody>
           <a:bodyPr anchor="b"/>
           <a:lstStyle>
-            <a:lvl1pPr>
-              <a:defRPr sz="6000"/>
+            <a:lvl1pPr algn="l">
+              <a:defRPr sz="4000" b="0" cap="none"/>
             </a:lvl1pPr>
           </a:lstStyle>
           <a:p>
@@ -996,18 +3504,13 @@
               <a:rPr lang="en-US"/>
               <a:t>Click to edit Master title style</a:t>
             </a:r>
-          </a:p>
-        </p:txBody>
-      </p:sp>
-      <p:sp>
-        <p:nvSpPr>
-          <p:cNvPr id="3" name="Text Placeholder 2">
-            <a:extLst>
-              <a:ext uri="{FF2B5EF4-FFF2-40B4-BE49-F238E27FC236}">
-                <a16:creationId xmlns:a16="http://schemas.microsoft.com/office/drawing/2014/main" id="{17750C24-2B03-7648-6B9E-D32D9FBD565F}"/>
-              </a:ext>
-            </a:extLst>
-          </p:cNvPr>
+            <a:endParaRPr lang="en-US" dirty="0"/>
+          </a:p>
+        </p:txBody>
+      </p:sp>
+      <p:sp>
+        <p:nvSpPr>
+          <p:cNvPr id="3" name="Text Placeholder 2"/>
           <p:cNvSpPr>
             <a:spLocks noGrp="1"/>
           </p:cNvSpPr>
@@ -1017,26 +3520,27 @@
         </p:nvSpPr>
         <p:spPr>
           <a:xfrm>
-            <a:off x="831850" y="4589463"/>
-            <a:ext cx="10515600" cy="1500187"/>
+            <a:off x="1154955" y="4777381"/>
+            <a:ext cx="8825658" cy="860400"/>
           </a:xfrm>
         </p:spPr>
         <p:txBody>
-          <a:bodyPr/>
+          <a:bodyPr anchor="t"/>
           <a:lstStyle>
-            <a:lvl1pPr marL="0" indent="0">
-              <a:buNone/>
-              <a:defRPr sz="2400">
+            <a:lvl1pPr marL="0" indent="0" algn="l">
+              <a:buNone/>
+              <a:defRPr sz="2000" cap="all">
                 <a:solidFill>
-                  <a:schemeClr val="tx1">
-                    <a:tint val="75000"/>
+                  <a:schemeClr val="bg2">
+                    <a:lumMod val="40000"/>
+                    <a:lumOff val="60000"/>
                   </a:schemeClr>
                 </a:solidFill>
               </a:defRPr>
             </a:lvl1pPr>
             <a:lvl2pPr marL="457200" indent="0">
               <a:buNone/>
-              <a:defRPr sz="2000">
+              <a:defRPr sz="1800">
                 <a:solidFill>
                   <a:schemeClr val="tx1">
                     <a:tint val="75000"/>
@@ -1046,7 +3550,7 @@
             </a:lvl2pPr>
             <a:lvl3pPr marL="914400" indent="0">
               <a:buNone/>
-              <a:defRPr sz="1800">
+              <a:defRPr sz="1600">
                 <a:solidFill>
                   <a:schemeClr val="tx1">
                     <a:tint val="75000"/>
@@ -1056,7 +3560,7 @@
             </a:lvl3pPr>
             <a:lvl4pPr marL="1371600" indent="0">
               <a:buNone/>
-              <a:defRPr sz="1600">
+              <a:defRPr sz="1400">
                 <a:solidFill>
                   <a:schemeClr val="tx1">
                     <a:tint val="75000"/>
@@ -1066,7 +3570,7 @@
             </a:lvl4pPr>
             <a:lvl5pPr marL="1828800" indent="0">
               <a:buNone/>
-              <a:defRPr sz="1600">
+              <a:defRPr sz="1400">
                 <a:solidFill>
                   <a:schemeClr val="tx1">
                     <a:tint val="75000"/>
@@ -1076,7 +3580,7 @@
             </a:lvl5pPr>
             <a:lvl6pPr marL="2286000" indent="0">
               <a:buNone/>
-              <a:defRPr sz="1600">
+              <a:defRPr sz="1400">
                 <a:solidFill>
                   <a:schemeClr val="tx1">
                     <a:tint val="75000"/>
@@ -1086,7 +3590,7 @@
             </a:lvl6pPr>
             <a:lvl7pPr marL="2743200" indent="0">
               <a:buNone/>
-              <a:defRPr sz="1600">
+              <a:defRPr sz="1400">
                 <a:solidFill>
                   <a:schemeClr val="tx1">
                     <a:tint val="75000"/>
@@ -1096,7 +3600,7 @@
             </a:lvl7pPr>
             <a:lvl8pPr marL="3200400" indent="0">
               <a:buNone/>
-              <a:defRPr sz="1600">
+              <a:defRPr sz="1400">
                 <a:solidFill>
                   <a:schemeClr val="tx1">
                     <a:tint val="75000"/>
@@ -1106,7 +3610,7 @@
             </a:lvl8pPr>
             <a:lvl9pPr marL="3657600" indent="0">
               <a:buNone/>
-              <a:defRPr sz="1600">
+              <a:defRPr sz="1400">
                 <a:solidFill>
                   <a:schemeClr val="tx1">
                     <a:tint val="75000"/>
@@ -1126,13 +3630,7 @@
       </p:sp>
       <p:sp>
         <p:nvSpPr>
-          <p:cNvPr id="4" name="Date Placeholder 3">
-            <a:extLst>
-              <a:ext uri="{FF2B5EF4-FFF2-40B4-BE49-F238E27FC236}">
-                <a16:creationId xmlns:a16="http://schemas.microsoft.com/office/drawing/2014/main" id="{C7CA53E2-3675-8083-3C01-9A560E2FDB71}"/>
-              </a:ext>
-            </a:extLst>
-          </p:cNvPr>
+          <p:cNvPr id="4" name="Date Placeholder 3"/>
           <p:cNvSpPr>
             <a:spLocks noGrp="1"/>
           </p:cNvSpPr>
@@ -1147,7 +3645,7 @@
           <a:p>
             <a:fld id="{30B9BDC6-9212-AA4A-B1DD-31ED212B226C}" type="datetimeFigureOut">
               <a:rPr lang="en-US" smtClean="0"/>
-              <a:t>12/9/23</a:t>
+              <a:t>12/10/2023</a:t>
             </a:fld>
             <a:endParaRPr lang="en-US"/>
           </a:p>
@@ -1155,13 +3653,7 @@
       </p:sp>
       <p:sp>
         <p:nvSpPr>
-          <p:cNvPr id="5" name="Footer Placeholder 4">
-            <a:extLst>
-              <a:ext uri="{FF2B5EF4-FFF2-40B4-BE49-F238E27FC236}">
-                <a16:creationId xmlns:a16="http://schemas.microsoft.com/office/drawing/2014/main" id="{FE0842E3-3F22-BB69-FAA2-0FD9808E3BCA}"/>
-              </a:ext>
-            </a:extLst>
-          </p:cNvPr>
+          <p:cNvPr id="5" name="Footer Placeholder 4"/>
           <p:cNvSpPr>
             <a:spLocks noGrp="1"/>
           </p:cNvSpPr>
@@ -1180,13 +3672,7 @@
       </p:sp>
       <p:sp>
         <p:nvSpPr>
-          <p:cNvPr id="6" name="Slide Number Placeholder 5">
-            <a:extLst>
-              <a:ext uri="{FF2B5EF4-FFF2-40B4-BE49-F238E27FC236}">
-                <a16:creationId xmlns:a16="http://schemas.microsoft.com/office/drawing/2014/main" id="{38E82EDE-91F0-EC87-0701-76D5F8BDEBD1}"/>
-              </a:ext>
-            </a:extLst>
-          </p:cNvPr>
+          <p:cNvPr id="6" name="Slide Number Placeholder 5"/>
           <p:cNvSpPr>
             <a:spLocks noGrp="1"/>
           </p:cNvSpPr>
@@ -1210,7 +3696,7 @@
     </p:spTree>
     <p:extLst>
       <p:ext uri="{BB962C8B-B14F-4D97-AF65-F5344CB8AC3E}">
-        <p14:creationId xmlns:p14="http://schemas.microsoft.com/office/powerpoint/2010/main" val="2279960083"/>
+        <p14:creationId xmlns:p14="http://schemas.microsoft.com/office/powerpoint/2010/main" val="3672201054"/>
       </p:ext>
     </p:extLst>
   </p:cSld>
@@ -1239,13 +3725,7 @@
       </p:grpSpPr>
       <p:sp>
         <p:nvSpPr>
-          <p:cNvPr id="2" name="Title 1">
-            <a:extLst>
-              <a:ext uri="{FF2B5EF4-FFF2-40B4-BE49-F238E27FC236}">
-                <a16:creationId xmlns:a16="http://schemas.microsoft.com/office/drawing/2014/main" id="{762D9ECF-8385-0FE6-0506-704C5DC13834}"/>
-              </a:ext>
-            </a:extLst>
-          </p:cNvPr>
+          <p:cNvPr id="2" name="Title 1"/>
           <p:cNvSpPr>
             <a:spLocks noGrp="1"/>
           </p:cNvSpPr>
@@ -1262,18 +3742,13 @@
               <a:rPr lang="en-US"/>
               <a:t>Click to edit Master title style</a:t>
             </a:r>
-          </a:p>
-        </p:txBody>
-      </p:sp>
-      <p:sp>
-        <p:nvSpPr>
-          <p:cNvPr id="3" name="Content Placeholder 2">
-            <a:extLst>
-              <a:ext uri="{FF2B5EF4-FFF2-40B4-BE49-F238E27FC236}">
-                <a16:creationId xmlns:a16="http://schemas.microsoft.com/office/drawing/2014/main" id="{A29D5432-302D-71A9-26C9-DE6F428BF9D8}"/>
-              </a:ext>
-            </a:extLst>
-          </p:cNvPr>
+            <a:endParaRPr lang="en-US" dirty="0"/>
+          </a:p>
+        </p:txBody>
+      </p:sp>
+      <p:sp>
+        <p:nvSpPr>
+          <p:cNvPr id="3" name="Content Placeholder 2"/>
           <p:cNvSpPr>
             <a:spLocks noGrp="1"/>
           </p:cNvSpPr>
@@ -1283,175 +3758,213 @@
         </p:nvSpPr>
         <p:spPr>
           <a:xfrm>
-            <a:off x="838200" y="1825625"/>
-            <a:ext cx="5181600" cy="4351338"/>
+            <a:off x="1103312" y="2060575"/>
+            <a:ext cx="4396339" cy="4195763"/>
           </a:xfrm>
         </p:spPr>
         <p:txBody>
+          <a:bodyPr>
+            <a:normAutofit/>
+          </a:bodyPr>
+          <a:lstStyle>
+            <a:lvl1pPr>
+              <a:defRPr sz="1800"/>
+            </a:lvl1pPr>
+            <a:lvl2pPr>
+              <a:defRPr sz="1600"/>
+            </a:lvl2pPr>
+            <a:lvl3pPr>
+              <a:defRPr sz="1400"/>
+            </a:lvl3pPr>
+            <a:lvl4pPr>
+              <a:defRPr sz="1200"/>
+            </a:lvl4pPr>
+            <a:lvl5pPr>
+              <a:defRPr sz="1200"/>
+            </a:lvl5pPr>
+            <a:lvl6pPr>
+              <a:defRPr sz="1200"/>
+            </a:lvl6pPr>
+            <a:lvl7pPr>
+              <a:defRPr sz="1200"/>
+            </a:lvl7pPr>
+            <a:lvl8pPr>
+              <a:defRPr sz="1200"/>
+            </a:lvl8pPr>
+            <a:lvl9pPr>
+              <a:defRPr sz="1200"/>
+            </a:lvl9pPr>
+          </a:lstStyle>
+          <a:p>
+            <a:pPr lvl="0"/>
+            <a:r>
+              <a:rPr lang="en-US"/>
+              <a:t>Click to edit Master text styles</a:t>
+            </a:r>
+          </a:p>
+          <a:p>
+            <a:pPr lvl="1"/>
+            <a:r>
+              <a:rPr lang="en-US"/>
+              <a:t>Second level</a:t>
+            </a:r>
+          </a:p>
+          <a:p>
+            <a:pPr lvl="2"/>
+            <a:r>
+              <a:rPr lang="en-US"/>
+              <a:t>Third level</a:t>
+            </a:r>
+          </a:p>
+          <a:p>
+            <a:pPr lvl="3"/>
+            <a:r>
+              <a:rPr lang="en-US"/>
+              <a:t>Fourth level</a:t>
+            </a:r>
+          </a:p>
+          <a:p>
+            <a:pPr lvl="4"/>
+            <a:r>
+              <a:rPr lang="en-US"/>
+              <a:t>Fifth level</a:t>
+            </a:r>
+            <a:endParaRPr lang="en-US" dirty="0"/>
+          </a:p>
+        </p:txBody>
+      </p:sp>
+      <p:sp>
+        <p:nvSpPr>
+          <p:cNvPr id="4" name="Content Placeholder 3"/>
+          <p:cNvSpPr>
+            <a:spLocks noGrp="1"/>
+          </p:cNvSpPr>
+          <p:nvPr>
+            <p:ph sz="half" idx="2"/>
+          </p:nvPr>
+        </p:nvSpPr>
+        <p:spPr>
+          <a:xfrm>
+            <a:off x="5654493" y="2056092"/>
+            <a:ext cx="4396341" cy="4200245"/>
+          </a:xfrm>
+        </p:spPr>
+        <p:txBody>
+          <a:bodyPr>
+            <a:normAutofit/>
+          </a:bodyPr>
+          <a:lstStyle>
+            <a:lvl1pPr>
+              <a:defRPr sz="1800"/>
+            </a:lvl1pPr>
+            <a:lvl2pPr>
+              <a:defRPr sz="1600"/>
+            </a:lvl2pPr>
+            <a:lvl3pPr>
+              <a:defRPr sz="1400"/>
+            </a:lvl3pPr>
+            <a:lvl4pPr>
+              <a:defRPr sz="1200"/>
+            </a:lvl4pPr>
+            <a:lvl5pPr>
+              <a:defRPr sz="1200"/>
+            </a:lvl5pPr>
+            <a:lvl6pPr>
+              <a:defRPr sz="1200"/>
+            </a:lvl6pPr>
+            <a:lvl7pPr>
+              <a:defRPr sz="1200"/>
+            </a:lvl7pPr>
+            <a:lvl8pPr>
+              <a:defRPr sz="1200"/>
+            </a:lvl8pPr>
+            <a:lvl9pPr>
+              <a:defRPr sz="1200"/>
+            </a:lvl9pPr>
+          </a:lstStyle>
+          <a:p>
+            <a:pPr lvl="0"/>
+            <a:r>
+              <a:rPr lang="en-US"/>
+              <a:t>Click to edit Master text styles</a:t>
+            </a:r>
+          </a:p>
+          <a:p>
+            <a:pPr lvl="1"/>
+            <a:r>
+              <a:rPr lang="en-US"/>
+              <a:t>Second level</a:t>
+            </a:r>
+          </a:p>
+          <a:p>
+            <a:pPr lvl="2"/>
+            <a:r>
+              <a:rPr lang="en-US"/>
+              <a:t>Third level</a:t>
+            </a:r>
+          </a:p>
+          <a:p>
+            <a:pPr lvl="3"/>
+            <a:r>
+              <a:rPr lang="en-US"/>
+              <a:t>Fourth level</a:t>
+            </a:r>
+          </a:p>
+          <a:p>
+            <a:pPr lvl="4"/>
+            <a:r>
+              <a:rPr lang="en-US"/>
+              <a:t>Fifth level</a:t>
+            </a:r>
+            <a:endParaRPr lang="en-US" dirty="0"/>
+          </a:p>
+        </p:txBody>
+      </p:sp>
+      <p:sp>
+        <p:nvSpPr>
+          <p:cNvPr id="5" name="Date Placeholder 4"/>
+          <p:cNvSpPr>
+            <a:spLocks noGrp="1"/>
+          </p:cNvSpPr>
+          <p:nvPr>
+            <p:ph type="dt" sz="half" idx="10"/>
+          </p:nvPr>
+        </p:nvSpPr>
+        <p:spPr/>
+        <p:txBody>
           <a:bodyPr/>
           <a:lstStyle/>
           <a:p>
-            <a:pPr lvl="0"/>
-            <a:r>
-              <a:rPr lang="en-US"/>
-              <a:t>Click to edit Master text styles</a:t>
-            </a:r>
-          </a:p>
-          <a:p>
-            <a:pPr lvl="1"/>
-            <a:r>
-              <a:rPr lang="en-US"/>
-              <a:t>Second level</a:t>
-            </a:r>
-          </a:p>
-          <a:p>
-            <a:pPr lvl="2"/>
-            <a:r>
-              <a:rPr lang="en-US"/>
-              <a:t>Third level</a:t>
-            </a:r>
-          </a:p>
-          <a:p>
-            <a:pPr lvl="3"/>
-            <a:r>
-              <a:rPr lang="en-US"/>
-              <a:t>Fourth level</a:t>
-            </a:r>
-          </a:p>
-          <a:p>
-            <a:pPr lvl="4"/>
-            <a:r>
-              <a:rPr lang="en-US"/>
-              <a:t>Fifth level</a:t>
-            </a:r>
-          </a:p>
-        </p:txBody>
-      </p:sp>
-      <p:sp>
-        <p:nvSpPr>
-          <p:cNvPr id="4" name="Content Placeholder 3">
-            <a:extLst>
-              <a:ext uri="{FF2B5EF4-FFF2-40B4-BE49-F238E27FC236}">
-                <a16:creationId xmlns:a16="http://schemas.microsoft.com/office/drawing/2014/main" id="{EEDB06D9-336D-A02B-BE81-0272A10B7A6E}"/>
-              </a:ext>
-            </a:extLst>
-          </p:cNvPr>
-          <p:cNvSpPr>
-            <a:spLocks noGrp="1"/>
-          </p:cNvSpPr>
-          <p:nvPr>
-            <p:ph sz="half" idx="2"/>
-          </p:nvPr>
-        </p:nvSpPr>
-        <p:spPr>
-          <a:xfrm>
-            <a:off x="6172200" y="1825625"/>
-            <a:ext cx="5181600" cy="4351338"/>
-          </a:xfrm>
-        </p:spPr>
+            <a:fld id="{30B9BDC6-9212-AA4A-B1DD-31ED212B226C}" type="datetimeFigureOut">
+              <a:rPr lang="en-US" smtClean="0"/>
+              <a:t>12/10/2023</a:t>
+            </a:fld>
+            <a:endParaRPr lang="en-US"/>
+          </a:p>
+        </p:txBody>
+      </p:sp>
+      <p:sp>
+        <p:nvSpPr>
+          <p:cNvPr id="6" name="Footer Placeholder 5"/>
+          <p:cNvSpPr>
+            <a:spLocks noGrp="1"/>
+          </p:cNvSpPr>
+          <p:nvPr>
+            <p:ph type="ftr" sz="quarter" idx="11"/>
+          </p:nvPr>
+        </p:nvSpPr>
+        <p:spPr/>
         <p:txBody>
           <a:bodyPr/>
           <a:lstStyle/>
           <a:p>
-            <a:pPr lvl="0"/>
-            <a:r>
-              <a:rPr lang="en-US"/>
-              <a:t>Click to edit Master text styles</a:t>
-            </a:r>
-          </a:p>
-          <a:p>
-            <a:pPr lvl="1"/>
-            <a:r>
-              <a:rPr lang="en-US"/>
-              <a:t>Second level</a:t>
-            </a:r>
-          </a:p>
-          <a:p>
-            <a:pPr lvl="2"/>
-            <a:r>
-              <a:rPr lang="en-US"/>
-              <a:t>Third level</a:t>
-            </a:r>
-          </a:p>
-          <a:p>
-            <a:pPr lvl="3"/>
-            <a:r>
-              <a:rPr lang="en-US"/>
-              <a:t>Fourth level</a:t>
-            </a:r>
-          </a:p>
-          <a:p>
-            <a:pPr lvl="4"/>
-            <a:r>
-              <a:rPr lang="en-US"/>
-              <a:t>Fifth level</a:t>
-            </a:r>
-          </a:p>
-        </p:txBody>
-      </p:sp>
-      <p:sp>
-        <p:nvSpPr>
-          <p:cNvPr id="5" name="Date Placeholder 4">
-            <a:extLst>
-              <a:ext uri="{FF2B5EF4-FFF2-40B4-BE49-F238E27FC236}">
-                <a16:creationId xmlns:a16="http://schemas.microsoft.com/office/drawing/2014/main" id="{C5C738A3-184E-F2B7-D573-5A1539E4FB39}"/>
-              </a:ext>
-            </a:extLst>
-          </p:cNvPr>
-          <p:cNvSpPr>
-            <a:spLocks noGrp="1"/>
-          </p:cNvSpPr>
-          <p:nvPr>
-            <p:ph type="dt" sz="half" idx="10"/>
-          </p:nvPr>
-        </p:nvSpPr>
-        <p:spPr/>
-        <p:txBody>
-          <a:bodyPr/>
-          <a:lstStyle/>
-          <a:p>
-            <a:fld id="{30B9BDC6-9212-AA4A-B1DD-31ED212B226C}" type="datetimeFigureOut">
-              <a:rPr lang="en-US" smtClean="0"/>
-              <a:t>12/9/23</a:t>
-            </a:fld>
             <a:endParaRPr lang="en-US"/>
           </a:p>
         </p:txBody>
       </p:sp>
       <p:sp>
         <p:nvSpPr>
-          <p:cNvPr id="6" name="Footer Placeholder 5">
-            <a:extLst>
-              <a:ext uri="{FF2B5EF4-FFF2-40B4-BE49-F238E27FC236}">
-                <a16:creationId xmlns:a16="http://schemas.microsoft.com/office/drawing/2014/main" id="{564C27E6-F9A7-1DBA-258F-22FAD9573926}"/>
-              </a:ext>
-            </a:extLst>
-          </p:cNvPr>
-          <p:cNvSpPr>
-            <a:spLocks noGrp="1"/>
-          </p:cNvSpPr>
-          <p:nvPr>
-            <p:ph type="ftr" sz="quarter" idx="11"/>
-          </p:nvPr>
-        </p:nvSpPr>
-        <p:spPr/>
-        <p:txBody>
-          <a:bodyPr/>
-          <a:lstStyle/>
-          <a:p>
-            <a:endParaRPr lang="en-US"/>
-          </a:p>
-        </p:txBody>
-      </p:sp>
-      <p:sp>
-        <p:nvSpPr>
-          <p:cNvPr id="7" name="Slide Number Placeholder 6">
-            <a:extLst>
-              <a:ext uri="{FF2B5EF4-FFF2-40B4-BE49-F238E27FC236}">
-                <a16:creationId xmlns:a16="http://schemas.microsoft.com/office/drawing/2014/main" id="{0A55C9F6-ABDA-500B-A7C0-462B9CD12FE9}"/>
-              </a:ext>
-            </a:extLst>
-          </p:cNvPr>
+          <p:cNvPr id="7" name="Slide Number Placeholder 6"/>
           <p:cNvSpPr>
             <a:spLocks noGrp="1"/>
           </p:cNvSpPr>
@@ -1475,7 +3988,7 @@
     </p:spTree>
     <p:extLst>
       <p:ext uri="{BB962C8B-B14F-4D97-AF65-F5344CB8AC3E}">
-        <p14:creationId xmlns:p14="http://schemas.microsoft.com/office/powerpoint/2010/main" val="3426854719"/>
+        <p14:creationId xmlns:p14="http://schemas.microsoft.com/office/powerpoint/2010/main" val="534940862"/>
       </p:ext>
     </p:extLst>
   </p:cSld>
@@ -1504,65 +4017,62 @@
       </p:grpSpPr>
       <p:sp>
         <p:nvSpPr>
-          <p:cNvPr id="2" name="Title 1">
-            <a:extLst>
-              <a:ext uri="{FF2B5EF4-FFF2-40B4-BE49-F238E27FC236}">
-                <a16:creationId xmlns:a16="http://schemas.microsoft.com/office/drawing/2014/main" id="{6735BCE9-50EB-4B3C-55DD-D81456E93854}"/>
-              </a:ext>
-            </a:extLst>
-          </p:cNvPr>
+          <p:cNvPr id="2" name="Title 1"/>
           <p:cNvSpPr>
             <a:spLocks noGrp="1"/>
           </p:cNvSpPr>
           <p:nvPr>
             <p:ph type="title"/>
+          </p:nvPr>
+        </p:nvSpPr>
+        <p:spPr/>
+        <p:txBody>
+          <a:bodyPr/>
+          <a:lstStyle>
+            <a:lvl1pPr>
+              <a:defRPr/>
+            </a:lvl1pPr>
+          </a:lstStyle>
+          <a:p>
+            <a:r>
+              <a:rPr lang="en-US"/>
+              <a:t>Click to edit Master title style</a:t>
+            </a:r>
+            <a:endParaRPr lang="en-US" dirty="0"/>
+          </a:p>
+        </p:txBody>
+      </p:sp>
+      <p:sp>
+        <p:nvSpPr>
+          <p:cNvPr id="3" name="Text Placeholder 2"/>
+          <p:cNvSpPr>
+            <a:spLocks noGrp="1"/>
+          </p:cNvSpPr>
+          <p:nvPr>
+            <p:ph type="body" idx="1"/>
           </p:nvPr>
         </p:nvSpPr>
         <p:spPr>
           <a:xfrm>
-            <a:off x="839788" y="365125"/>
-            <a:ext cx="10515600" cy="1325563"/>
+            <a:off x="1103313" y="1905000"/>
+            <a:ext cx="4396338" cy="576262"/>
           </a:xfrm>
         </p:spPr>
         <p:txBody>
-          <a:bodyPr/>
-          <a:lstStyle/>
-          <a:p>
-            <a:r>
-              <a:rPr lang="en-US"/>
-              <a:t>Click to edit Master title style</a:t>
-            </a:r>
-          </a:p>
-        </p:txBody>
-      </p:sp>
-      <p:sp>
-        <p:nvSpPr>
-          <p:cNvPr id="3" name="Text Placeholder 2">
-            <a:extLst>
-              <a:ext uri="{FF2B5EF4-FFF2-40B4-BE49-F238E27FC236}">
-                <a16:creationId xmlns:a16="http://schemas.microsoft.com/office/drawing/2014/main" id="{32C38338-0E79-8243-790D-26ADBE32DC3B}"/>
-              </a:ext>
-            </a:extLst>
-          </p:cNvPr>
-          <p:cNvSpPr>
-            <a:spLocks noGrp="1"/>
-          </p:cNvSpPr>
-          <p:nvPr>
-            <p:ph type="body" idx="1"/>
-          </p:nvPr>
-        </p:nvSpPr>
-        <p:spPr>
-          <a:xfrm>
-            <a:off x="839788" y="1681163"/>
-            <a:ext cx="5157787" cy="823912"/>
-          </a:xfrm>
-        </p:spPr>
-        <p:txBody>
-          <a:bodyPr anchor="b"/>
+          <a:bodyPr anchor="b">
+            <a:noAutofit/>
+          </a:bodyPr>
           <a:lstStyle>
             <a:lvl1pPr marL="0" indent="0">
               <a:buNone/>
-              <a:defRPr sz="2400" b="1"/>
+              <a:defRPr sz="2400" b="0">
+                <a:solidFill>
+                  <a:schemeClr val="bg2">
+                    <a:lumMod val="40000"/>
+                    <a:lumOff val="60000"/>
+                  </a:schemeClr>
+                </a:solidFill>
+              </a:defRPr>
             </a:lvl1pPr>
             <a:lvl2pPr marL="457200" indent="0">
               <a:buNone/>
@@ -1608,13 +4118,7 @@
       </p:sp>
       <p:sp>
         <p:nvSpPr>
-          <p:cNvPr id="4" name="Content Placeholder 3">
-            <a:extLst>
-              <a:ext uri="{FF2B5EF4-FFF2-40B4-BE49-F238E27FC236}">
-                <a16:creationId xmlns:a16="http://schemas.microsoft.com/office/drawing/2014/main" id="{A0FA811A-5994-72B6-91A4-840FB8C131E9}"/>
-              </a:ext>
-            </a:extLst>
-          </p:cNvPr>
+          <p:cNvPr id="4" name="Content Placeholder 3"/>
           <p:cNvSpPr>
             <a:spLocks noGrp="1"/>
           </p:cNvSpPr>
@@ -1624,13 +4128,43 @@
         </p:nvSpPr>
         <p:spPr>
           <a:xfrm>
-            <a:off x="839788" y="2505075"/>
-            <a:ext cx="5157787" cy="3684588"/>
+            <a:off x="1103312" y="2514600"/>
+            <a:ext cx="4396339" cy="3741738"/>
           </a:xfrm>
         </p:spPr>
         <p:txBody>
-          <a:bodyPr/>
-          <a:lstStyle/>
+          <a:bodyPr>
+            <a:normAutofit/>
+          </a:bodyPr>
+          <a:lstStyle>
+            <a:lvl1pPr>
+              <a:defRPr sz="1800"/>
+            </a:lvl1pPr>
+            <a:lvl2pPr>
+              <a:defRPr sz="1600"/>
+            </a:lvl2pPr>
+            <a:lvl3pPr>
+              <a:defRPr sz="1400"/>
+            </a:lvl3pPr>
+            <a:lvl4pPr>
+              <a:defRPr sz="1200"/>
+            </a:lvl4pPr>
+            <a:lvl5pPr>
+              <a:defRPr sz="1200"/>
+            </a:lvl5pPr>
+            <a:lvl6pPr>
+              <a:defRPr sz="1200"/>
+            </a:lvl6pPr>
+            <a:lvl7pPr>
+              <a:defRPr sz="1200"/>
+            </a:lvl7pPr>
+            <a:lvl8pPr>
+              <a:defRPr sz="1200"/>
+            </a:lvl8pPr>
+            <a:lvl9pPr>
+              <a:defRPr sz="1200"/>
+            </a:lvl9pPr>
+          </a:lstStyle>
           <a:p>
             <a:pPr lvl="0"/>
             <a:r>
@@ -1665,18 +4199,13 @@
               <a:rPr lang="en-US"/>
               <a:t>Fifth level</a:t>
             </a:r>
-          </a:p>
-        </p:txBody>
-      </p:sp>
-      <p:sp>
-        <p:nvSpPr>
-          <p:cNvPr id="5" name="Text Placeholder 4">
-            <a:extLst>
-              <a:ext uri="{FF2B5EF4-FFF2-40B4-BE49-F238E27FC236}">
-                <a16:creationId xmlns:a16="http://schemas.microsoft.com/office/drawing/2014/main" id="{732907D4-461D-A127-3F76-D1A14343A322}"/>
-              </a:ext>
-            </a:extLst>
-          </p:cNvPr>
+            <a:endParaRPr lang="en-US" dirty="0"/>
+          </a:p>
+        </p:txBody>
+      </p:sp>
+      <p:sp>
+        <p:nvSpPr>
+          <p:cNvPr id="5" name="Text Placeholder 4"/>
           <p:cNvSpPr>
             <a:spLocks noGrp="1"/>
           </p:cNvSpPr>
@@ -1686,16 +4215,25 @@
         </p:nvSpPr>
         <p:spPr>
           <a:xfrm>
-            <a:off x="6172200" y="1681163"/>
-            <a:ext cx="5183188" cy="823912"/>
+            <a:off x="5654495" y="1905000"/>
+            <a:ext cx="4396339" cy="576262"/>
           </a:xfrm>
         </p:spPr>
         <p:txBody>
-          <a:bodyPr anchor="b"/>
+          <a:bodyPr anchor="b">
+            <a:noAutofit/>
+          </a:bodyPr>
           <a:lstStyle>
             <a:lvl1pPr marL="0" indent="0">
               <a:buNone/>
-              <a:defRPr sz="2400" b="1"/>
+              <a:defRPr sz="2400" b="0">
+                <a:solidFill>
+                  <a:schemeClr val="bg2">
+                    <a:lumMod val="40000"/>
+                    <a:lumOff val="60000"/>
+                  </a:schemeClr>
+                </a:solidFill>
+              </a:defRPr>
             </a:lvl1pPr>
             <a:lvl2pPr marL="457200" indent="0">
               <a:buNone/>
@@ -1741,13 +4279,7 @@
       </p:sp>
       <p:sp>
         <p:nvSpPr>
-          <p:cNvPr id="6" name="Content Placeholder 5">
-            <a:extLst>
-              <a:ext uri="{FF2B5EF4-FFF2-40B4-BE49-F238E27FC236}">
-                <a16:creationId xmlns:a16="http://schemas.microsoft.com/office/drawing/2014/main" id="{98418760-9010-C6A6-BEE6-1947D4629EF1}"/>
-              </a:ext>
-            </a:extLst>
-          </p:cNvPr>
+          <p:cNvPr id="6" name="Content Placeholder 5"/>
           <p:cNvSpPr>
             <a:spLocks noGrp="1"/>
           </p:cNvSpPr>
@@ -1757,64 +4289,112 @@
         </p:nvSpPr>
         <p:spPr>
           <a:xfrm>
-            <a:off x="6172200" y="2505075"/>
-            <a:ext cx="5183188" cy="3684588"/>
+            <a:off x="5654495" y="2514600"/>
+            <a:ext cx="4396339" cy="3741738"/>
           </a:xfrm>
         </p:spPr>
         <p:txBody>
+          <a:bodyPr>
+            <a:normAutofit/>
+          </a:bodyPr>
+          <a:lstStyle>
+            <a:lvl1pPr>
+              <a:defRPr sz="1800"/>
+            </a:lvl1pPr>
+            <a:lvl2pPr>
+              <a:defRPr sz="1600"/>
+            </a:lvl2pPr>
+            <a:lvl3pPr>
+              <a:defRPr sz="1400"/>
+            </a:lvl3pPr>
+            <a:lvl4pPr>
+              <a:defRPr sz="1200"/>
+            </a:lvl4pPr>
+            <a:lvl5pPr>
+              <a:defRPr sz="1200"/>
+            </a:lvl5pPr>
+            <a:lvl6pPr>
+              <a:defRPr sz="1200"/>
+            </a:lvl6pPr>
+            <a:lvl7pPr>
+              <a:defRPr sz="1200"/>
+            </a:lvl7pPr>
+            <a:lvl8pPr>
+              <a:defRPr sz="1200"/>
+            </a:lvl8pPr>
+            <a:lvl9pPr>
+              <a:defRPr sz="1200"/>
+            </a:lvl9pPr>
+          </a:lstStyle>
+          <a:p>
+            <a:pPr lvl="0"/>
+            <a:r>
+              <a:rPr lang="en-US"/>
+              <a:t>Click to edit Master text styles</a:t>
+            </a:r>
+          </a:p>
+          <a:p>
+            <a:pPr lvl="1"/>
+            <a:r>
+              <a:rPr lang="en-US"/>
+              <a:t>Second level</a:t>
+            </a:r>
+          </a:p>
+          <a:p>
+            <a:pPr lvl="2"/>
+            <a:r>
+              <a:rPr lang="en-US"/>
+              <a:t>Third level</a:t>
+            </a:r>
+          </a:p>
+          <a:p>
+            <a:pPr lvl="3"/>
+            <a:r>
+              <a:rPr lang="en-US"/>
+              <a:t>Fourth level</a:t>
+            </a:r>
+          </a:p>
+          <a:p>
+            <a:pPr lvl="4"/>
+            <a:r>
+              <a:rPr lang="en-US"/>
+              <a:t>Fifth level</a:t>
+            </a:r>
+            <a:endParaRPr lang="en-US" dirty="0"/>
+          </a:p>
+        </p:txBody>
+      </p:sp>
+      <p:sp>
+        <p:nvSpPr>
+          <p:cNvPr id="7" name="Date Placeholder 6"/>
+          <p:cNvSpPr>
+            <a:spLocks noGrp="1"/>
+          </p:cNvSpPr>
+          <p:nvPr>
+            <p:ph type="dt" sz="half" idx="10"/>
+          </p:nvPr>
+        </p:nvSpPr>
+        <p:spPr/>
+        <p:txBody>
           <a:bodyPr/>
           <a:lstStyle/>
           <a:p>
-            <a:pPr lvl="0"/>
-            <a:r>
-              <a:rPr lang="en-US"/>
-              <a:t>Click to edit Master text styles</a:t>
-            </a:r>
-          </a:p>
-          <a:p>
-            <a:pPr lvl="1"/>
-            <a:r>
-              <a:rPr lang="en-US"/>
-              <a:t>Second level</a:t>
-            </a:r>
-          </a:p>
-          <a:p>
-            <a:pPr lvl="2"/>
-            <a:r>
-              <a:rPr lang="en-US"/>
-              <a:t>Third level</a:t>
-            </a:r>
-          </a:p>
-          <a:p>
-            <a:pPr lvl="3"/>
-            <a:r>
-              <a:rPr lang="en-US"/>
-              <a:t>Fourth level</a:t>
-            </a:r>
-          </a:p>
-          <a:p>
-            <a:pPr lvl="4"/>
-            <a:r>
-              <a:rPr lang="en-US"/>
-              <a:t>Fifth level</a:t>
-            </a:r>
-          </a:p>
-        </p:txBody>
-      </p:sp>
-      <p:sp>
-        <p:nvSpPr>
-          <p:cNvPr id="7" name="Date Placeholder 6">
-            <a:extLst>
-              <a:ext uri="{FF2B5EF4-FFF2-40B4-BE49-F238E27FC236}">
-                <a16:creationId xmlns:a16="http://schemas.microsoft.com/office/drawing/2014/main" id="{E6866EE8-8BF8-0181-D09B-8B540CCD426A}"/>
-              </a:ext>
-            </a:extLst>
-          </p:cNvPr>
-          <p:cNvSpPr>
-            <a:spLocks noGrp="1"/>
-          </p:cNvSpPr>
-          <p:nvPr>
-            <p:ph type="dt" sz="half" idx="10"/>
+            <a:fld id="{30B9BDC6-9212-AA4A-B1DD-31ED212B226C}" type="datetimeFigureOut">
+              <a:rPr lang="en-US" smtClean="0"/>
+              <a:t>12/10/2023</a:t>
+            </a:fld>
+            <a:endParaRPr lang="en-US"/>
+          </a:p>
+        </p:txBody>
+      </p:sp>
+      <p:sp>
+        <p:nvSpPr>
+          <p:cNvPr id="8" name="Footer Placeholder 7"/>
+          <p:cNvSpPr>
+            <a:spLocks noGrp="1"/>
+          </p:cNvSpPr>
+          <p:nvPr>
+            <p:ph type="ftr" sz="quarter" idx="11"/>
           </p:nvPr>
         </p:nvSpPr>
         <p:spPr/>
@@ -1822,48 +4402,13 @@
           <a:bodyPr/>
           <a:lstStyle/>
           <a:p>
-            <a:fld id="{30B9BDC6-9212-AA4A-B1DD-31ED212B226C}" type="datetimeFigureOut">
-              <a:rPr lang="en-US" smtClean="0"/>
-              <a:t>12/9/23</a:t>
-            </a:fld>
             <a:endParaRPr lang="en-US"/>
           </a:p>
         </p:txBody>
       </p:sp>
       <p:sp>
         <p:nvSpPr>
-          <p:cNvPr id="8" name="Footer Placeholder 7">
-            <a:extLst>
-              <a:ext uri="{FF2B5EF4-FFF2-40B4-BE49-F238E27FC236}">
-                <a16:creationId xmlns:a16="http://schemas.microsoft.com/office/drawing/2014/main" id="{B015BC3C-0A97-CED8-4B65-36124A313503}"/>
-              </a:ext>
-            </a:extLst>
-          </p:cNvPr>
-          <p:cNvSpPr>
-            <a:spLocks noGrp="1"/>
-          </p:cNvSpPr>
-          <p:nvPr>
-            <p:ph type="ftr" sz="quarter" idx="11"/>
-          </p:nvPr>
-        </p:nvSpPr>
-        <p:spPr/>
-        <p:txBody>
-          <a:bodyPr/>
-          <a:lstStyle/>
-          <a:p>
-            <a:endParaRPr lang="en-US"/>
-          </a:p>
-        </p:txBody>
-      </p:sp>
-      <p:sp>
-        <p:nvSpPr>
-          <p:cNvPr id="9" name="Slide Number Placeholder 8">
-            <a:extLst>
-              <a:ext uri="{FF2B5EF4-FFF2-40B4-BE49-F238E27FC236}">
-                <a16:creationId xmlns:a16="http://schemas.microsoft.com/office/drawing/2014/main" id="{C9FF4243-3E4B-AD11-CE98-E92FA1B5F6B3}"/>
-              </a:ext>
-            </a:extLst>
-          </p:cNvPr>
+          <p:cNvPr id="9" name="Slide Number Placeholder 8"/>
           <p:cNvSpPr>
             <a:spLocks noGrp="1"/>
           </p:cNvSpPr>
@@ -1887,7 +4432,7 @@
     </p:spTree>
     <p:extLst>
       <p:ext uri="{BB962C8B-B14F-4D97-AF65-F5344CB8AC3E}">
-        <p14:creationId xmlns:p14="http://schemas.microsoft.com/office/powerpoint/2010/main" val="678785514"/>
+        <p14:creationId xmlns:p14="http://schemas.microsoft.com/office/powerpoint/2010/main" val="312761971"/>
       </p:ext>
     </p:extLst>
   </p:cSld>
@@ -1916,13 +4461,7 @@
       </p:grpSpPr>
       <p:sp>
         <p:nvSpPr>
-          <p:cNvPr id="2" name="Title 1">
-            <a:extLst>
-              <a:ext uri="{FF2B5EF4-FFF2-40B4-BE49-F238E27FC236}">
-                <a16:creationId xmlns:a16="http://schemas.microsoft.com/office/drawing/2014/main" id="{43A76869-AECA-FBB0-2182-C955EB407112}"/>
-              </a:ext>
-            </a:extLst>
-          </p:cNvPr>
+          <p:cNvPr id="2" name="Title 1"/>
           <p:cNvSpPr>
             <a:spLocks noGrp="1"/>
           </p:cNvSpPr>
@@ -1939,18 +4478,13 @@
               <a:rPr lang="en-US"/>
               <a:t>Click to edit Master title style</a:t>
             </a:r>
-          </a:p>
-        </p:txBody>
-      </p:sp>
-      <p:sp>
-        <p:nvSpPr>
-          <p:cNvPr id="3" name="Date Placeholder 2">
-            <a:extLst>
-              <a:ext uri="{FF2B5EF4-FFF2-40B4-BE49-F238E27FC236}">
-                <a16:creationId xmlns:a16="http://schemas.microsoft.com/office/drawing/2014/main" id="{9629F3DE-6BF7-26DC-6D90-84366E05EC80}"/>
-              </a:ext>
-            </a:extLst>
-          </p:cNvPr>
+            <a:endParaRPr lang="en-US" dirty="0"/>
+          </a:p>
+        </p:txBody>
+      </p:sp>
+      <p:sp>
+        <p:nvSpPr>
+          <p:cNvPr id="7" name="Date Placeholder 2"/>
           <p:cNvSpPr>
             <a:spLocks noGrp="1"/>
           </p:cNvSpPr>
@@ -1965,7 +4499,7 @@
           <a:p>
             <a:fld id="{30B9BDC6-9212-AA4A-B1DD-31ED212B226C}" type="datetimeFigureOut">
               <a:rPr lang="en-US" smtClean="0"/>
-              <a:t>12/9/23</a:t>
+              <a:t>12/10/2023</a:t>
             </a:fld>
             <a:endParaRPr lang="en-US"/>
           </a:p>
@@ -1973,13 +4507,7 @@
       </p:sp>
       <p:sp>
         <p:nvSpPr>
-          <p:cNvPr id="4" name="Footer Placeholder 3">
-            <a:extLst>
-              <a:ext uri="{FF2B5EF4-FFF2-40B4-BE49-F238E27FC236}">
-                <a16:creationId xmlns:a16="http://schemas.microsoft.com/office/drawing/2014/main" id="{7CC19DE5-FF43-E434-389B-3A3E5D885259}"/>
-              </a:ext>
-            </a:extLst>
-          </p:cNvPr>
+          <p:cNvPr id="5" name="Footer Placeholder 3"/>
           <p:cNvSpPr>
             <a:spLocks noGrp="1"/>
           </p:cNvSpPr>
@@ -1998,13 +4526,7 @@
       </p:sp>
       <p:sp>
         <p:nvSpPr>
-          <p:cNvPr id="5" name="Slide Number Placeholder 4">
-            <a:extLst>
-              <a:ext uri="{FF2B5EF4-FFF2-40B4-BE49-F238E27FC236}">
-                <a16:creationId xmlns:a16="http://schemas.microsoft.com/office/drawing/2014/main" id="{B9B933AC-AFED-7AFA-716C-60DA6A7D4F49}"/>
-              </a:ext>
-            </a:extLst>
-          </p:cNvPr>
+          <p:cNvPr id="6" name="Slide Number Placeholder 4"/>
           <p:cNvSpPr>
             <a:spLocks noGrp="1"/>
           </p:cNvSpPr>
@@ -2028,7 +4550,7 @@
     </p:spTree>
     <p:extLst>
       <p:ext uri="{BB962C8B-B14F-4D97-AF65-F5344CB8AC3E}">
-        <p14:creationId xmlns:p14="http://schemas.microsoft.com/office/powerpoint/2010/main" val="521059245"/>
+        <p14:creationId xmlns:p14="http://schemas.microsoft.com/office/powerpoint/2010/main" val="242094044"/>
       </p:ext>
     </p:extLst>
   </p:cSld>
@@ -2057,13 +4579,7 @@
       </p:grpSpPr>
       <p:sp>
         <p:nvSpPr>
-          <p:cNvPr id="2" name="Date Placeholder 1">
-            <a:extLst>
-              <a:ext uri="{FF2B5EF4-FFF2-40B4-BE49-F238E27FC236}">
-                <a16:creationId xmlns:a16="http://schemas.microsoft.com/office/drawing/2014/main" id="{85B54DC6-49FE-8CD9-D877-34672F1C289C}"/>
-              </a:ext>
-            </a:extLst>
-          </p:cNvPr>
+          <p:cNvPr id="7" name="Date Placeholder 1"/>
           <p:cNvSpPr>
             <a:spLocks noGrp="1"/>
           </p:cNvSpPr>
@@ -2078,7 +4594,7 @@
           <a:p>
             <a:fld id="{30B9BDC6-9212-AA4A-B1DD-31ED212B226C}" type="datetimeFigureOut">
               <a:rPr lang="en-US" smtClean="0"/>
-              <a:t>12/9/23</a:t>
+              <a:t>12/10/2023</a:t>
             </a:fld>
             <a:endParaRPr lang="en-US"/>
           </a:p>
@@ -2086,13 +4602,7 @@
       </p:sp>
       <p:sp>
         <p:nvSpPr>
-          <p:cNvPr id="3" name="Footer Placeholder 2">
-            <a:extLst>
-              <a:ext uri="{FF2B5EF4-FFF2-40B4-BE49-F238E27FC236}">
-                <a16:creationId xmlns:a16="http://schemas.microsoft.com/office/drawing/2014/main" id="{1028D612-3754-3851-50E9-69EDF3D7B934}"/>
-              </a:ext>
-            </a:extLst>
-          </p:cNvPr>
+          <p:cNvPr id="5" name="Footer Placeholder 2"/>
           <p:cNvSpPr>
             <a:spLocks noGrp="1"/>
           </p:cNvSpPr>
@@ -2111,13 +4621,7 @@
       </p:sp>
       <p:sp>
         <p:nvSpPr>
-          <p:cNvPr id="4" name="Slide Number Placeholder 3">
-            <a:extLst>
-              <a:ext uri="{FF2B5EF4-FFF2-40B4-BE49-F238E27FC236}">
-                <a16:creationId xmlns:a16="http://schemas.microsoft.com/office/drawing/2014/main" id="{3378F6C9-B021-9489-07B0-DC6DCE7C8297}"/>
-              </a:ext>
-            </a:extLst>
-          </p:cNvPr>
+          <p:cNvPr id="6" name="Slide Number Placeholder 3"/>
           <p:cNvSpPr>
             <a:spLocks noGrp="1"/>
           </p:cNvSpPr>
@@ -2141,7 +4645,7 @@
     </p:spTree>
     <p:extLst>
       <p:ext uri="{BB962C8B-B14F-4D97-AF65-F5344CB8AC3E}">
-        <p14:creationId xmlns:p14="http://schemas.microsoft.com/office/powerpoint/2010/main" val="715317043"/>
+        <p14:creationId xmlns:p14="http://schemas.microsoft.com/office/powerpoint/2010/main" val="3261647001"/>
       </p:ext>
     </p:extLst>
   </p:cSld>
@@ -2170,13 +4674,7 @@
       </p:grpSpPr>
       <p:sp>
         <p:nvSpPr>
-          <p:cNvPr id="2" name="Title 1">
-            <a:extLst>
-              <a:ext uri="{FF2B5EF4-FFF2-40B4-BE49-F238E27FC236}">
-                <a16:creationId xmlns:a16="http://schemas.microsoft.com/office/drawing/2014/main" id="{6370A249-F812-A2CC-7B22-6B97B7C7B0AB}"/>
-              </a:ext>
-            </a:extLst>
-          </p:cNvPr>
+          <p:cNvPr id="2" name="Title 1"/>
           <p:cNvSpPr>
             <a:spLocks noGrp="1"/>
           </p:cNvSpPr>
@@ -2186,15 +4684,15 @@
         </p:nvSpPr>
         <p:spPr>
           <a:xfrm>
-            <a:off x="839788" y="457200"/>
-            <a:ext cx="3932237" cy="1600200"/>
+            <a:off x="1154953" y="1447800"/>
+            <a:ext cx="3401064" cy="1447800"/>
           </a:xfrm>
         </p:spPr>
         <p:txBody>
           <a:bodyPr anchor="b"/>
           <a:lstStyle>
-            <a:lvl1pPr>
-              <a:defRPr sz="3200"/>
+            <a:lvl1pPr algn="l">
+              <a:defRPr sz="2400" b="0"/>
             </a:lvl1pPr>
           </a:lstStyle>
           <a:p>
@@ -2202,18 +4700,13 @@
               <a:rPr lang="en-US"/>
               <a:t>Click to edit Master title style</a:t>
             </a:r>
-          </a:p>
-        </p:txBody>
-      </p:sp>
-      <p:sp>
-        <p:nvSpPr>
-          <p:cNvPr id="3" name="Content Placeholder 2">
-            <a:extLst>
-              <a:ext uri="{FF2B5EF4-FFF2-40B4-BE49-F238E27FC236}">
-                <a16:creationId xmlns:a16="http://schemas.microsoft.com/office/drawing/2014/main" id="{A602465A-0DB2-96EE-D38E-36DA6C61FC3D}"/>
-              </a:ext>
-            </a:extLst>
-          </p:cNvPr>
+            <a:endParaRPr lang="en-US" dirty="0"/>
+          </a:p>
+        </p:txBody>
+      </p:sp>
+      <p:sp>
+        <p:nvSpPr>
+          <p:cNvPr id="3" name="Content Placeholder 2"/>
           <p:cNvSpPr>
             <a:spLocks noGrp="1"/>
           </p:cNvSpPr>
@@ -2223,39 +4716,41 @@
         </p:nvSpPr>
         <p:spPr>
           <a:xfrm>
-            <a:off x="5183188" y="987425"/>
-            <a:ext cx="6172200" cy="4873625"/>
+            <a:off x="4784616" y="1447800"/>
+            <a:ext cx="5195997" cy="4572000"/>
           </a:xfrm>
         </p:spPr>
         <p:txBody>
-          <a:bodyPr/>
+          <a:bodyPr anchor="ctr">
+            <a:normAutofit/>
+          </a:bodyPr>
           <a:lstStyle>
             <a:lvl1pPr>
-              <a:defRPr sz="3200"/>
+              <a:defRPr sz="2000"/>
             </a:lvl1pPr>
             <a:lvl2pPr>
-              <a:defRPr sz="2800"/>
+              <a:defRPr sz="1800"/>
             </a:lvl2pPr>
             <a:lvl3pPr>
-              <a:defRPr sz="2400"/>
+              <a:defRPr sz="1600"/>
             </a:lvl3pPr>
             <a:lvl4pPr>
-              <a:defRPr sz="2000"/>
+              <a:defRPr sz="1400"/>
             </a:lvl4pPr>
             <a:lvl5pPr>
-              <a:defRPr sz="2000"/>
+              <a:defRPr sz="1400"/>
             </a:lvl5pPr>
             <a:lvl6pPr>
-              <a:defRPr sz="2000"/>
+              <a:defRPr sz="1400"/>
             </a:lvl6pPr>
             <a:lvl7pPr>
-              <a:defRPr sz="2000"/>
+              <a:defRPr sz="1400"/>
             </a:lvl7pPr>
             <a:lvl8pPr>
-              <a:defRPr sz="2000"/>
+              <a:defRPr sz="1400"/>
             </a:lvl8pPr>
             <a:lvl9pPr>
-              <a:defRPr sz="2000"/>
+              <a:defRPr sz="1400"/>
             </a:lvl9pPr>
           </a:lstStyle>
           <a:p>
@@ -2292,18 +4787,13 @@
               <a:rPr lang="en-US"/>
               <a:t>Fifth level</a:t>
             </a:r>
-          </a:p>
-        </p:txBody>
-      </p:sp>
-      <p:sp>
-        <p:nvSpPr>
-          <p:cNvPr id="4" name="Text Placeholder 3">
-            <a:extLst>
-              <a:ext uri="{FF2B5EF4-FFF2-40B4-BE49-F238E27FC236}">
-                <a16:creationId xmlns:a16="http://schemas.microsoft.com/office/drawing/2014/main" id="{2E273571-0D30-A01E-5F9F-C9158E7E7552}"/>
-              </a:ext>
-            </a:extLst>
-          </p:cNvPr>
+            <a:endParaRPr lang="en-US" dirty="0"/>
+          </a:p>
+        </p:txBody>
+      </p:sp>
+      <p:sp>
+        <p:nvSpPr>
+          <p:cNvPr id="4" name="Text Placeholder 3"/>
           <p:cNvSpPr>
             <a:spLocks noGrp="1"/>
           </p:cNvSpPr>
@@ -2313,8 +4803,8 @@
         </p:nvSpPr>
         <p:spPr>
           <a:xfrm>
-            <a:off x="839788" y="2057400"/>
-            <a:ext cx="3932237" cy="3811588"/>
+            <a:off x="1154953" y="3129280"/>
+            <a:ext cx="3401063" cy="2895599"/>
           </a:xfrm>
         </p:spPr>
         <p:txBody>
@@ -2322,39 +4812,39 @@
           <a:lstStyle>
             <a:lvl1pPr marL="0" indent="0">
               <a:buNone/>
-              <a:defRPr sz="1600"/>
+              <a:defRPr sz="1400"/>
             </a:lvl1pPr>
             <a:lvl2pPr marL="457200" indent="0">
               <a:buNone/>
-              <a:defRPr sz="1400"/>
+              <a:defRPr sz="1200"/>
             </a:lvl2pPr>
             <a:lvl3pPr marL="914400" indent="0">
               <a:buNone/>
-              <a:defRPr sz="1200"/>
+              <a:defRPr sz="1000"/>
             </a:lvl3pPr>
             <a:lvl4pPr marL="1371600" indent="0">
               <a:buNone/>
-              <a:defRPr sz="1000"/>
+              <a:defRPr sz="900"/>
             </a:lvl4pPr>
             <a:lvl5pPr marL="1828800" indent="0">
               <a:buNone/>
-              <a:defRPr sz="1000"/>
+              <a:defRPr sz="900"/>
             </a:lvl5pPr>
             <a:lvl6pPr marL="2286000" indent="0">
               <a:buNone/>
-              <a:defRPr sz="1000"/>
+              <a:defRPr sz="900"/>
             </a:lvl6pPr>
             <a:lvl7pPr marL="2743200" indent="0">
               <a:buNone/>
-              <a:defRPr sz="1000"/>
+              <a:defRPr sz="900"/>
             </a:lvl7pPr>
             <a:lvl8pPr marL="3200400" indent="0">
               <a:buNone/>
-              <a:defRPr sz="1000"/>
+              <a:defRPr sz="900"/>
             </a:lvl8pPr>
             <a:lvl9pPr marL="3657600" indent="0">
               <a:buNone/>
-              <a:defRPr sz="1000"/>
+              <a:defRPr sz="900"/>
             </a:lvl9pPr>
           </a:lstStyle>
           <a:p>
@@ -2368,13 +4858,7 @@
       </p:sp>
       <p:sp>
         <p:nvSpPr>
-          <p:cNvPr id="5" name="Date Placeholder 4">
-            <a:extLst>
-              <a:ext uri="{FF2B5EF4-FFF2-40B4-BE49-F238E27FC236}">
-                <a16:creationId xmlns:a16="http://schemas.microsoft.com/office/drawing/2014/main" id="{EE4E3E3F-4475-A52C-BB15-7B2757C9BB9F}"/>
-              </a:ext>
-            </a:extLst>
-          </p:cNvPr>
+          <p:cNvPr id="7" name="Date Placeholder 4"/>
           <p:cNvSpPr>
             <a:spLocks noGrp="1"/>
           </p:cNvSpPr>
@@ -2389,7 +4873,7 @@
           <a:p>
             <a:fld id="{30B9BDC6-9212-AA4A-B1DD-31ED212B226C}" type="datetimeFigureOut">
               <a:rPr lang="en-US" smtClean="0"/>
-              <a:t>12/9/23</a:t>
+              <a:t>12/10/2023</a:t>
             </a:fld>
             <a:endParaRPr lang="en-US"/>
           </a:p>
@@ -2397,13 +4881,7 @@
       </p:sp>
       <p:sp>
         <p:nvSpPr>
-          <p:cNvPr id="6" name="Footer Placeholder 5">
-            <a:extLst>
-              <a:ext uri="{FF2B5EF4-FFF2-40B4-BE49-F238E27FC236}">
-                <a16:creationId xmlns:a16="http://schemas.microsoft.com/office/drawing/2014/main" id="{DFEBE0B0-3BCD-F69F-A147-64326DC835F9}"/>
-              </a:ext>
-            </a:extLst>
-          </p:cNvPr>
+          <p:cNvPr id="5" name="Footer Placeholder 5"/>
           <p:cNvSpPr>
             <a:spLocks noGrp="1"/>
           </p:cNvSpPr>
@@ -2422,13 +4900,7 @@
       </p:sp>
       <p:sp>
         <p:nvSpPr>
-          <p:cNvPr id="7" name="Slide Number Placeholder 6">
-            <a:extLst>
-              <a:ext uri="{FF2B5EF4-FFF2-40B4-BE49-F238E27FC236}">
-                <a16:creationId xmlns:a16="http://schemas.microsoft.com/office/drawing/2014/main" id="{8BF853B7-B7B0-B7FB-AEBF-199A32A9273A}"/>
-              </a:ext>
-            </a:extLst>
-          </p:cNvPr>
+          <p:cNvPr id="6" name="Slide Number Placeholder 6"/>
           <p:cNvSpPr>
             <a:spLocks noGrp="1"/>
           </p:cNvSpPr>
@@ -2452,7 +4924,7 @@
     </p:spTree>
     <p:extLst>
       <p:ext uri="{BB962C8B-B14F-4D97-AF65-F5344CB8AC3E}">
-        <p14:creationId xmlns:p14="http://schemas.microsoft.com/office/powerpoint/2010/main" val="1263235156"/>
+        <p14:creationId xmlns:p14="http://schemas.microsoft.com/office/powerpoint/2010/main" val="1245576772"/>
       </p:ext>
     </p:extLst>
   </p:cSld>
@@ -2481,13 +4953,7 @@
       </p:grpSpPr>
       <p:sp>
         <p:nvSpPr>
-          <p:cNvPr id="2" name="Title 1">
-            <a:extLst>
-              <a:ext uri="{FF2B5EF4-FFF2-40B4-BE49-F238E27FC236}">
-                <a16:creationId xmlns:a16="http://schemas.microsoft.com/office/drawing/2014/main" id="{BECFFCAA-F29A-F7AC-0E80-112393E97323}"/>
-              </a:ext>
-            </a:extLst>
-          </p:cNvPr>
+          <p:cNvPr id="2" name="Title 1"/>
           <p:cNvSpPr>
             <a:spLocks noGrp="1"/>
           </p:cNvSpPr>
@@ -2497,15 +4963,17 @@
         </p:nvSpPr>
         <p:spPr>
           <a:xfrm>
-            <a:off x="839788" y="457200"/>
-            <a:ext cx="3932237" cy="1600200"/>
+            <a:off x="1153907" y="1854192"/>
+            <a:ext cx="5092906" cy="1574808"/>
           </a:xfrm>
         </p:spPr>
         <p:txBody>
-          <a:bodyPr anchor="b"/>
+          <a:bodyPr anchor="b">
+            <a:normAutofit/>
+          </a:bodyPr>
           <a:lstStyle>
-            <a:lvl1pPr>
-              <a:defRPr sz="3200"/>
+            <a:lvl1pPr algn="l">
+              <a:defRPr sz="3600" b="0"/>
             </a:lvl1pPr>
           </a:lstStyle>
           <a:p>
@@ -2513,20 +4981,15 @@
               <a:rPr lang="en-US"/>
               <a:t>Click to edit Master title style</a:t>
             </a:r>
-          </a:p>
-        </p:txBody>
-      </p:sp>
-      <p:sp>
-        <p:nvSpPr>
-          <p:cNvPr id="3" name="Picture Placeholder 2">
-            <a:extLst>
-              <a:ext uri="{FF2B5EF4-FFF2-40B4-BE49-F238E27FC236}">
-                <a16:creationId xmlns:a16="http://schemas.microsoft.com/office/drawing/2014/main" id="{DE2F0D0C-3CFA-9E01-23A6-8FE062DC4DB4}"/>
-              </a:ext>
-            </a:extLst>
-          </p:cNvPr>
-          <p:cNvSpPr>
-            <a:spLocks noGrp="1"/>
+            <a:endParaRPr lang="en-US" dirty="0"/>
+          </a:p>
+        </p:txBody>
+      </p:sp>
+      <p:sp>
+        <p:nvSpPr>
+          <p:cNvPr id="3" name="Picture Placeholder 2"/>
+          <p:cNvSpPr>
+            <a:spLocks noGrp="1" noChangeAspect="1"/>
           </p:cNvSpPr>
           <p:nvPr>
             <p:ph type="pic" idx="1"/>
@@ -2534,118 +4997,132 @@
         </p:nvSpPr>
         <p:spPr>
           <a:xfrm>
-            <a:off x="5183188" y="987425"/>
-            <a:ext cx="6172200" cy="4873625"/>
+            <a:off x="6949546" y="1143000"/>
+            <a:ext cx="3200400" cy="4572000"/>
           </a:xfrm>
+          <a:prstGeom prst="roundRect">
+            <a:avLst>
+              <a:gd name="adj" fmla="val 1858"/>
+            </a:avLst>
+          </a:prstGeom>
+          <a:effectLst>
+            <a:outerShdw blurRad="50800" dist="50800" dir="5400000" algn="tl" rotWithShape="0">
+              <a:srgbClr val="000000">
+                <a:alpha val="43000"/>
+              </a:srgbClr>
+            </a:outerShdw>
+          </a:effectLst>
         </p:spPr>
         <p:txBody>
-          <a:bodyPr/>
+          <a:bodyPr anchor="t">
+            <a:normAutofit/>
+          </a:bodyPr>
           <a:lstStyle>
-            <a:lvl1pPr marL="0" indent="0">
-              <a:buNone/>
-              <a:defRPr sz="3200"/>
-            </a:lvl1pPr>
-            <a:lvl2pPr marL="457200" indent="0">
-              <a:buNone/>
-              <a:defRPr sz="2800"/>
-            </a:lvl2pPr>
-            <a:lvl3pPr marL="914400" indent="0">
-              <a:buNone/>
-              <a:defRPr sz="2400"/>
-            </a:lvl3pPr>
-            <a:lvl4pPr marL="1371600" indent="0">
-              <a:buNone/>
-              <a:defRPr sz="2000"/>
-            </a:lvl4pPr>
-            <a:lvl5pPr marL="1828800" indent="0">
-              <a:buNone/>
-              <a:defRPr sz="2000"/>
-            </a:lvl5pPr>
-            <a:lvl6pPr marL="2286000" indent="0">
-              <a:buNone/>
-              <a:defRPr sz="2000"/>
-            </a:lvl6pPr>
-            <a:lvl7pPr marL="2743200" indent="0">
-              <a:buNone/>
-              <a:defRPr sz="2000"/>
-            </a:lvl7pPr>
-            <a:lvl8pPr marL="3200400" indent="0">
-              <a:buNone/>
-              <a:defRPr sz="2000"/>
-            </a:lvl8pPr>
-            <a:lvl9pPr marL="3657600" indent="0">
-              <a:buNone/>
-              <a:defRPr sz="2000"/>
-            </a:lvl9pPr>
-          </a:lstStyle>
-          <a:p>
-            <a:endParaRPr lang="en-US"/>
-          </a:p>
-        </p:txBody>
-      </p:sp>
-      <p:sp>
-        <p:nvSpPr>
-          <p:cNvPr id="4" name="Text Placeholder 3">
-            <a:extLst>
-              <a:ext uri="{FF2B5EF4-FFF2-40B4-BE49-F238E27FC236}">
-                <a16:creationId xmlns:a16="http://schemas.microsoft.com/office/drawing/2014/main" id="{2DD29AF4-4826-6FC9-6939-7CCEFBA82E25}"/>
-              </a:ext>
-            </a:extLst>
-          </p:cNvPr>
-          <p:cNvSpPr>
-            <a:spLocks noGrp="1"/>
-          </p:cNvSpPr>
-          <p:nvPr>
-            <p:ph type="body" sz="half" idx="2"/>
-          </p:nvPr>
-        </p:nvSpPr>
-        <p:spPr>
-          <a:xfrm>
-            <a:off x="839788" y="2057400"/>
-            <a:ext cx="3932237" cy="3811588"/>
-          </a:xfrm>
-        </p:spPr>
-        <p:txBody>
-          <a:bodyPr/>
-          <a:lstStyle>
-            <a:lvl1pPr marL="0" indent="0">
+            <a:lvl1pPr marL="0" indent="0" algn="ctr">
               <a:buNone/>
               <a:defRPr sz="1600"/>
             </a:lvl1pPr>
             <a:lvl2pPr marL="457200" indent="0">
               <a:buNone/>
-              <a:defRPr sz="1400"/>
+              <a:defRPr sz="1600"/>
             </a:lvl2pPr>
             <a:lvl3pPr marL="914400" indent="0">
               <a:buNone/>
-              <a:defRPr sz="1200"/>
+              <a:defRPr sz="1600"/>
             </a:lvl3pPr>
             <a:lvl4pPr marL="1371600" indent="0">
               <a:buNone/>
-              <a:defRPr sz="1000"/>
+              <a:defRPr sz="1600"/>
             </a:lvl4pPr>
             <a:lvl5pPr marL="1828800" indent="0">
               <a:buNone/>
-              <a:defRPr sz="1000"/>
+              <a:defRPr sz="1600"/>
             </a:lvl5pPr>
             <a:lvl6pPr marL="2286000" indent="0">
               <a:buNone/>
-              <a:defRPr sz="1000"/>
+              <a:defRPr sz="1600"/>
             </a:lvl6pPr>
             <a:lvl7pPr marL="2743200" indent="0">
               <a:buNone/>
-              <a:defRPr sz="1000"/>
+              <a:defRPr sz="1600"/>
             </a:lvl7pPr>
             <a:lvl8pPr marL="3200400" indent="0">
               <a:buNone/>
-              <a:defRPr sz="1000"/>
+              <a:defRPr sz="1600"/>
             </a:lvl8pPr>
             <a:lvl9pPr marL="3657600" indent="0">
               <a:buNone/>
-              <a:defRPr sz="1000"/>
+              <a:defRPr sz="1600"/>
             </a:lvl9pPr>
           </a:lstStyle>
           <a:p>
+            <a:r>
+              <a:rPr lang="en-US"/>
+              <a:t>Click icon to add picture</a:t>
+            </a:r>
+            <a:endParaRPr lang="en-US" dirty="0"/>
+          </a:p>
+        </p:txBody>
+      </p:sp>
+      <p:sp>
+        <p:nvSpPr>
+          <p:cNvPr id="4" name="Text Placeholder 3"/>
+          <p:cNvSpPr>
+            <a:spLocks noGrp="1"/>
+          </p:cNvSpPr>
+          <p:nvPr>
+            <p:ph type="body" sz="half" idx="2"/>
+          </p:nvPr>
+        </p:nvSpPr>
+        <p:spPr>
+          <a:xfrm>
+            <a:off x="1154954" y="3657600"/>
+            <a:ext cx="5084979" cy="1371600"/>
+          </a:xfrm>
+        </p:spPr>
+        <p:txBody>
+          <a:bodyPr>
+            <a:normAutofit/>
+          </a:bodyPr>
+          <a:lstStyle>
+            <a:lvl1pPr marL="0" indent="0">
+              <a:buNone/>
+              <a:defRPr sz="1400"/>
+            </a:lvl1pPr>
+            <a:lvl2pPr marL="457200" indent="0">
+              <a:buNone/>
+              <a:defRPr sz="1200"/>
+            </a:lvl2pPr>
+            <a:lvl3pPr marL="914400" indent="0">
+              <a:buNone/>
+              <a:defRPr sz="1000"/>
+            </a:lvl3pPr>
+            <a:lvl4pPr marL="1371600" indent="0">
+              <a:buNone/>
+              <a:defRPr sz="900"/>
+            </a:lvl4pPr>
+            <a:lvl5pPr marL="1828800" indent="0">
+              <a:buNone/>
+              <a:defRPr sz="900"/>
+            </a:lvl5pPr>
+            <a:lvl6pPr marL="2286000" indent="0">
+              <a:buNone/>
+              <a:defRPr sz="900"/>
+            </a:lvl6pPr>
+            <a:lvl7pPr marL="2743200" indent="0">
+              <a:buNone/>
+              <a:defRPr sz="900"/>
+            </a:lvl7pPr>
+            <a:lvl8pPr marL="3200400" indent="0">
+              <a:buNone/>
+              <a:defRPr sz="900"/>
+            </a:lvl8pPr>
+            <a:lvl9pPr marL="3657600" indent="0">
+              <a:buNone/>
+              <a:defRPr sz="900"/>
+            </a:lvl9pPr>
+          </a:lstStyle>
+          <a:p>
             <a:pPr lvl="0"/>
             <a:r>
               <a:rPr lang="en-US"/>
@@ -2656,13 +5133,7 @@
       </p:sp>
       <p:sp>
         <p:nvSpPr>
-          <p:cNvPr id="5" name="Date Placeholder 4">
-            <a:extLst>
-              <a:ext uri="{FF2B5EF4-FFF2-40B4-BE49-F238E27FC236}">
-                <a16:creationId xmlns:a16="http://schemas.microsoft.com/office/drawing/2014/main" id="{AC950D04-1D07-C40D-B493-FCD78151185A}"/>
-              </a:ext>
-            </a:extLst>
-          </p:cNvPr>
+          <p:cNvPr id="5" name="Date Placeholder 4"/>
           <p:cNvSpPr>
             <a:spLocks noGrp="1"/>
           </p:cNvSpPr>
@@ -2677,7 +5148,7 @@
           <a:p>
             <a:fld id="{30B9BDC6-9212-AA4A-B1DD-31ED212B226C}" type="datetimeFigureOut">
               <a:rPr lang="en-US" smtClean="0"/>
-              <a:t>12/9/23</a:t>
+              <a:t>12/10/2023</a:t>
             </a:fld>
             <a:endParaRPr lang="en-US"/>
           </a:p>
@@ -2685,13 +5156,7 @@
       </p:sp>
       <p:sp>
         <p:nvSpPr>
-          <p:cNvPr id="6" name="Footer Placeholder 5">
-            <a:extLst>
-              <a:ext uri="{FF2B5EF4-FFF2-40B4-BE49-F238E27FC236}">
-                <a16:creationId xmlns:a16="http://schemas.microsoft.com/office/drawing/2014/main" id="{475B3726-631A-680A-32CC-A62514A6B6C1}"/>
-              </a:ext>
-            </a:extLst>
-          </p:cNvPr>
+          <p:cNvPr id="6" name="Footer Placeholder 5"/>
           <p:cNvSpPr>
             <a:spLocks noGrp="1"/>
           </p:cNvSpPr>
@@ -2710,13 +5175,7 @@
       </p:sp>
       <p:sp>
         <p:nvSpPr>
-          <p:cNvPr id="7" name="Slide Number Placeholder 6">
-            <a:extLst>
-              <a:ext uri="{FF2B5EF4-FFF2-40B4-BE49-F238E27FC236}">
-                <a16:creationId xmlns:a16="http://schemas.microsoft.com/office/drawing/2014/main" id="{74EFAEC1-D87D-E043-F767-4F5FD154F4C5}"/>
-              </a:ext>
-            </a:extLst>
-          </p:cNvPr>
+          <p:cNvPr id="7" name="Slide Number Placeholder 6"/>
           <p:cNvSpPr>
             <a:spLocks noGrp="1"/>
           </p:cNvSpPr>
@@ -2740,7 +5199,7 @@
     </p:spTree>
     <p:extLst>
       <p:ext uri="{BB962C8B-B14F-4D97-AF65-F5344CB8AC3E}">
-        <p14:creationId xmlns:p14="http://schemas.microsoft.com/office/powerpoint/2010/main" val="1868070133"/>
+        <p14:creationId xmlns:p14="http://schemas.microsoft.com/office/powerpoint/2010/main" val="4280436015"/>
       </p:ext>
     </p:extLst>
   </p:cSld>
@@ -2754,8 +5213,8 @@
 <p:sldMaster xmlns:a="http://schemas.openxmlformats.org/drawingml/2006/main" xmlns:r="http://schemas.openxmlformats.org/officeDocument/2006/relationships" xmlns:p="http://schemas.openxmlformats.org/presentationml/2006/main">
   <p:cSld>
     <p:bg>
-      <p:bgRef idx="1001">
-        <a:schemeClr val="bg1"/>
+      <p:bgRef idx="1003">
+        <a:schemeClr val="bg2"/>
       </p:bgRef>
     </p:bg>
     <p:spTree>
@@ -2772,141 +5231,420 @@
           <a:chExt cx="0" cy="0"/>
         </a:xfrm>
       </p:grpSpPr>
-      <p:sp>
-        <p:nvSpPr>
-          <p:cNvPr id="2" name="Title Placeholder 1">
+      <p:pic>
+        <p:nvPicPr>
+          <p:cNvPr id="8" name="Picture 7"/>
+          <p:cNvPicPr>
+            <a:picLocks noChangeAspect="1"/>
+          </p:cNvPicPr>
+          <p:nvPr/>
+        </p:nvPicPr>
+        <p:blipFill rotWithShape="1">
+          <a:blip r:embed="rId19">
             <a:extLst>
-              <a:ext uri="{FF2B5EF4-FFF2-40B4-BE49-F238E27FC236}">
-                <a16:creationId xmlns:a16="http://schemas.microsoft.com/office/drawing/2014/main" id="{9C420828-0304-00E8-2ABC-2E9B4187DF97}"/>
+              <a:ext uri="{28A0092B-C50C-407E-A947-70E740481C1C}">
+                <a14:useLocalDpi xmlns:a14="http://schemas.microsoft.com/office/drawing/2010/main" val="0"/>
               </a:ext>
             </a:extLst>
-          </p:cNvPr>
-          <p:cNvSpPr>
-            <a:spLocks noGrp="1"/>
-          </p:cNvSpPr>
-          <p:nvPr>
-            <p:ph type="title"/>
-          </p:nvPr>
-        </p:nvSpPr>
+          </a:blip>
+          <a:srcRect l="3613"/>
+          <a:stretch/>
+        </p:blipFill>
         <p:spPr>
           <a:xfrm>
-            <a:off x="838200" y="365125"/>
-            <a:ext cx="10515600" cy="1325563"/>
+            <a:off x="0" y="2669685"/>
+            <a:ext cx="4037012" cy="4188315"/>
           </a:xfrm>
           <a:prstGeom prst="rect">
             <a:avLst/>
           </a:prstGeom>
         </p:spPr>
-        <p:txBody>
-          <a:bodyPr vert="horz" lIns="91440" tIns="45720" rIns="91440" bIns="45720" rtlCol="0" anchor="ctr">
-            <a:normAutofit/>
-          </a:bodyPr>
-          <a:lstStyle/>
-          <a:p>
-            <a:r>
-              <a:rPr lang="en-US"/>
-              <a:t>Click to edit Master title style</a:t>
-            </a:r>
-          </a:p>
-        </p:txBody>
-      </p:sp>
-      <p:sp>
-        <p:nvSpPr>
-          <p:cNvPr id="3" name="Text Placeholder 2">
+      </p:pic>
+      <p:pic>
+        <p:nvPicPr>
+          <p:cNvPr id="7" name="Picture 6"/>
+          <p:cNvPicPr>
+            <a:picLocks noChangeAspect="1"/>
+          </p:cNvPicPr>
+          <p:nvPr/>
+        </p:nvPicPr>
+        <p:blipFill rotWithShape="1">
+          <a:blip r:embed="rId20">
             <a:extLst>
-              <a:ext uri="{FF2B5EF4-FFF2-40B4-BE49-F238E27FC236}">
-                <a16:creationId xmlns:a16="http://schemas.microsoft.com/office/drawing/2014/main" id="{F194FFF2-65DF-F8C1-E429-606353CB0DF5}"/>
+              <a:ext uri="{28A0092B-C50C-407E-A947-70E740481C1C}">
+                <a14:useLocalDpi xmlns:a14="http://schemas.microsoft.com/office/drawing/2010/main" val="0"/>
               </a:ext>
             </a:extLst>
-          </p:cNvPr>
-          <p:cNvSpPr>
-            <a:spLocks noGrp="1"/>
-          </p:cNvSpPr>
-          <p:nvPr>
-            <p:ph type="body" idx="1"/>
-          </p:nvPr>
-        </p:nvSpPr>
+          </a:blip>
+          <a:srcRect l="35640"/>
+          <a:stretch/>
+        </p:blipFill>
         <p:spPr>
           <a:xfrm>
-            <a:off x="838200" y="1825625"/>
-            <a:ext cx="10515600" cy="4351338"/>
+            <a:off x="0" y="2892347"/>
+            <a:ext cx="1522412" cy="2365453"/>
           </a:xfrm>
           <a:prstGeom prst="rect">
             <a:avLst/>
           </a:prstGeom>
         </p:spPr>
-        <p:txBody>
-          <a:bodyPr vert="horz" lIns="91440" tIns="45720" rIns="91440" bIns="45720" rtlCol="0">
-            <a:normAutofit/>
-          </a:bodyPr>
-          <a:lstStyle/>
-          <a:p>
-            <a:pPr lvl="0"/>
-            <a:r>
-              <a:rPr lang="en-US"/>
-              <a:t>Click to edit Master text styles</a:t>
-            </a:r>
-          </a:p>
-          <a:p>
-            <a:pPr lvl="1"/>
-            <a:r>
-              <a:rPr lang="en-US"/>
-              <a:t>Second level</a:t>
-            </a:r>
-          </a:p>
-          <a:p>
-            <a:pPr lvl="2"/>
-            <a:r>
-              <a:rPr lang="en-US"/>
-              <a:t>Third level</a:t>
-            </a:r>
-          </a:p>
-          <a:p>
-            <a:pPr lvl="3"/>
-            <a:r>
-              <a:rPr lang="en-US"/>
-              <a:t>Fourth level</a:t>
-            </a:r>
-          </a:p>
-          <a:p>
-            <a:pPr lvl="4"/>
-            <a:r>
-              <a:rPr lang="en-US"/>
-              <a:t>Fifth level</a:t>
-            </a:r>
-          </a:p>
-        </p:txBody>
-      </p:sp>
-      <p:sp>
-        <p:nvSpPr>
-          <p:cNvPr id="4" name="Date Placeholder 3">
+      </p:pic>
+      <p:sp>
+        <p:nvSpPr>
+          <p:cNvPr id="16" name="Oval 15"/>
+          <p:cNvSpPr/>
+          <p:nvPr/>
+        </p:nvSpPr>
+        <p:spPr>
+          <a:xfrm>
+            <a:off x="8609012" y="1676400"/>
+            <a:ext cx="2819400" cy="2819400"/>
+          </a:xfrm>
+          <a:prstGeom prst="ellipse">
+            <a:avLst/>
+          </a:prstGeom>
+          <a:gradFill flip="none" rotWithShape="1">
+            <a:gsLst>
+              <a:gs pos="0">
+                <a:schemeClr val="bg2">
+                  <a:lumMod val="60000"/>
+                  <a:lumOff val="40000"/>
+                  <a:alpha val="7000"/>
+                </a:schemeClr>
+              </a:gs>
+              <a:gs pos="69000">
+                <a:schemeClr val="bg2">
+                  <a:lumMod val="60000"/>
+                  <a:lumOff val="40000"/>
+                  <a:alpha val="0"/>
+                </a:schemeClr>
+              </a:gs>
+              <a:gs pos="36000">
+                <a:schemeClr val="bg2">
+                  <a:lumMod val="60000"/>
+                  <a:lumOff val="40000"/>
+                  <a:alpha val="6000"/>
+                </a:schemeClr>
+              </a:gs>
+            </a:gsLst>
+            <a:path path="circle">
+              <a:fillToRect l="50000" t="50000" r="50000" b="50000"/>
+            </a:path>
+            <a:tileRect/>
+          </a:gradFill>
+          <a:ln>
+            <a:noFill/>
+          </a:ln>
+          <a:effectLst/>
+        </p:spPr>
+        <p:style>
+          <a:lnRef idx="1">
+            <a:schemeClr val="accent1"/>
+          </a:lnRef>
+          <a:fillRef idx="3">
+            <a:schemeClr val="accent1"/>
+          </a:fillRef>
+          <a:effectRef idx="2">
+            <a:schemeClr val="accent1"/>
+          </a:effectRef>
+          <a:fontRef idx="minor">
+            <a:schemeClr val="lt1"/>
+          </a:fontRef>
+        </p:style>
+      </p:sp>
+      <p:pic>
+        <p:nvPicPr>
+          <p:cNvPr id="9" name="Picture 8"/>
+          <p:cNvPicPr>
+            <a:picLocks noChangeAspect="1"/>
+          </p:cNvPicPr>
+          <p:nvPr/>
+        </p:nvPicPr>
+        <p:blipFill rotWithShape="1">
+          <a:blip r:embed="rId21">
             <a:extLst>
-              <a:ext uri="{FF2B5EF4-FFF2-40B4-BE49-F238E27FC236}">
-                <a16:creationId xmlns:a16="http://schemas.microsoft.com/office/drawing/2014/main" id="{E14CCA6A-4C22-E562-64D1-5F7C363C6C41}"/>
+              <a:ext uri="{28A0092B-C50C-407E-A947-70E740481C1C}">
+                <a14:useLocalDpi xmlns:a14="http://schemas.microsoft.com/office/drawing/2010/main" val="0"/>
               </a:ext>
             </a:extLst>
-          </p:cNvPr>
-          <p:cNvSpPr>
-            <a:spLocks noGrp="1"/>
-          </p:cNvSpPr>
-          <p:nvPr>
-            <p:ph type="dt" sz="half" idx="2"/>
-          </p:nvPr>
-        </p:nvSpPr>
+          </a:blip>
+          <a:srcRect t="28813"/>
+          <a:stretch/>
+        </p:blipFill>
         <p:spPr>
           <a:xfrm>
-            <a:off x="838200" y="6356350"/>
-            <a:ext cx="2743200" cy="365125"/>
+            <a:off x="7999412" y="0"/>
+            <a:ext cx="1603387" cy="1141407"/>
           </a:xfrm>
           <a:prstGeom prst="rect">
             <a:avLst/>
           </a:prstGeom>
         </p:spPr>
-        <p:txBody>
-          <a:bodyPr vert="horz" lIns="91440" tIns="45720" rIns="91440" bIns="45720" rtlCol="0" anchor="ctr"/>
+      </p:pic>
+      <p:pic>
+        <p:nvPicPr>
+          <p:cNvPr id="10" name="Picture 9"/>
+          <p:cNvPicPr>
+            <a:picLocks noChangeAspect="1"/>
+          </p:cNvPicPr>
+          <p:nvPr/>
+        </p:nvPicPr>
+        <p:blipFill rotWithShape="1">
+          <a:blip r:embed="rId22">
+            <a:extLst>
+              <a:ext uri="{28A0092B-C50C-407E-A947-70E740481C1C}">
+                <a14:useLocalDpi xmlns:a14="http://schemas.microsoft.com/office/drawing/2010/main" val="0"/>
+              </a:ext>
+            </a:extLst>
+          </a:blip>
+          <a:srcRect b="23320"/>
+          <a:stretch/>
+        </p:blipFill>
+        <p:spPr>
+          <a:xfrm>
+            <a:off x="8605878" y="6096000"/>
+            <a:ext cx="993734" cy="762000"/>
+          </a:xfrm>
+          <a:prstGeom prst="rect">
+            <a:avLst/>
+          </a:prstGeom>
+        </p:spPr>
+      </p:pic>
+      <p:sp>
+        <p:nvSpPr>
+          <p:cNvPr id="14" name="Rectangle 13"/>
+          <p:cNvSpPr/>
+          <p:nvPr/>
+        </p:nvSpPr>
+        <p:spPr>
+          <a:xfrm>
+            <a:off x="10437812" y="0"/>
+            <a:ext cx="685800" cy="1143000"/>
+          </a:xfrm>
+          <a:prstGeom prst="rect">
+            <a:avLst/>
+          </a:prstGeom>
+          <a:solidFill>
+            <a:schemeClr val="accent1"/>
+          </a:solidFill>
+          <a:ln>
+            <a:noFill/>
+          </a:ln>
+        </p:spPr>
+        <p:style>
+          <a:lnRef idx="1">
+            <a:schemeClr val="accent1"/>
+          </a:lnRef>
+          <a:fillRef idx="3">
+            <a:schemeClr val="accent1"/>
+          </a:fillRef>
+          <a:effectRef idx="2">
+            <a:schemeClr val="accent1"/>
+          </a:effectRef>
+          <a:fontRef idx="minor">
+            <a:schemeClr val="lt1"/>
+          </a:fontRef>
+        </p:style>
+      </p:sp>
+      <p:sp>
+        <p:nvSpPr>
+          <p:cNvPr id="2" name="Title Placeholder 1"/>
+          <p:cNvSpPr>
+            <a:spLocks noGrp="1"/>
+          </p:cNvSpPr>
+          <p:nvPr>
+            <p:ph type="title"/>
+          </p:nvPr>
+        </p:nvSpPr>
+        <p:spPr>
+          <a:xfrm>
+            <a:off x="646111" y="452718"/>
+            <a:ext cx="9404723" cy="1400530"/>
+          </a:xfrm>
+          <a:prstGeom prst="rect">
+            <a:avLst/>
+          </a:prstGeom>
+        </p:spPr>
+        <p:txBody>
+          <a:bodyPr vert="horz" lIns="91440" tIns="45720" rIns="91440" bIns="45720" rtlCol="0" anchor="t">
+            <a:noAutofit/>
+          </a:bodyPr>
+          <a:lstStyle/>
+          <a:p>
+            <a:r>
+              <a:rPr lang="en-US"/>
+              <a:t>Click to edit Master title style</a:t>
+            </a:r>
+            <a:endParaRPr lang="en-US" dirty="0"/>
+          </a:p>
+        </p:txBody>
+      </p:sp>
+      <p:sp>
+        <p:nvSpPr>
+          <p:cNvPr id="3" name="Text Placeholder 2"/>
+          <p:cNvSpPr>
+            <a:spLocks noGrp="1"/>
+          </p:cNvSpPr>
+          <p:nvPr>
+            <p:ph type="body" idx="1"/>
+          </p:nvPr>
+        </p:nvSpPr>
+        <p:spPr>
+          <a:xfrm>
+            <a:off x="1103312" y="2052918"/>
+            <a:ext cx="8946541" cy="4195481"/>
+          </a:xfrm>
+          <a:prstGeom prst="rect">
+            <a:avLst/>
+          </a:prstGeom>
+        </p:spPr>
+        <p:txBody>
+          <a:bodyPr vert="horz" lIns="91440" tIns="45720" rIns="91440" bIns="45720" rtlCol="0">
+            <a:normAutofit/>
+          </a:bodyPr>
+          <a:lstStyle/>
+          <a:p>
+            <a:pPr lvl="0"/>
+            <a:r>
+              <a:rPr lang="en-US"/>
+              <a:t>Click to edit Master text styles</a:t>
+            </a:r>
+          </a:p>
+          <a:p>
+            <a:pPr lvl="1"/>
+            <a:r>
+              <a:rPr lang="en-US"/>
+              <a:t>Second level</a:t>
+            </a:r>
+          </a:p>
+          <a:p>
+            <a:pPr lvl="2"/>
+            <a:r>
+              <a:rPr lang="en-US"/>
+              <a:t>Third level</a:t>
+            </a:r>
+          </a:p>
+          <a:p>
+            <a:pPr lvl="3"/>
+            <a:r>
+              <a:rPr lang="en-US"/>
+              <a:t>Fourth level</a:t>
+            </a:r>
+          </a:p>
+          <a:p>
+            <a:pPr lvl="4"/>
+            <a:r>
+              <a:rPr lang="en-US"/>
+              <a:t>Fifth level</a:t>
+            </a:r>
+            <a:endParaRPr lang="en-US" dirty="0"/>
+          </a:p>
+        </p:txBody>
+      </p:sp>
+      <p:sp>
+        <p:nvSpPr>
+          <p:cNvPr id="4" name="Date Placeholder 3"/>
+          <p:cNvSpPr>
+            <a:spLocks noGrp="1"/>
+          </p:cNvSpPr>
+          <p:nvPr>
+            <p:ph type="dt" sz="half" idx="2"/>
+          </p:nvPr>
+        </p:nvSpPr>
+        <p:spPr>
+          <a:xfrm rot="5400000">
+            <a:off x="10155639" y="1790701"/>
+            <a:ext cx="990599" cy="304799"/>
+          </a:xfrm>
+          <a:prstGeom prst="rect">
+            <a:avLst/>
+          </a:prstGeom>
+        </p:spPr>
+        <p:txBody>
+          <a:bodyPr vert="horz" lIns="91440" tIns="45720" rIns="91440" bIns="45720" rtlCol="0" anchor="t"/>
           <a:lstStyle>
             <a:lvl1pPr algn="l">
-              <a:defRPr sz="1200">
+              <a:defRPr sz="1100" b="0" i="0">
+                <a:solidFill>
+                  <a:schemeClr val="tx1">
+                    <a:tint val="75000"/>
+                    <a:alpha val="60000"/>
+                  </a:schemeClr>
+                </a:solidFill>
+              </a:defRPr>
+            </a:lvl1pPr>
+          </a:lstStyle>
+          <a:p>
+            <a:fld id="{30B9BDC6-9212-AA4A-B1DD-31ED212B226C}" type="datetimeFigureOut">
+              <a:rPr lang="en-US" smtClean="0"/>
+              <a:t>12/10/2023</a:t>
+            </a:fld>
+            <a:endParaRPr lang="en-US"/>
+          </a:p>
+        </p:txBody>
+      </p:sp>
+      <p:sp>
+        <p:nvSpPr>
+          <p:cNvPr id="5" name="Footer Placeholder 4"/>
+          <p:cNvSpPr>
+            <a:spLocks noGrp="1"/>
+          </p:cNvSpPr>
+          <p:nvPr>
+            <p:ph type="ftr" sz="quarter" idx="3"/>
+          </p:nvPr>
+        </p:nvSpPr>
+        <p:spPr>
+          <a:xfrm rot="5400000">
+            <a:off x="8951573" y="3225297"/>
+            <a:ext cx="3859795" cy="304801"/>
+          </a:xfrm>
+          <a:prstGeom prst="rect">
+            <a:avLst/>
+          </a:prstGeom>
+        </p:spPr>
+        <p:txBody>
+          <a:bodyPr vert="horz" lIns="91440" tIns="45720" rIns="91440" bIns="45720" rtlCol="0" anchor="b"/>
+          <a:lstStyle>
+            <a:lvl1pPr algn="l">
+              <a:defRPr sz="1100" b="0" i="0">
+                <a:solidFill>
+                  <a:schemeClr val="tx1">
+                    <a:tint val="75000"/>
+                    <a:alpha val="60000"/>
+                  </a:schemeClr>
+                </a:solidFill>
+              </a:defRPr>
+            </a:lvl1pPr>
+          </a:lstStyle>
+          <a:p>
+            <a:endParaRPr lang="en-US"/>
+          </a:p>
+        </p:txBody>
+      </p:sp>
+      <p:sp>
+        <p:nvSpPr>
+          <p:cNvPr id="6" name="Slide Number Placeholder 5"/>
+          <p:cNvSpPr>
+            <a:spLocks noGrp="1"/>
+          </p:cNvSpPr>
+          <p:nvPr>
+            <p:ph type="sldNum" sz="quarter" idx="4"/>
+          </p:nvPr>
+        </p:nvSpPr>
+        <p:spPr bwMode="gray">
+          <a:xfrm>
+            <a:off x="10352540" y="295729"/>
+            <a:ext cx="838199" cy="767687"/>
+          </a:xfrm>
+          <a:prstGeom prst="rect">
+            <a:avLst/>
+          </a:prstGeom>
+        </p:spPr>
+        <p:txBody>
+          <a:bodyPr vert="horz" lIns="91440" tIns="45720" rIns="91440" bIns="45720" rtlCol="0" anchor="b"/>
+          <a:lstStyle>
+            <a:lvl1pPr algn="ctr">
+              <a:defRPr sz="2800" b="0" i="0">
                 <a:solidFill>
                   <a:schemeClr val="tx1">
                     <a:tint val="75000"/>
@@ -2916,96 +5654,6 @@
             </a:lvl1pPr>
           </a:lstStyle>
           <a:p>
-            <a:fld id="{30B9BDC6-9212-AA4A-B1DD-31ED212B226C}" type="datetimeFigureOut">
-              <a:rPr lang="en-US" smtClean="0"/>
-              <a:t>12/9/23</a:t>
-            </a:fld>
-            <a:endParaRPr lang="en-US"/>
-          </a:p>
-        </p:txBody>
-      </p:sp>
-      <p:sp>
-        <p:nvSpPr>
-          <p:cNvPr id="5" name="Footer Placeholder 4">
-            <a:extLst>
-              <a:ext uri="{FF2B5EF4-FFF2-40B4-BE49-F238E27FC236}">
-                <a16:creationId xmlns:a16="http://schemas.microsoft.com/office/drawing/2014/main" id="{0E9D9EAF-6DCF-04BF-96C8-BEC7F8D5BA42}"/>
-              </a:ext>
-            </a:extLst>
-          </p:cNvPr>
-          <p:cNvSpPr>
-            <a:spLocks noGrp="1"/>
-          </p:cNvSpPr>
-          <p:nvPr>
-            <p:ph type="ftr" sz="quarter" idx="3"/>
-          </p:nvPr>
-        </p:nvSpPr>
-        <p:spPr>
-          <a:xfrm>
-            <a:off x="4038600" y="6356350"/>
-            <a:ext cx="4114800" cy="365125"/>
-          </a:xfrm>
-          <a:prstGeom prst="rect">
-            <a:avLst/>
-          </a:prstGeom>
-        </p:spPr>
-        <p:txBody>
-          <a:bodyPr vert="horz" lIns="91440" tIns="45720" rIns="91440" bIns="45720" rtlCol="0" anchor="ctr"/>
-          <a:lstStyle>
-            <a:lvl1pPr algn="ctr">
-              <a:defRPr sz="1200">
-                <a:solidFill>
-                  <a:schemeClr val="tx1">
-                    <a:tint val="75000"/>
-                  </a:schemeClr>
-                </a:solidFill>
-              </a:defRPr>
-            </a:lvl1pPr>
-          </a:lstStyle>
-          <a:p>
-            <a:endParaRPr lang="en-US"/>
-          </a:p>
-        </p:txBody>
-      </p:sp>
-      <p:sp>
-        <p:nvSpPr>
-          <p:cNvPr id="6" name="Slide Number Placeholder 5">
-            <a:extLst>
-              <a:ext uri="{FF2B5EF4-FFF2-40B4-BE49-F238E27FC236}">
-                <a16:creationId xmlns:a16="http://schemas.microsoft.com/office/drawing/2014/main" id="{2DBF7A38-752C-B208-22E8-9EAE4A953233}"/>
-              </a:ext>
-            </a:extLst>
-          </p:cNvPr>
-          <p:cNvSpPr>
-            <a:spLocks noGrp="1"/>
-          </p:cNvSpPr>
-          <p:nvPr>
-            <p:ph type="sldNum" sz="quarter" idx="4"/>
-          </p:nvPr>
-        </p:nvSpPr>
-        <p:spPr>
-          <a:xfrm>
-            <a:off x="8610600" y="6356350"/>
-            <a:ext cx="2743200" cy="365125"/>
-          </a:xfrm>
-          <a:prstGeom prst="rect">
-            <a:avLst/>
-          </a:prstGeom>
-        </p:spPr>
-        <p:txBody>
-          <a:bodyPr vert="horz" lIns="91440" tIns="45720" rIns="91440" bIns="45720" rtlCol="0" anchor="ctr"/>
-          <a:lstStyle>
-            <a:lvl1pPr algn="r">
-              <a:defRPr sz="1200">
-                <a:solidFill>
-                  <a:schemeClr val="tx1">
-                    <a:tint val="75000"/>
-                  </a:schemeClr>
-                </a:solidFill>
-              </a:defRPr>
-            </a:lvl1pPr>
-          </a:lstStyle>
-          <a:p>
             <a:fld id="{B463B704-AF0F-AC44-9D96-7697EBF7120A}" type="slidenum">
               <a:rPr lang="en-US" smtClean="0"/>
               <a:t>‹#›</a:t>
@@ -3017,35 +5665,121 @@
     </p:spTree>
     <p:extLst>
       <p:ext uri="{BB962C8B-B14F-4D97-AF65-F5344CB8AC3E}">
-        <p14:creationId xmlns:p14="http://schemas.microsoft.com/office/powerpoint/2010/main" val="216710648"/>
+        <p14:creationId xmlns:p14="http://schemas.microsoft.com/office/powerpoint/2010/main" val="3954561926"/>
       </p:ext>
     </p:extLst>
   </p:cSld>
-  <p:clrMap bg1="lt1" tx1="dk1" bg2="lt2" tx2="dk2" accent1="accent1" accent2="accent2" accent3="accent3" accent4="accent4" accent5="accent5" accent6="accent6" hlink="hlink" folHlink="folHlink"/>
+  <p:clrMap bg1="dk1" tx1="lt1" bg2="dk2" tx2="lt2" accent1="accent1" accent2="accent2" accent3="accent3" accent4="accent4" accent5="accent5" accent6="accent6" hlink="hlink" folHlink="folHlink"/>
   <p:sldLayoutIdLst>
-    <p:sldLayoutId id="2147483649" r:id="rId1"/>
-    <p:sldLayoutId id="2147483650" r:id="rId2"/>
-    <p:sldLayoutId id="2147483651" r:id="rId3"/>
-    <p:sldLayoutId id="2147483652" r:id="rId4"/>
-    <p:sldLayoutId id="2147483653" r:id="rId5"/>
-    <p:sldLayoutId id="2147483654" r:id="rId6"/>
-    <p:sldLayoutId id="2147483655" r:id="rId7"/>
-    <p:sldLayoutId id="2147483656" r:id="rId8"/>
-    <p:sldLayoutId id="2147483657" r:id="rId9"/>
-    <p:sldLayoutId id="2147483658" r:id="rId10"/>
-    <p:sldLayoutId id="2147483659" r:id="rId11"/>
+    <p:sldLayoutId id="2147483708" r:id="rId1"/>
+    <p:sldLayoutId id="2147483709" r:id="rId2"/>
+    <p:sldLayoutId id="2147483710" r:id="rId3"/>
+    <p:sldLayoutId id="2147483711" r:id="rId4"/>
+    <p:sldLayoutId id="2147483712" r:id="rId5"/>
+    <p:sldLayoutId id="2147483713" r:id="rId6"/>
+    <p:sldLayoutId id="2147483714" r:id="rId7"/>
+    <p:sldLayoutId id="2147483715" r:id="rId8"/>
+    <p:sldLayoutId id="2147483716" r:id="rId9"/>
+    <p:sldLayoutId id="2147483717" r:id="rId10"/>
+    <p:sldLayoutId id="2147483718" r:id="rId11"/>
+    <p:sldLayoutId id="2147483719" r:id="rId12"/>
+    <p:sldLayoutId id="2147483720" r:id="rId13"/>
+    <p:sldLayoutId id="2147483721" r:id="rId14"/>
+    <p:sldLayoutId id="2147483722" r:id="rId15"/>
+    <p:sldLayoutId id="2147483723" r:id="rId16"/>
+    <p:sldLayoutId id="2147483724" r:id="rId17"/>
   </p:sldLayoutIdLst>
   <p:txStyles>
     <p:titleStyle>
-      <a:lvl1pPr algn="l" defTabSz="914400" rtl="0" eaLnBrk="1" latinLnBrk="0" hangingPunct="1">
-        <a:lnSpc>
-          <a:spcPct val="90000"/>
-        </a:lnSpc>
+      <a:lvl1pPr algn="l" defTabSz="457200" rtl="0" eaLnBrk="1" latinLnBrk="0" hangingPunct="1">
         <a:spcBef>
           <a:spcPct val="0"/>
         </a:spcBef>
         <a:buNone/>
-        <a:defRPr sz="4400" kern="1200">
+        <a:defRPr sz="4200" b="0" i="0" kern="1200">
+          <a:solidFill>
+            <a:schemeClr val="tx2"/>
+          </a:solidFill>
+          <a:latin typeface="+mj-lt"/>
+          <a:ea typeface="+mj-ea"/>
+          <a:cs typeface="+mj-cs"/>
+        </a:defRPr>
+      </a:lvl1pPr>
+      <a:lvl2pPr eaLnBrk="1" hangingPunct="1">
+        <a:defRPr>
+          <a:solidFill>
+            <a:schemeClr val="tx2"/>
+          </a:solidFill>
+        </a:defRPr>
+      </a:lvl2pPr>
+      <a:lvl3pPr eaLnBrk="1" hangingPunct="1">
+        <a:defRPr>
+          <a:solidFill>
+            <a:schemeClr val="tx2"/>
+          </a:solidFill>
+        </a:defRPr>
+      </a:lvl3pPr>
+      <a:lvl4pPr eaLnBrk="1" hangingPunct="1">
+        <a:defRPr>
+          <a:solidFill>
+            <a:schemeClr val="tx2"/>
+          </a:solidFill>
+        </a:defRPr>
+      </a:lvl4pPr>
+      <a:lvl5pPr eaLnBrk="1" hangingPunct="1">
+        <a:defRPr>
+          <a:solidFill>
+            <a:schemeClr val="tx2"/>
+          </a:solidFill>
+        </a:defRPr>
+      </a:lvl5pPr>
+      <a:lvl6pPr eaLnBrk="1" hangingPunct="1">
+        <a:defRPr>
+          <a:solidFill>
+            <a:schemeClr val="tx2"/>
+          </a:solidFill>
+        </a:defRPr>
+      </a:lvl6pPr>
+      <a:lvl7pPr eaLnBrk="1" hangingPunct="1">
+        <a:defRPr>
+          <a:solidFill>
+            <a:schemeClr val="tx2"/>
+          </a:solidFill>
+        </a:defRPr>
+      </a:lvl7pPr>
+      <a:lvl8pPr eaLnBrk="1" hangingPunct="1">
+        <a:defRPr>
+          <a:solidFill>
+            <a:schemeClr val="tx2"/>
+          </a:solidFill>
+        </a:defRPr>
+      </a:lvl8pPr>
+      <a:lvl9pPr eaLnBrk="1" hangingPunct="1">
+        <a:defRPr>
+          <a:solidFill>
+            <a:schemeClr val="tx2"/>
+          </a:solidFill>
+        </a:defRPr>
+      </a:lvl9pPr>
+    </p:titleStyle>
+    <p:bodyStyle>
+      <a:lvl1pPr marL="342900" indent="-342900" algn="l" defTabSz="457200" rtl="0" eaLnBrk="1" latinLnBrk="0" hangingPunct="1">
+        <a:spcBef>
+          <a:spcPts val="1000"/>
+        </a:spcBef>
+        <a:spcAft>
+          <a:spcPts val="0"/>
+        </a:spcAft>
+        <a:buClr>
+          <a:schemeClr val="bg2">
+            <a:lumMod val="40000"/>
+            <a:lumOff val="60000"/>
+          </a:schemeClr>
+        </a:buClr>
+        <a:buSzPct val="80000"/>
+        <a:buFont typeface="Wingdings 3" charset="2"/>
+        <a:buChar char=""/>
+        <a:defRPr sz="2000" b="0" i="0" kern="1200">
           <a:solidFill>
             <a:schemeClr val="tx1"/>
           </a:solidFill>
@@ -3054,18 +5788,213 @@
           <a:cs typeface="+mj-cs"/>
         </a:defRPr>
       </a:lvl1pPr>
-    </p:titleStyle>
-    <p:bodyStyle>
-      <a:lvl1pPr marL="228600" indent="-228600" algn="l" defTabSz="914400" rtl="0" eaLnBrk="1" latinLnBrk="0" hangingPunct="1">
-        <a:lnSpc>
-          <a:spcPct val="90000"/>
-        </a:lnSpc>
+      <a:lvl2pPr marL="742950" indent="-285750" algn="l" defTabSz="457200" rtl="0" eaLnBrk="1" latinLnBrk="0" hangingPunct="1">
         <a:spcBef>
           <a:spcPts val="1000"/>
         </a:spcBef>
-        <a:buFont typeface="Arial" panose="020B0604020202020204" pitchFamily="34" charset="0"/>
-        <a:buChar char="•"/>
-        <a:defRPr sz="2800" kern="1200">
+        <a:spcAft>
+          <a:spcPts val="0"/>
+        </a:spcAft>
+        <a:buClr>
+          <a:schemeClr val="bg2">
+            <a:lumMod val="40000"/>
+            <a:lumOff val="60000"/>
+          </a:schemeClr>
+        </a:buClr>
+        <a:buSzPct val="80000"/>
+        <a:buFont typeface="Wingdings 3" charset="2"/>
+        <a:buChar char=""/>
+        <a:defRPr sz="1800" b="0" i="0" kern="1200">
+          <a:solidFill>
+            <a:schemeClr val="tx1"/>
+          </a:solidFill>
+          <a:latin typeface="+mj-lt"/>
+          <a:ea typeface="+mj-ea"/>
+          <a:cs typeface="+mj-cs"/>
+        </a:defRPr>
+      </a:lvl2pPr>
+      <a:lvl3pPr marL="1143000" indent="-228600" algn="l" defTabSz="457200" rtl="0" eaLnBrk="1" latinLnBrk="0" hangingPunct="1">
+        <a:spcBef>
+          <a:spcPts val="1000"/>
+        </a:spcBef>
+        <a:spcAft>
+          <a:spcPts val="0"/>
+        </a:spcAft>
+        <a:buClr>
+          <a:schemeClr val="bg2">
+            <a:lumMod val="40000"/>
+            <a:lumOff val="60000"/>
+          </a:schemeClr>
+        </a:buClr>
+        <a:buSzPct val="80000"/>
+        <a:buFont typeface="Wingdings 3" charset="2"/>
+        <a:buChar char=""/>
+        <a:defRPr sz="1600" b="0" i="0" kern="1200">
+          <a:solidFill>
+            <a:schemeClr val="tx1"/>
+          </a:solidFill>
+          <a:latin typeface="+mj-lt"/>
+          <a:ea typeface="+mj-ea"/>
+          <a:cs typeface="+mj-cs"/>
+        </a:defRPr>
+      </a:lvl3pPr>
+      <a:lvl4pPr marL="1600200" indent="-228600" algn="l" defTabSz="457200" rtl="0" eaLnBrk="1" latinLnBrk="0" hangingPunct="1">
+        <a:spcBef>
+          <a:spcPts val="1000"/>
+        </a:spcBef>
+        <a:spcAft>
+          <a:spcPts val="0"/>
+        </a:spcAft>
+        <a:buClr>
+          <a:schemeClr val="bg2">
+            <a:lumMod val="40000"/>
+            <a:lumOff val="60000"/>
+          </a:schemeClr>
+        </a:buClr>
+        <a:buSzPct val="80000"/>
+        <a:buFont typeface="Wingdings 3" charset="2"/>
+        <a:buChar char=""/>
+        <a:defRPr sz="1400" b="0" i="0" kern="1200">
+          <a:solidFill>
+            <a:schemeClr val="tx1"/>
+          </a:solidFill>
+          <a:latin typeface="+mj-lt"/>
+          <a:ea typeface="+mj-ea"/>
+          <a:cs typeface="+mj-cs"/>
+        </a:defRPr>
+      </a:lvl4pPr>
+      <a:lvl5pPr marL="2057400" indent="-228600" algn="l" defTabSz="457200" rtl="0" eaLnBrk="1" latinLnBrk="0" hangingPunct="1">
+        <a:spcBef>
+          <a:spcPts val="1000"/>
+        </a:spcBef>
+        <a:spcAft>
+          <a:spcPts val="0"/>
+        </a:spcAft>
+        <a:buClr>
+          <a:schemeClr val="bg2">
+            <a:lumMod val="40000"/>
+            <a:lumOff val="60000"/>
+          </a:schemeClr>
+        </a:buClr>
+        <a:buSzPct val="80000"/>
+        <a:buFont typeface="Wingdings 3" charset="2"/>
+        <a:buChar char=""/>
+        <a:defRPr sz="1400" b="0" i="0" kern="1200">
+          <a:solidFill>
+            <a:schemeClr val="tx1"/>
+          </a:solidFill>
+          <a:latin typeface="+mj-lt"/>
+          <a:ea typeface="+mj-ea"/>
+          <a:cs typeface="+mj-cs"/>
+        </a:defRPr>
+      </a:lvl5pPr>
+      <a:lvl6pPr marL="2506000" indent="-228600" algn="l" defTabSz="457200" rtl="0" eaLnBrk="1" latinLnBrk="0" hangingPunct="1">
+        <a:spcBef>
+          <a:spcPts val="1000"/>
+        </a:spcBef>
+        <a:spcAft>
+          <a:spcPts val="0"/>
+        </a:spcAft>
+        <a:buClr>
+          <a:schemeClr val="bg2">
+            <a:lumMod val="40000"/>
+            <a:lumOff val="60000"/>
+          </a:schemeClr>
+        </a:buClr>
+        <a:buSzPct val="80000"/>
+        <a:buFont typeface="Wingdings 3" charset="2"/>
+        <a:buChar char=""/>
+        <a:defRPr sz="1400" b="0" i="0" kern="1200">
+          <a:solidFill>
+            <a:schemeClr val="tx1"/>
+          </a:solidFill>
+          <a:latin typeface="+mj-lt"/>
+          <a:ea typeface="+mj-ea"/>
+          <a:cs typeface="+mj-cs"/>
+        </a:defRPr>
+      </a:lvl6pPr>
+      <a:lvl7pPr marL="2971800" indent="-228600" algn="l" defTabSz="457200" rtl="0" eaLnBrk="1" latinLnBrk="0" hangingPunct="1">
+        <a:spcBef>
+          <a:spcPts val="1000"/>
+        </a:spcBef>
+        <a:spcAft>
+          <a:spcPts val="0"/>
+        </a:spcAft>
+        <a:buClr>
+          <a:schemeClr val="bg2">
+            <a:lumMod val="40000"/>
+            <a:lumOff val="60000"/>
+          </a:schemeClr>
+        </a:buClr>
+        <a:buSzPct val="80000"/>
+        <a:buFont typeface="Wingdings 3" charset="2"/>
+        <a:buChar char=""/>
+        <a:defRPr sz="1400" b="0" i="0" kern="1200">
+          <a:solidFill>
+            <a:schemeClr val="tx1"/>
+          </a:solidFill>
+          <a:latin typeface="+mj-lt"/>
+          <a:ea typeface="+mj-ea"/>
+          <a:cs typeface="+mj-cs"/>
+        </a:defRPr>
+      </a:lvl7pPr>
+      <a:lvl8pPr marL="3429000" indent="-228600" algn="l" defTabSz="457200" rtl="0" eaLnBrk="1" latinLnBrk="0" hangingPunct="1">
+        <a:spcBef>
+          <a:spcPts val="1000"/>
+        </a:spcBef>
+        <a:spcAft>
+          <a:spcPts val="0"/>
+        </a:spcAft>
+        <a:buClr>
+          <a:schemeClr val="bg2">
+            <a:lumMod val="40000"/>
+            <a:lumOff val="60000"/>
+          </a:schemeClr>
+        </a:buClr>
+        <a:buSzPct val="80000"/>
+        <a:buFont typeface="Wingdings 3" charset="2"/>
+        <a:buChar char=""/>
+        <a:defRPr sz="1400" b="0" i="0" kern="1200">
+          <a:solidFill>
+            <a:schemeClr val="tx1"/>
+          </a:solidFill>
+          <a:latin typeface="+mj-lt"/>
+          <a:ea typeface="+mj-ea"/>
+          <a:cs typeface="+mj-cs"/>
+        </a:defRPr>
+      </a:lvl8pPr>
+      <a:lvl9pPr marL="3886200" indent="-228600" algn="l" defTabSz="457200" rtl="0" eaLnBrk="1" latinLnBrk="0" hangingPunct="1">
+        <a:spcBef>
+          <a:spcPts val="1000"/>
+        </a:spcBef>
+        <a:spcAft>
+          <a:spcPts val="0"/>
+        </a:spcAft>
+        <a:buClr>
+          <a:schemeClr val="bg2">
+            <a:lumMod val="40000"/>
+            <a:lumOff val="60000"/>
+          </a:schemeClr>
+        </a:buClr>
+        <a:buSzPct val="80000"/>
+        <a:buFont typeface="Wingdings 3" charset="2"/>
+        <a:buChar char=""/>
+        <a:defRPr sz="1400" b="0" i="0" kern="1200">
+          <a:solidFill>
+            <a:schemeClr val="tx1"/>
+          </a:solidFill>
+          <a:latin typeface="+mj-lt"/>
+          <a:ea typeface="+mj-ea"/>
+          <a:cs typeface="+mj-cs"/>
+        </a:defRPr>
+      </a:lvl9pPr>
+    </p:bodyStyle>
+    <p:otherStyle>
+      <a:defPPr>
+        <a:defRPr lang="en-US"/>
+      </a:defPPr>
+      <a:lvl1pPr marL="0" algn="l" defTabSz="457200" rtl="0" eaLnBrk="1" latinLnBrk="0" hangingPunct="1">
+        <a:defRPr sz="1800" kern="1200">
           <a:solidFill>
             <a:schemeClr val="tx1"/>
           </a:solidFill>
@@ -3074,16 +6003,8 @@
           <a:cs typeface="+mn-cs"/>
         </a:defRPr>
       </a:lvl1pPr>
-      <a:lvl2pPr marL="685800" indent="-228600" algn="l" defTabSz="914400" rtl="0" eaLnBrk="1" latinLnBrk="0" hangingPunct="1">
-        <a:lnSpc>
-          <a:spcPct val="90000"/>
-        </a:lnSpc>
-        <a:spcBef>
-          <a:spcPts val="500"/>
-        </a:spcBef>
-        <a:buFont typeface="Arial" panose="020B0604020202020204" pitchFamily="34" charset="0"/>
-        <a:buChar char="•"/>
-        <a:defRPr sz="2400" kern="1200">
+      <a:lvl2pPr marL="457200" algn="l" defTabSz="457200" rtl="0" eaLnBrk="1" latinLnBrk="0" hangingPunct="1">
+        <a:defRPr sz="1800" kern="1200">
           <a:solidFill>
             <a:schemeClr val="tx1"/>
           </a:solidFill>
@@ -3092,16 +6013,8 @@
           <a:cs typeface="+mn-cs"/>
         </a:defRPr>
       </a:lvl2pPr>
-      <a:lvl3pPr marL="1143000" indent="-228600" algn="l" defTabSz="914400" rtl="0" eaLnBrk="1" latinLnBrk="0" hangingPunct="1">
-        <a:lnSpc>
-          <a:spcPct val="90000"/>
-        </a:lnSpc>
-        <a:spcBef>
-          <a:spcPts val="500"/>
-        </a:spcBef>
-        <a:buFont typeface="Arial" panose="020B0604020202020204" pitchFamily="34" charset="0"/>
-        <a:buChar char="•"/>
-        <a:defRPr sz="2000" kern="1200">
+      <a:lvl3pPr marL="914400" algn="l" defTabSz="457200" rtl="0" eaLnBrk="1" latinLnBrk="0" hangingPunct="1">
+        <a:defRPr sz="1800" kern="1200">
           <a:solidFill>
             <a:schemeClr val="tx1"/>
           </a:solidFill>
@@ -3110,15 +6023,7 @@
           <a:cs typeface="+mn-cs"/>
         </a:defRPr>
       </a:lvl3pPr>
-      <a:lvl4pPr marL="1600200" indent="-228600" algn="l" defTabSz="914400" rtl="0" eaLnBrk="1" latinLnBrk="0" hangingPunct="1">
-        <a:lnSpc>
-          <a:spcPct val="90000"/>
-        </a:lnSpc>
-        <a:spcBef>
-          <a:spcPts val="500"/>
-        </a:spcBef>
-        <a:buFont typeface="Arial" panose="020B0604020202020204" pitchFamily="34" charset="0"/>
-        <a:buChar char="•"/>
+      <a:lvl4pPr marL="1371600" algn="l" defTabSz="457200" rtl="0" eaLnBrk="1" latinLnBrk="0" hangingPunct="1">
         <a:defRPr sz="1800" kern="1200">
           <a:solidFill>
             <a:schemeClr val="tx1"/>
@@ -3128,15 +6033,7 @@
           <a:cs typeface="+mn-cs"/>
         </a:defRPr>
       </a:lvl4pPr>
-      <a:lvl5pPr marL="2057400" indent="-228600" algn="l" defTabSz="914400" rtl="0" eaLnBrk="1" latinLnBrk="0" hangingPunct="1">
-        <a:lnSpc>
-          <a:spcPct val="90000"/>
-        </a:lnSpc>
-        <a:spcBef>
-          <a:spcPts val="500"/>
-        </a:spcBef>
-        <a:buFont typeface="Arial" panose="020B0604020202020204" pitchFamily="34" charset="0"/>
-        <a:buChar char="•"/>
+      <a:lvl5pPr marL="1828800" algn="l" defTabSz="457200" rtl="0" eaLnBrk="1" latinLnBrk="0" hangingPunct="1">
         <a:defRPr sz="1800" kern="1200">
           <a:solidFill>
             <a:schemeClr val="tx1"/>
@@ -3146,15 +6043,7 @@
           <a:cs typeface="+mn-cs"/>
         </a:defRPr>
       </a:lvl5pPr>
-      <a:lvl6pPr marL="2514600" indent="-228600" algn="l" defTabSz="914400" rtl="0" eaLnBrk="1" latinLnBrk="0" hangingPunct="1">
-        <a:lnSpc>
-          <a:spcPct val="90000"/>
-        </a:lnSpc>
-        <a:spcBef>
-          <a:spcPts val="500"/>
-        </a:spcBef>
-        <a:buFont typeface="Arial" panose="020B0604020202020204" pitchFamily="34" charset="0"/>
-        <a:buChar char="•"/>
+      <a:lvl6pPr marL="2286000" algn="l" defTabSz="457200" rtl="0" eaLnBrk="1" latinLnBrk="0" hangingPunct="1">
         <a:defRPr sz="1800" kern="1200">
           <a:solidFill>
             <a:schemeClr val="tx1"/>
@@ -3164,15 +6053,7 @@
           <a:cs typeface="+mn-cs"/>
         </a:defRPr>
       </a:lvl6pPr>
-      <a:lvl7pPr marL="2971800" indent="-228600" algn="l" defTabSz="914400" rtl="0" eaLnBrk="1" latinLnBrk="0" hangingPunct="1">
-        <a:lnSpc>
-          <a:spcPct val="90000"/>
-        </a:lnSpc>
-        <a:spcBef>
-          <a:spcPts val="500"/>
-        </a:spcBef>
-        <a:buFont typeface="Arial" panose="020B0604020202020204" pitchFamily="34" charset="0"/>
-        <a:buChar char="•"/>
+      <a:lvl7pPr marL="2743200" algn="l" defTabSz="457200" rtl="0" eaLnBrk="1" latinLnBrk="0" hangingPunct="1">
         <a:defRPr sz="1800" kern="1200">
           <a:solidFill>
             <a:schemeClr val="tx1"/>
@@ -3182,15 +6063,7 @@
           <a:cs typeface="+mn-cs"/>
         </a:defRPr>
       </a:lvl7pPr>
-      <a:lvl8pPr marL="3429000" indent="-228600" algn="l" defTabSz="914400" rtl="0" eaLnBrk="1" latinLnBrk="0" hangingPunct="1">
-        <a:lnSpc>
-          <a:spcPct val="90000"/>
-        </a:lnSpc>
-        <a:spcBef>
-          <a:spcPts val="500"/>
-        </a:spcBef>
-        <a:buFont typeface="Arial" panose="020B0604020202020204" pitchFamily="34" charset="0"/>
-        <a:buChar char="•"/>
+      <a:lvl8pPr marL="3200400" algn="l" defTabSz="457200" rtl="0" eaLnBrk="1" latinLnBrk="0" hangingPunct="1">
         <a:defRPr sz="1800" kern="1200">
           <a:solidFill>
             <a:schemeClr val="tx1"/>
@@ -3200,110 +6073,7 @@
           <a:cs typeface="+mn-cs"/>
         </a:defRPr>
       </a:lvl8pPr>
-      <a:lvl9pPr marL="3886200" indent="-228600" algn="l" defTabSz="914400" rtl="0" eaLnBrk="1" latinLnBrk="0" hangingPunct="1">
-        <a:lnSpc>
-          <a:spcPct val="90000"/>
-        </a:lnSpc>
-        <a:spcBef>
-          <a:spcPts val="500"/>
-        </a:spcBef>
-        <a:buFont typeface="Arial" panose="020B0604020202020204" pitchFamily="34" charset="0"/>
-        <a:buChar char="•"/>
-        <a:defRPr sz="1800" kern="1200">
-          <a:solidFill>
-            <a:schemeClr val="tx1"/>
-          </a:solidFill>
-          <a:latin typeface="+mn-lt"/>
-          <a:ea typeface="+mn-ea"/>
-          <a:cs typeface="+mn-cs"/>
-        </a:defRPr>
-      </a:lvl9pPr>
-    </p:bodyStyle>
-    <p:otherStyle>
-      <a:defPPr>
-        <a:defRPr lang="en-US"/>
-      </a:defPPr>
-      <a:lvl1pPr marL="0" algn="l" defTabSz="914400" rtl="0" eaLnBrk="1" latinLnBrk="0" hangingPunct="1">
-        <a:defRPr sz="1800" kern="1200">
-          <a:solidFill>
-            <a:schemeClr val="tx1"/>
-          </a:solidFill>
-          <a:latin typeface="+mn-lt"/>
-          <a:ea typeface="+mn-ea"/>
-          <a:cs typeface="+mn-cs"/>
-        </a:defRPr>
-      </a:lvl1pPr>
-      <a:lvl2pPr marL="457200" algn="l" defTabSz="914400" rtl="0" eaLnBrk="1" latinLnBrk="0" hangingPunct="1">
-        <a:defRPr sz="1800" kern="1200">
-          <a:solidFill>
-            <a:schemeClr val="tx1"/>
-          </a:solidFill>
-          <a:latin typeface="+mn-lt"/>
-          <a:ea typeface="+mn-ea"/>
-          <a:cs typeface="+mn-cs"/>
-        </a:defRPr>
-      </a:lvl2pPr>
-      <a:lvl3pPr marL="914400" algn="l" defTabSz="914400" rtl="0" eaLnBrk="1" latinLnBrk="0" hangingPunct="1">
-        <a:defRPr sz="1800" kern="1200">
-          <a:solidFill>
-            <a:schemeClr val="tx1"/>
-          </a:solidFill>
-          <a:latin typeface="+mn-lt"/>
-          <a:ea typeface="+mn-ea"/>
-          <a:cs typeface="+mn-cs"/>
-        </a:defRPr>
-      </a:lvl3pPr>
-      <a:lvl4pPr marL="1371600" algn="l" defTabSz="914400" rtl="0" eaLnBrk="1" latinLnBrk="0" hangingPunct="1">
-        <a:defRPr sz="1800" kern="1200">
-          <a:solidFill>
-            <a:schemeClr val="tx1"/>
-          </a:solidFill>
-          <a:latin typeface="+mn-lt"/>
-          <a:ea typeface="+mn-ea"/>
-          <a:cs typeface="+mn-cs"/>
-        </a:defRPr>
-      </a:lvl4pPr>
-      <a:lvl5pPr marL="1828800" algn="l" defTabSz="914400" rtl="0" eaLnBrk="1" latinLnBrk="0" hangingPunct="1">
-        <a:defRPr sz="1800" kern="1200">
-          <a:solidFill>
-            <a:schemeClr val="tx1"/>
-          </a:solidFill>
-          <a:latin typeface="+mn-lt"/>
-          <a:ea typeface="+mn-ea"/>
-          <a:cs typeface="+mn-cs"/>
-        </a:defRPr>
-      </a:lvl5pPr>
-      <a:lvl6pPr marL="2286000" algn="l" defTabSz="914400" rtl="0" eaLnBrk="1" latinLnBrk="0" hangingPunct="1">
-        <a:defRPr sz="1800" kern="1200">
-          <a:solidFill>
-            <a:schemeClr val="tx1"/>
-          </a:solidFill>
-          <a:latin typeface="+mn-lt"/>
-          <a:ea typeface="+mn-ea"/>
-          <a:cs typeface="+mn-cs"/>
-        </a:defRPr>
-      </a:lvl6pPr>
-      <a:lvl7pPr marL="2743200" algn="l" defTabSz="914400" rtl="0" eaLnBrk="1" latinLnBrk="0" hangingPunct="1">
-        <a:defRPr sz="1800" kern="1200">
-          <a:solidFill>
-            <a:schemeClr val="tx1"/>
-          </a:solidFill>
-          <a:latin typeface="+mn-lt"/>
-          <a:ea typeface="+mn-ea"/>
-          <a:cs typeface="+mn-cs"/>
-        </a:defRPr>
-      </a:lvl7pPr>
-      <a:lvl8pPr marL="3200400" algn="l" defTabSz="914400" rtl="0" eaLnBrk="1" latinLnBrk="0" hangingPunct="1">
-        <a:defRPr sz="1800" kern="1200">
-          <a:solidFill>
-            <a:schemeClr val="tx1"/>
-          </a:solidFill>
-          <a:latin typeface="+mn-lt"/>
-          <a:ea typeface="+mn-ea"/>
-          <a:cs typeface="+mn-cs"/>
-        </a:defRPr>
-      </a:lvl8pPr>
-      <a:lvl9pPr marL="3657600" algn="l" defTabSz="914400" rtl="0" eaLnBrk="1" latinLnBrk="0" hangingPunct="1">
+      <a:lvl9pPr marL="3657600" algn="l" defTabSz="457200" rtl="0" eaLnBrk="1" latinLnBrk="0" hangingPunct="1">
         <a:defRPr sz="1800" kern="1200">
           <a:solidFill>
             <a:schemeClr val="tx1"/>
@@ -3351,11 +6121,17 @@
             <p:ph type="ctrTitle"/>
           </p:nvPr>
         </p:nvSpPr>
-        <p:spPr/>
+        <p:spPr>
+          <a:xfrm>
+            <a:off x="1683171" y="1219200"/>
+            <a:ext cx="8825658" cy="3329581"/>
+          </a:xfrm>
+        </p:spPr>
         <p:txBody>
           <a:bodyPr/>
           <a:lstStyle/>
           <a:p>
+            <a:pPr algn="ctr"/>
             <a:r>
               <a:rPr lang="en-US" dirty="0"/>
               <a:t>Climate Analysis of Milan, Italy</a:t>
@@ -3379,17 +6155,26 @@
             <p:ph type="subTitle" idx="1"/>
           </p:nvPr>
         </p:nvSpPr>
-        <p:spPr/>
-        <p:txBody>
-          <a:bodyPr/>
+        <p:spPr>
+          <a:xfrm>
+            <a:off x="1683171" y="4712065"/>
+            <a:ext cx="8825658" cy="861420"/>
+          </a:xfrm>
+        </p:spPr>
+        <p:txBody>
+          <a:bodyPr>
+            <a:normAutofit fontScale="92500" lnSpcReduction="20000"/>
+          </a:bodyPr>
           <a:lstStyle/>
           <a:p>
+            <a:pPr algn="ctr"/>
             <a:r>
               <a:rPr lang="en-US" sz="3200" dirty="0"/>
               <a:t>DS202 Final Project</a:t>
             </a:r>
           </a:p>
           <a:p>
+            <a:pPr algn="ctr"/>
             <a:r>
               <a:rPr lang="en-US" dirty="0"/>
               <a:t>Coleman Dimmer, Corbin Graham</a:t>
@@ -3888,33 +6673,45 @@
           <a:p>
             <a:pPr lvl="1"/>
             <a:r>
+              <a:rPr lang="en-US" dirty="0">
+                <a:hlinkClick r:id="rId2"/>
+              </a:rPr>
+              <a:t>https://www.erih.net/how-it-started/industrial-history-of-european-countries/italy#:~:text=The%20Industrial%20Revolution%20swept%20the,plant%20near%20Naples%20in%201908</a:t>
+            </a:r>
+            <a:r>
               <a:rPr lang="en-US" dirty="0"/>
-              <a:t>https://</a:t>
-            </a:r>
-            <a:r>
-              <a:rPr lang="en-US" dirty="0" err="1"/>
-              <a:t>www.erih.net</a:t>
-            </a:r>
+              <a:t>.</a:t>
+            </a:r>
+          </a:p>
+          <a:p>
             <a:r>
               <a:rPr lang="en-US" dirty="0"/>
-              <a:t>/how-it-started/industrial-history-of-</a:t>
-            </a:r>
-            <a:r>
-              <a:rPr lang="en-US" dirty="0" err="1"/>
-              <a:t>european</a:t>
-            </a:r>
+              <a:t>Economic Success:</a:t>
+            </a:r>
+          </a:p>
+          <a:p>
+            <a:pPr lvl="1"/>
             <a:r>
               <a:rPr lang="en-US" dirty="0"/>
-              <a:t>-countries/</a:t>
-            </a:r>
-            <a:r>
-              <a:rPr lang="en-US" dirty="0" err="1"/>
-              <a:t>italy</a:t>
-            </a:r>
+              <a:t>After WWII in the 1950s to 1970s</a:t>
+            </a:r>
+          </a:p>
+          <a:p>
+            <a:pPr lvl="1"/>
             <a:r>
               <a:rPr lang="en-US" dirty="0"/>
-              <a:t>#:~:text=The%20Industrial%20Revolution%20swept%20the,plant%20near%20Naples%20in%201908.</a:t>
-            </a:r>
+              <a:t>“In the years from 1950 to 1973, per capita GDP rose by an average of 5.06% per annum, reaching a peak of 7.72% in 1961.”</a:t>
+            </a:r>
+          </a:p>
+          <a:p>
+            <a:pPr lvl="1"/>
+            <a:r>
+              <a:rPr lang="en-US" dirty="0">
+                <a:hlinkClick r:id="rId3"/>
+              </a:rPr>
+              <a:t>https://ideas.repec.org/p/pra/mprapa/12817.html</a:t>
+            </a:r>
+            <a:endParaRPr lang="en-US" dirty="0"/>
           </a:p>
         </p:txBody>
       </p:sp>
@@ -4002,6 +6799,15 @@
               <a:t>Clear indication of annual temperature increase annually</a:t>
             </a:r>
           </a:p>
+          <a:p>
+            <a:endParaRPr lang="en-US" dirty="0"/>
+          </a:p>
+          <a:p>
+            <a:r>
+              <a:rPr lang="en-US" dirty="0"/>
+              <a:t>Explanations and defining events to correlate with data found</a:t>
+            </a:r>
+          </a:p>
         </p:txBody>
       </p:sp>
     </p:spTree>
@@ -4188,7 +6994,59 @@
           <a:bodyPr/>
           <a:lstStyle/>
           <a:p>
-            <a:endParaRPr lang="en-US" dirty="0"/>
+            <a:pPr>
+              <a:lnSpc>
+                <a:spcPct val="200000"/>
+              </a:lnSpc>
+            </a:pPr>
+            <a:r>
+              <a:rPr lang="en-US" dirty="0"/>
+              <a:t>Is climate change occurring?</a:t>
+            </a:r>
+          </a:p>
+          <a:p>
+            <a:pPr lvl="1">
+              <a:lnSpc>
+                <a:spcPct val="200000"/>
+              </a:lnSpc>
+            </a:pPr>
+            <a:r>
+              <a:rPr lang="en-US" dirty="0"/>
+              <a:t>Why not look at data to get clues</a:t>
+            </a:r>
+          </a:p>
+          <a:p>
+            <a:pPr>
+              <a:lnSpc>
+                <a:spcPct val="200000"/>
+              </a:lnSpc>
+            </a:pPr>
+            <a:r>
+              <a:rPr lang="en-US" dirty="0"/>
+              <a:t>Wanted to learn more about climate change</a:t>
+            </a:r>
+          </a:p>
+          <a:p>
+            <a:pPr lvl="1">
+              <a:lnSpc>
+                <a:spcPct val="200000"/>
+              </a:lnSpc>
+            </a:pPr>
+            <a:r>
+              <a:rPr lang="en-US" dirty="0"/>
+              <a:t>Why might it be happening?</a:t>
+            </a:r>
+          </a:p>
+          <a:p>
+            <a:pPr lvl="1">
+              <a:lnSpc>
+                <a:spcPct val="200000"/>
+              </a:lnSpc>
+            </a:pPr>
+            <a:r>
+              <a:rPr lang="en-US" dirty="0"/>
+              <a:t>Is it only in America, or is it a global threat?</a:t>
+            </a:r>
           </a:p>
         </p:txBody>
       </p:sp>
@@ -4271,19 +7129,37 @@
           <a:bodyPr/>
           <a:lstStyle/>
           <a:p>
+            <a:pPr algn="ctr">
+              <a:lnSpc>
+                <a:spcPct val="200000"/>
+              </a:lnSpc>
+            </a:pPr>
+            <a:r>
+              <a:rPr lang="en-US" dirty="0"/>
+              <a:t>Monthly Weather Data for Milan, Italy</a:t>
+            </a:r>
+          </a:p>
+          <a:p>
+            <a:pPr algn="ctr">
+              <a:lnSpc>
+                <a:spcPct val="200000"/>
+              </a:lnSpc>
+            </a:pPr>
             <a:r>
               <a:rPr lang="en-US" dirty="0"/>
               <a:t>National Centers for Environmental Information (NCEI)</a:t>
             </a:r>
           </a:p>
           <a:p>
+            <a:pPr algn="ctr">
+              <a:lnSpc>
+                <a:spcPct val="200000"/>
+              </a:lnSpc>
+            </a:pPr>
             <a:r>
               <a:rPr lang="en-US" dirty="0"/>
-              <a:t>Monthly Weather Data for Milan, Italy</a:t>
-            </a:r>
-          </a:p>
-          <a:p>
-            <a:endParaRPr lang="en-US" dirty="0"/>
+              <a:t>Is for date range (Y/M/D) of 1763-01-01 to 2008-11-30</a:t>
+            </a:r>
           </a:p>
         </p:txBody>
       </p:sp>
@@ -4333,11 +7209,17 @@
             <p:ph type="title"/>
           </p:nvPr>
         </p:nvSpPr>
-        <p:spPr/>
+        <p:spPr>
+          <a:xfrm>
+            <a:off x="1393636" y="136169"/>
+            <a:ext cx="9404723" cy="1400530"/>
+          </a:xfrm>
+        </p:spPr>
         <p:txBody>
           <a:bodyPr/>
           <a:lstStyle/>
           <a:p>
+            <a:pPr algn="ctr"/>
             <a:r>
               <a:rPr lang="en-US" dirty="0"/>
               <a:t>About the Data: Data Points</a:t>
@@ -4369,7 +7251,7 @@
         </p:blipFill>
         <p:spPr>
           <a:xfrm>
-            <a:off x="838199" y="1536699"/>
+            <a:off x="838197" y="1314177"/>
             <a:ext cx="10515599" cy="4229645"/>
           </a:xfrm>
         </p:spPr>
@@ -4420,14 +7302,20 @@
             <p:ph type="title"/>
           </p:nvPr>
         </p:nvSpPr>
-        <p:spPr/>
+        <p:spPr>
+          <a:xfrm>
+            <a:off x="646111" y="452718"/>
+            <a:ext cx="11390379" cy="965535"/>
+          </a:xfrm>
+        </p:spPr>
         <p:txBody>
           <a:bodyPr/>
           <a:lstStyle/>
           <a:p>
+            <a:pPr algn="ctr"/>
             <a:r>
               <a:rPr lang="en-US" dirty="0"/>
-              <a:t>About the Data: Important Data Points</a:t>
+              <a:t>About the Data: Key Data Points</a:t>
             </a:r>
           </a:p>
         </p:txBody>
@@ -4456,7 +7344,7 @@
         </p:blipFill>
         <p:spPr>
           <a:xfrm>
-            <a:off x="838199" y="1586706"/>
+            <a:off x="953513" y="1825608"/>
             <a:ext cx="10284973" cy="1670844"/>
           </a:xfrm>
         </p:spPr>
@@ -4475,8 +7363,8 @@
         </p:nvSpPr>
         <p:spPr>
           <a:xfrm>
-            <a:off x="838199" y="3729038"/>
-            <a:ext cx="10481203" cy="400110"/>
+            <a:off x="953513" y="3549864"/>
+            <a:ext cx="10284973" cy="707886"/>
           </a:xfrm>
           <a:prstGeom prst="rect">
             <a:avLst/>
@@ -4484,18 +7372,634 @@
           <a:noFill/>
         </p:spPr>
         <p:txBody>
-          <a:bodyPr wrap="none" rtlCol="0">
+          <a:bodyPr wrap="square" rtlCol="0">
             <a:spAutoFit/>
           </a:bodyPr>
           <a:lstStyle/>
           <a:p>
             <a:r>
               <a:rPr lang="en-US" sz="2000" dirty="0"/>
-              <a:t>The points we drew were those most important to temperature data with negation to precipitation</a:t>
-            </a:r>
-          </a:p>
-        </p:txBody>
-      </p:sp>
+              <a:t>The points we drew were those most important to temperature data with negation to precipitation:</a:t>
+            </a:r>
+          </a:p>
+        </p:txBody>
+      </p:sp>
+      <p:graphicFrame>
+        <p:nvGraphicFramePr>
+          <p:cNvPr id="3" name="Table 2">
+            <a:extLst>
+              <a:ext uri="{FF2B5EF4-FFF2-40B4-BE49-F238E27FC236}">
+                <a16:creationId xmlns:a16="http://schemas.microsoft.com/office/drawing/2014/main" id="{57394AA1-1467-0387-FB79-A846B0B5D2C9}"/>
+              </a:ext>
+            </a:extLst>
+          </p:cNvPr>
+          <p:cNvGraphicFramePr>
+            <a:graphicFrameLocks noGrp="1"/>
+          </p:cNvGraphicFramePr>
+          <p:nvPr>
+            <p:extLst>
+              <p:ext uri="{D42A27DB-BD31-4B8C-83A1-F6EECF244321}">
+                <p14:modId xmlns:p14="http://schemas.microsoft.com/office/powerpoint/2010/main" val="1415671487"/>
+              </p:ext>
+            </p:extLst>
+          </p:nvPr>
+        </p:nvGraphicFramePr>
+        <p:xfrm>
+          <a:off x="495237" y="4463023"/>
+          <a:ext cx="11052236" cy="1971104"/>
+        </p:xfrm>
+        <a:graphic>
+          <a:graphicData uri="http://schemas.openxmlformats.org/drawingml/2006/table">
+            <a:tbl>
+              <a:tblPr firstRow="1" bandRow="1">
+                <a:tableStyleId>{5C22544A-7EE6-4342-B048-85BDC9FD1C3A}</a:tableStyleId>
+              </a:tblPr>
+              <a:tblGrid>
+                <a:gridCol w="3121215">
+                  <a:extLst>
+                    <a:ext uri="{9D8B030D-6E8A-4147-A177-3AD203B41FA5}">
+                      <a16:colId xmlns:a16="http://schemas.microsoft.com/office/drawing/2014/main" val="2859863458"/>
+                    </a:ext>
+                  </a:extLst>
+                </a:gridCol>
+                <a:gridCol w="2425959">
+                  <a:extLst>
+                    <a:ext uri="{9D8B030D-6E8A-4147-A177-3AD203B41FA5}">
+                      <a16:colId xmlns:a16="http://schemas.microsoft.com/office/drawing/2014/main" val="2468929007"/>
+                    </a:ext>
+                  </a:extLst>
+                </a:gridCol>
+                <a:gridCol w="3312368">
+                  <a:extLst>
+                    <a:ext uri="{9D8B030D-6E8A-4147-A177-3AD203B41FA5}">
+                      <a16:colId xmlns:a16="http://schemas.microsoft.com/office/drawing/2014/main" val="1352979882"/>
+                    </a:ext>
+                  </a:extLst>
+                </a:gridCol>
+                <a:gridCol w="2192694">
+                  <a:extLst>
+                    <a:ext uri="{9D8B030D-6E8A-4147-A177-3AD203B41FA5}">
+                      <a16:colId xmlns:a16="http://schemas.microsoft.com/office/drawing/2014/main" val="2497706009"/>
+                    </a:ext>
+                  </a:extLst>
+                </a:gridCol>
+              </a:tblGrid>
+              <a:tr h="1112520">
+                <a:tc>
+                  <a:txBody>
+                    <a:bodyPr/>
+                    <a:lstStyle/>
+                    <a:p>
+                      <a:pPr>
+                        <a:lnSpc>
+                          <a:spcPct val="150000"/>
+                        </a:lnSpc>
+                      </a:pPr>
+                      <a:r>
+                        <a:rPr lang="en-US" sz="1400" b="0" kern="1200" dirty="0">
+                          <a:solidFill>
+                            <a:schemeClr val="tx1"/>
+                          </a:solidFill>
+                          <a:latin typeface="+mn-lt"/>
+                          <a:ea typeface="+mn-ea"/>
+                          <a:cs typeface="+mn-cs"/>
+                        </a:rPr>
+                        <a:t>MEAN ← TAVG</a:t>
+                      </a:r>
+                    </a:p>
+                    <a:p>
+                      <a:pPr>
+                        <a:lnSpc>
+                          <a:spcPct val="150000"/>
+                        </a:lnSpc>
+                      </a:pPr>
+                      <a:r>
+                        <a:rPr lang="en-US" sz="1400" b="0" kern="1200" dirty="0">
+                          <a:solidFill>
+                            <a:schemeClr val="tx1"/>
+                          </a:solidFill>
+                          <a:latin typeface="+mn-lt"/>
+                          <a:ea typeface="+mn-ea"/>
+                          <a:cs typeface="+mn-cs"/>
+                        </a:rPr>
+                        <a:t>MEAN_MAX ← TMAX</a:t>
+                      </a:r>
+                    </a:p>
+                    <a:p>
+                      <a:pPr>
+                        <a:lnSpc>
+                          <a:spcPct val="150000"/>
+                        </a:lnSpc>
+                      </a:pPr>
+                      <a:r>
+                        <a:rPr lang="en-US" sz="1400" b="0" kern="1200" dirty="0">
+                          <a:solidFill>
+                            <a:schemeClr val="tx1"/>
+                          </a:solidFill>
+                          <a:latin typeface="+mn-lt"/>
+                          <a:ea typeface="+mn-ea"/>
+                          <a:cs typeface="+mn-cs"/>
+                        </a:rPr>
+                        <a:t>MEAN_MIN ← TMIN</a:t>
+                      </a:r>
+                    </a:p>
+                    <a:p>
+                      <a:pPr marL="0" marR="0" lvl="0" indent="0" algn="l" defTabSz="457200" rtl="0" eaLnBrk="1" fontAlgn="auto" latinLnBrk="0" hangingPunct="1">
+                        <a:lnSpc>
+                          <a:spcPct val="150000"/>
+                        </a:lnSpc>
+                        <a:spcBef>
+                          <a:spcPts val="0"/>
+                        </a:spcBef>
+                        <a:spcAft>
+                          <a:spcPts val="0"/>
+                        </a:spcAft>
+                        <a:buClrTx/>
+                        <a:buSzTx/>
+                        <a:buFontTx/>
+                        <a:buNone/>
+                        <a:tabLst/>
+                        <a:defRPr/>
+                      </a:pPr>
+                      <a:r>
+                        <a:rPr lang="en-US" sz="1400" b="0" kern="1200" dirty="0">
+                          <a:solidFill>
+                            <a:schemeClr val="tx1"/>
+                          </a:solidFill>
+                          <a:latin typeface="+mn-lt"/>
+                          <a:ea typeface="+mn-ea"/>
+                          <a:cs typeface="+mn-cs"/>
+                        </a:rPr>
+                        <a:t>HIGHEST_DAY ← EMXT_ATTRIBUTES</a:t>
+                      </a:r>
+                    </a:p>
+                    <a:p>
+                      <a:pPr marL="0" marR="0" lvl="0" indent="0" algn="l" defTabSz="457200" rtl="0" eaLnBrk="1" fontAlgn="auto" latinLnBrk="0" hangingPunct="1">
+                        <a:lnSpc>
+                          <a:spcPct val="150000"/>
+                        </a:lnSpc>
+                        <a:spcBef>
+                          <a:spcPts val="0"/>
+                        </a:spcBef>
+                        <a:spcAft>
+                          <a:spcPts val="0"/>
+                        </a:spcAft>
+                        <a:buClrTx/>
+                        <a:buSzTx/>
+                        <a:buFontTx/>
+                        <a:buNone/>
+                        <a:tabLst/>
+                        <a:defRPr/>
+                      </a:pPr>
+                      <a:r>
+                        <a:rPr lang="en-US" sz="1400" b="0" kern="1200" dirty="0">
+                          <a:solidFill>
+                            <a:schemeClr val="tx1"/>
+                          </a:solidFill>
+                          <a:latin typeface="+mn-lt"/>
+                          <a:ea typeface="+mn-ea"/>
+                          <a:cs typeface="+mn-cs"/>
+                        </a:rPr>
+                        <a:t>GTE_21 ← DX70</a:t>
+                      </a:r>
+                    </a:p>
+                    <a:p>
+                      <a:pPr>
+                        <a:lnSpc>
+                          <a:spcPct val="150000"/>
+                        </a:lnSpc>
+                      </a:pPr>
+                      <a:endParaRPr lang="en-US" sz="1400" b="0" kern="1200" dirty="0">
+                        <a:solidFill>
+                          <a:schemeClr val="tx1"/>
+                        </a:solidFill>
+                        <a:latin typeface="+mn-lt"/>
+                        <a:ea typeface="+mn-ea"/>
+                        <a:cs typeface="+mn-cs"/>
+                      </a:endParaRPr>
+                    </a:p>
+                  </a:txBody>
+                  <a:tcPr>
+                    <a:lnL w="12700" cmpd="sng">
+                      <a:noFill/>
+                    </a:lnL>
+                    <a:lnR w="12700" cmpd="sng">
+                      <a:noFill/>
+                    </a:lnR>
+                    <a:lnT w="12700" cmpd="sng">
+                      <a:noFill/>
+                    </a:lnT>
+                    <a:lnB w="38100" cmpd="sng">
+                      <a:noFill/>
+                    </a:lnB>
+                    <a:lnTlToBr w="12700" cmpd="sng">
+                      <a:noFill/>
+                      <a:prstDash val="solid"/>
+                    </a:lnTlToBr>
+                    <a:lnBlToTr w="12700" cmpd="sng">
+                      <a:noFill/>
+                      <a:prstDash val="solid"/>
+                    </a:lnBlToTr>
+                    <a:noFill/>
+                  </a:tcPr>
+                </a:tc>
+                <a:tc>
+                  <a:txBody>
+                    <a:bodyPr/>
+                    <a:lstStyle/>
+                    <a:p>
+                      <a:pPr marL="0" marR="0" lvl="0" indent="0" algn="l" defTabSz="457200" rtl="0" eaLnBrk="1" fontAlgn="auto" latinLnBrk="0" hangingPunct="1">
+                        <a:lnSpc>
+                          <a:spcPct val="150000"/>
+                        </a:lnSpc>
+                        <a:spcBef>
+                          <a:spcPts val="0"/>
+                        </a:spcBef>
+                        <a:spcAft>
+                          <a:spcPts val="0"/>
+                        </a:spcAft>
+                        <a:buClrTx/>
+                        <a:buSzTx/>
+                        <a:buFontTx/>
+                        <a:buNone/>
+                        <a:tabLst/>
+                        <a:defRPr/>
+                      </a:pPr>
+                      <a:r>
+                        <a:rPr lang="en-US" sz="1400" b="0" kern="1200" dirty="0">
+                          <a:solidFill>
+                            <a:schemeClr val="tx1"/>
+                          </a:solidFill>
+                          <a:latin typeface="+mn-lt"/>
+                          <a:ea typeface="+mn-ea"/>
+                          <a:cs typeface="+mn-cs"/>
+                        </a:rPr>
+                        <a:t>HEAT_DEG_DAYS ← HTDD</a:t>
+                      </a:r>
+                    </a:p>
+                    <a:p>
+                      <a:pPr marL="0" marR="0" lvl="0" indent="0" algn="l" defTabSz="457200" rtl="0" eaLnBrk="1" fontAlgn="auto" latinLnBrk="0" hangingPunct="1">
+                        <a:lnSpc>
+                          <a:spcPct val="150000"/>
+                        </a:lnSpc>
+                        <a:spcBef>
+                          <a:spcPts val="0"/>
+                        </a:spcBef>
+                        <a:spcAft>
+                          <a:spcPts val="0"/>
+                        </a:spcAft>
+                        <a:buClrTx/>
+                        <a:buSzTx/>
+                        <a:buFontTx/>
+                        <a:buNone/>
+                        <a:tabLst/>
+                        <a:defRPr/>
+                      </a:pPr>
+                      <a:r>
+                        <a:rPr lang="en-US" sz="1400" b="0" kern="1200" dirty="0">
+                          <a:solidFill>
+                            <a:schemeClr val="tx1"/>
+                          </a:solidFill>
+                          <a:latin typeface="+mn-lt"/>
+                          <a:ea typeface="+mn-ea"/>
+                          <a:cs typeface="+mn-cs"/>
+                        </a:rPr>
+                        <a:t>COOLEST_TEMP ← EMNT</a:t>
+                      </a:r>
+                    </a:p>
+                    <a:p>
+                      <a:pPr marL="0" marR="0" lvl="0" indent="0" algn="l" defTabSz="457200" rtl="0" eaLnBrk="1" fontAlgn="auto" latinLnBrk="0" hangingPunct="1">
+                        <a:lnSpc>
+                          <a:spcPct val="150000"/>
+                        </a:lnSpc>
+                        <a:spcBef>
+                          <a:spcPts val="0"/>
+                        </a:spcBef>
+                        <a:spcAft>
+                          <a:spcPts val="0"/>
+                        </a:spcAft>
+                        <a:buClrTx/>
+                        <a:buSzTx/>
+                        <a:buFontTx/>
+                        <a:buNone/>
+                        <a:tabLst/>
+                        <a:defRPr/>
+                      </a:pPr>
+                      <a:r>
+                        <a:rPr lang="en-US" sz="1400" b="0" kern="1200" dirty="0">
+                          <a:solidFill>
+                            <a:schemeClr val="tx1"/>
+                          </a:solidFill>
+                          <a:latin typeface="+mn-lt"/>
+                          <a:ea typeface="+mn-ea"/>
+                          <a:cs typeface="+mn-cs"/>
+                        </a:rPr>
+                        <a:t>GTE_00 ← DX32</a:t>
+                      </a:r>
+                    </a:p>
+                    <a:p>
+                      <a:pPr>
+                        <a:lnSpc>
+                          <a:spcPct val="150000"/>
+                        </a:lnSpc>
+                      </a:pPr>
+                      <a:endParaRPr lang="en-US" sz="1400" b="0" kern="1200" dirty="0">
+                        <a:solidFill>
+                          <a:schemeClr val="tx1"/>
+                        </a:solidFill>
+                        <a:latin typeface="+mn-lt"/>
+                        <a:ea typeface="+mn-ea"/>
+                        <a:cs typeface="+mn-cs"/>
+                      </a:endParaRPr>
+                    </a:p>
+                  </a:txBody>
+                  <a:tcPr>
+                    <a:lnL w="12700" cmpd="sng">
+                      <a:noFill/>
+                    </a:lnL>
+                    <a:lnR w="12700" cmpd="sng">
+                      <a:noFill/>
+                    </a:lnR>
+                    <a:lnT w="12700" cmpd="sng">
+                      <a:noFill/>
+                    </a:lnT>
+                    <a:lnB w="38100" cmpd="sng">
+                      <a:noFill/>
+                    </a:lnB>
+                    <a:lnTlToBr w="12700" cmpd="sng">
+                      <a:noFill/>
+                      <a:prstDash val="solid"/>
+                    </a:lnTlToBr>
+                    <a:lnBlToTr w="12700" cmpd="sng">
+                      <a:noFill/>
+                      <a:prstDash val="solid"/>
+                    </a:lnBlToTr>
+                    <a:noFill/>
+                  </a:tcPr>
+                </a:tc>
+                <a:tc>
+                  <a:txBody>
+                    <a:bodyPr/>
+                    <a:lstStyle/>
+                    <a:p>
+                      <a:pPr marL="0" marR="0" lvl="0" indent="0" algn="l" defTabSz="457200" rtl="0" eaLnBrk="1" fontAlgn="auto" latinLnBrk="0" hangingPunct="1">
+                        <a:lnSpc>
+                          <a:spcPct val="150000"/>
+                        </a:lnSpc>
+                        <a:spcBef>
+                          <a:spcPts val="0"/>
+                        </a:spcBef>
+                        <a:spcAft>
+                          <a:spcPts val="0"/>
+                        </a:spcAft>
+                        <a:buClrTx/>
+                        <a:buSzTx/>
+                        <a:buFontTx/>
+                        <a:buNone/>
+                        <a:tabLst/>
+                        <a:defRPr/>
+                      </a:pPr>
+                      <a:r>
+                        <a:rPr lang="en-US" sz="1400" b="0" kern="1200" dirty="0">
+                          <a:solidFill>
+                            <a:schemeClr val="tx1"/>
+                          </a:solidFill>
+                          <a:latin typeface="+mn-lt"/>
+                          <a:ea typeface="+mn-ea"/>
+                          <a:cs typeface="+mn-cs"/>
+                        </a:rPr>
+                        <a:t>COOL_DEG_DAYS ← CLDD</a:t>
+                      </a:r>
+                    </a:p>
+                    <a:p>
+                      <a:pPr marL="0" marR="0" lvl="0" indent="0" algn="l" defTabSz="457200" rtl="0" eaLnBrk="1" fontAlgn="auto" latinLnBrk="0" hangingPunct="1">
+                        <a:lnSpc>
+                          <a:spcPct val="150000"/>
+                        </a:lnSpc>
+                        <a:spcBef>
+                          <a:spcPts val="0"/>
+                        </a:spcBef>
+                        <a:spcAft>
+                          <a:spcPts val="0"/>
+                        </a:spcAft>
+                        <a:buClrTx/>
+                        <a:buSzTx/>
+                        <a:buFontTx/>
+                        <a:buNone/>
+                        <a:tabLst/>
+                        <a:defRPr/>
+                      </a:pPr>
+                      <a:r>
+                        <a:rPr lang="en-US" sz="1400" b="0" kern="1200" dirty="0">
+                          <a:solidFill>
+                            <a:schemeClr val="tx1"/>
+                          </a:solidFill>
+                          <a:latin typeface="+mn-lt"/>
+                          <a:ea typeface="+mn-ea"/>
+                          <a:cs typeface="+mn-cs"/>
+                        </a:rPr>
+                        <a:t>COOLEST_DAY ← EMNT_ATTRIBUTES</a:t>
+                      </a:r>
+                    </a:p>
+                    <a:p>
+                      <a:pPr marL="0" marR="0" lvl="0" indent="0" algn="l" defTabSz="457200" rtl="0" eaLnBrk="1" fontAlgn="auto" latinLnBrk="0" hangingPunct="1">
+                        <a:lnSpc>
+                          <a:spcPct val="150000"/>
+                        </a:lnSpc>
+                        <a:spcBef>
+                          <a:spcPts val="0"/>
+                        </a:spcBef>
+                        <a:spcAft>
+                          <a:spcPts val="0"/>
+                        </a:spcAft>
+                        <a:buClrTx/>
+                        <a:buSzTx/>
+                        <a:buFontTx/>
+                        <a:buNone/>
+                        <a:tabLst/>
+                        <a:defRPr/>
+                      </a:pPr>
+                      <a:r>
+                        <a:rPr lang="en-US" sz="1400" b="0" kern="1200" dirty="0">
+                          <a:solidFill>
+                            <a:schemeClr val="tx1"/>
+                          </a:solidFill>
+                          <a:latin typeface="+mn-lt"/>
+                          <a:ea typeface="+mn-ea"/>
+                          <a:cs typeface="+mn-cs"/>
+                        </a:rPr>
+                        <a:t>LTE_00 ← DT32</a:t>
+                      </a:r>
+                    </a:p>
+                  </a:txBody>
+                  <a:tcPr>
+                    <a:lnL w="12700" cmpd="sng">
+                      <a:noFill/>
+                    </a:lnL>
+                    <a:lnR w="12700" cmpd="sng">
+                      <a:noFill/>
+                    </a:lnR>
+                    <a:lnT w="12700" cmpd="sng">
+                      <a:noFill/>
+                    </a:lnT>
+                    <a:lnB w="38100" cmpd="sng">
+                      <a:noFill/>
+                    </a:lnB>
+                    <a:lnTlToBr w="12700" cmpd="sng">
+                      <a:noFill/>
+                      <a:prstDash val="solid"/>
+                    </a:lnTlToBr>
+                    <a:lnBlToTr w="12700" cmpd="sng">
+                      <a:noFill/>
+                      <a:prstDash val="solid"/>
+                    </a:lnBlToTr>
+                    <a:noFill/>
+                  </a:tcPr>
+                </a:tc>
+                <a:tc>
+                  <a:txBody>
+                    <a:bodyPr/>
+                    <a:lstStyle/>
+                    <a:p>
+                      <a:pPr marL="0" marR="0" lvl="0" indent="0" algn="l" defTabSz="457200" rtl="0" eaLnBrk="1" fontAlgn="auto" latinLnBrk="0" hangingPunct="1">
+                        <a:lnSpc>
+                          <a:spcPct val="150000"/>
+                        </a:lnSpc>
+                        <a:spcBef>
+                          <a:spcPts val="0"/>
+                        </a:spcBef>
+                        <a:spcAft>
+                          <a:spcPts val="0"/>
+                        </a:spcAft>
+                        <a:buClrTx/>
+                        <a:buSzTx/>
+                        <a:buFontTx/>
+                        <a:buNone/>
+                        <a:tabLst/>
+                        <a:defRPr/>
+                      </a:pPr>
+                      <a:r>
+                        <a:rPr lang="en-US" sz="1400" b="0" kern="1200" dirty="0">
+                          <a:solidFill>
+                            <a:schemeClr val="tx1"/>
+                          </a:solidFill>
+                          <a:latin typeface="+mn-lt"/>
+                          <a:ea typeface="+mn-ea"/>
+                          <a:cs typeface="+mn-cs"/>
+                        </a:rPr>
+                        <a:t>HIGHEST_TEMP ← EMXT</a:t>
+                      </a:r>
+                    </a:p>
+                    <a:p>
+                      <a:pPr marL="0" marR="0" lvl="0" indent="0" algn="l" defTabSz="457200" rtl="0" eaLnBrk="1" fontAlgn="auto" latinLnBrk="0" hangingPunct="1">
+                        <a:lnSpc>
+                          <a:spcPct val="150000"/>
+                        </a:lnSpc>
+                        <a:spcBef>
+                          <a:spcPts val="0"/>
+                        </a:spcBef>
+                        <a:spcAft>
+                          <a:spcPts val="0"/>
+                        </a:spcAft>
+                        <a:buClrTx/>
+                        <a:buSzTx/>
+                        <a:buFontTx/>
+                        <a:buNone/>
+                        <a:tabLst/>
+                        <a:defRPr/>
+                      </a:pPr>
+                      <a:r>
+                        <a:rPr lang="en-US" sz="1400" b="0" kern="1200" dirty="0">
+                          <a:solidFill>
+                            <a:schemeClr val="tx1"/>
+                          </a:solidFill>
+                          <a:latin typeface="+mn-lt"/>
+                          <a:ea typeface="+mn-ea"/>
+                          <a:cs typeface="+mn-cs"/>
+                        </a:rPr>
+                        <a:t>GTE_32 ← DX90</a:t>
+                      </a:r>
+                    </a:p>
+                    <a:p>
+                      <a:pPr marL="0" marR="0" lvl="0" indent="0" algn="l" defTabSz="457200" rtl="0" eaLnBrk="1" fontAlgn="auto" latinLnBrk="0" hangingPunct="1">
+                        <a:lnSpc>
+                          <a:spcPct val="150000"/>
+                        </a:lnSpc>
+                        <a:spcBef>
+                          <a:spcPts val="0"/>
+                        </a:spcBef>
+                        <a:spcAft>
+                          <a:spcPts val="0"/>
+                        </a:spcAft>
+                        <a:buClrTx/>
+                        <a:buSzTx/>
+                        <a:buFontTx/>
+                        <a:buNone/>
+                        <a:tabLst/>
+                        <a:defRPr/>
+                      </a:pPr>
+                      <a:r>
+                        <a:rPr lang="en-US" sz="1400" b="0" kern="1200" dirty="0">
+                          <a:solidFill>
+                            <a:schemeClr val="tx1"/>
+                          </a:solidFill>
+                          <a:latin typeface="+mn-lt"/>
+                          <a:ea typeface="+mn-ea"/>
+                          <a:cs typeface="+mn-cs"/>
+                        </a:rPr>
+                        <a:t>LTE_N18 ← DT00</a:t>
+                      </a:r>
+                    </a:p>
+                    <a:p>
+                      <a:pPr>
+                        <a:lnSpc>
+                          <a:spcPct val="150000"/>
+                        </a:lnSpc>
+                      </a:pPr>
+                      <a:endParaRPr lang="en-US" sz="1400" b="0" kern="1200" dirty="0">
+                        <a:solidFill>
+                          <a:schemeClr val="tx1"/>
+                        </a:solidFill>
+                        <a:latin typeface="+mn-lt"/>
+                        <a:ea typeface="+mn-ea"/>
+                        <a:cs typeface="+mn-cs"/>
+                      </a:endParaRPr>
+                    </a:p>
+                  </a:txBody>
+                  <a:tcPr>
+                    <a:lnL w="12700" cmpd="sng">
+                      <a:noFill/>
+                    </a:lnL>
+                    <a:lnR w="12700" cmpd="sng">
+                      <a:noFill/>
+                    </a:lnR>
+                    <a:lnT w="12700" cmpd="sng">
+                      <a:noFill/>
+                    </a:lnT>
+                    <a:lnB w="38100" cmpd="sng">
+                      <a:noFill/>
+                    </a:lnB>
+                    <a:lnTlToBr w="12700" cmpd="sng">
+                      <a:noFill/>
+                      <a:prstDash val="solid"/>
+                    </a:lnTlToBr>
+                    <a:lnBlToTr w="12700" cmpd="sng">
+                      <a:noFill/>
+                      <a:prstDash val="solid"/>
+                    </a:lnBlToTr>
+                    <a:noFill/>
+                  </a:tcPr>
+                </a:tc>
+                <a:extLst>
+                  <a:ext uri="{0D108BD9-81ED-4DB2-BD59-A6C34878D82A}">
+                    <a16:rowId xmlns:a16="http://schemas.microsoft.com/office/drawing/2014/main" val="3904810515"/>
+                  </a:ext>
+                </a:extLst>
+              </a:tr>
+            </a:tbl>
+          </a:graphicData>
+        </a:graphic>
+      </p:graphicFrame>
     </p:spTree>
     <p:extLst>
       <p:ext uri="{BB962C8B-B14F-4D97-AF65-F5344CB8AC3E}">
@@ -5096,9 +8600,9 @@
 </file>
 
 <file path=ppt/theme/theme1.xml><?xml version="1.0" encoding="utf-8"?>
-<a:theme xmlns:a="http://schemas.openxmlformats.org/drawingml/2006/main" name="Office Theme">
+<a:theme xmlns:a="http://schemas.openxmlformats.org/drawingml/2006/main" name="Ion">
   <a:themeElements>
-    <a:clrScheme name="Office">
+    <a:clrScheme name="Ion">
       <a:dk1>
         <a:sysClr val="windowText" lastClr="000000"/>
       </a:dk1>
@@ -5106,44 +8610,44 @@
         <a:sysClr val="window" lastClr="FFFFFF"/>
       </a:lt1>
       <a:dk2>
-        <a:srgbClr val="44546A"/>
+        <a:srgbClr val="1E5155"/>
       </a:dk2>
       <a:lt2>
-        <a:srgbClr val="E7E6E6"/>
+        <a:srgbClr val="EBEBEB"/>
       </a:lt2>
       <a:accent1>
-        <a:srgbClr val="4472C4"/>
+        <a:srgbClr val="B01513"/>
       </a:accent1>
       <a:accent2>
-        <a:srgbClr val="ED7D31"/>
+        <a:srgbClr val="EA6312"/>
       </a:accent2>
       <a:accent3>
-        <a:srgbClr val="A5A5A5"/>
+        <a:srgbClr val="E6B729"/>
       </a:accent3>
       <a:accent4>
-        <a:srgbClr val="FFC000"/>
+        <a:srgbClr val="6AAC90"/>
       </a:accent4>
       <a:accent5>
-        <a:srgbClr val="5B9BD5"/>
+        <a:srgbClr val="54849A"/>
       </a:accent5>
       <a:accent6>
-        <a:srgbClr val="70AD47"/>
+        <a:srgbClr val="9E5E9B"/>
       </a:accent6>
       <a:hlink>
-        <a:srgbClr val="0563C1"/>
+        <a:srgbClr val="58C1BA"/>
       </a:hlink>
       <a:folHlink>
-        <a:srgbClr val="954F72"/>
+        <a:srgbClr val="9DFFCB"/>
       </a:folHlink>
     </a:clrScheme>
-    <a:fontScheme name="Office">
+    <a:fontScheme name="Ion">
       <a:majorFont>
-        <a:latin typeface="Calibri Light" panose="020F0302020204030204"/>
+        <a:latin typeface="Century Gothic" panose="020B0502020202020204"/>
         <a:ea typeface=""/>
         <a:cs typeface=""/>
-        <a:font script="Jpan" typeface="游ゴシック Light"/>
+        <a:font script="Jpan" typeface="メイリオ"/>
         <a:font script="Hang" typeface="맑은 고딕"/>
-        <a:font script="Hans" typeface="等线 Light"/>
+        <a:font script="Hans" typeface="宋体"/>
         <a:font script="Hant" typeface="新細明體"/>
         <a:font script="Arab" typeface="Times New Roman"/>
         <a:font script="Hebr" typeface="Times New Roman"/>
@@ -5171,31 +8675,14 @@
         <a:font script="Viet" typeface="Times New Roman"/>
         <a:font script="Uigh" typeface="Microsoft Uighur"/>
         <a:font script="Geor" typeface="Sylfaen"/>
-        <a:font script="Armn" typeface="Arial"/>
-        <a:font script="Bugi" typeface="Leelawadee UI"/>
-        <a:font script="Bopo" typeface="Microsoft JhengHei"/>
-        <a:font script="Java" typeface="Javanese Text"/>
-        <a:font script="Lisu" typeface="Segoe UI"/>
-        <a:font script="Mymr" typeface="Myanmar Text"/>
-        <a:font script="Nkoo" typeface="Ebrima"/>
-        <a:font script="Olck" typeface="Nirmala UI"/>
-        <a:font script="Osma" typeface="Ebrima"/>
-        <a:font script="Phag" typeface="Phagspa"/>
-        <a:font script="Syrn" typeface="Estrangelo Edessa"/>
-        <a:font script="Syrj" typeface="Estrangelo Edessa"/>
-        <a:font script="Syre" typeface="Estrangelo Edessa"/>
-        <a:font script="Sora" typeface="Nirmala UI"/>
-        <a:font script="Tale" typeface="Microsoft Tai Le"/>
-        <a:font script="Talu" typeface="Microsoft New Tai Lue"/>
-        <a:font script="Tfng" typeface="Ebrima"/>
       </a:majorFont>
       <a:minorFont>
-        <a:latin typeface="Calibri" panose="020F0502020204030204"/>
+        <a:latin typeface="Century Gothic" panose="020B0502020202020204"/>
         <a:ea typeface=""/>
         <a:cs typeface=""/>
-        <a:font script="Jpan" typeface="游ゴシック"/>
+        <a:font script="Jpan" typeface="メイリオ"/>
         <a:font script="Hang" typeface="맑은 고딕"/>
-        <a:font script="Hans" typeface="等线"/>
+        <a:font script="Hans" typeface="宋体"/>
         <a:font script="Hant" typeface="新細明體"/>
         <a:font script="Arab" typeface="Arial"/>
         <a:font script="Hebr" typeface="Arial"/>
@@ -5223,26 +8710,9 @@
         <a:font script="Viet" typeface="Arial"/>
         <a:font script="Uigh" typeface="Microsoft Uighur"/>
         <a:font script="Geor" typeface="Sylfaen"/>
-        <a:font script="Armn" typeface="Arial"/>
-        <a:font script="Bugi" typeface="Leelawadee UI"/>
-        <a:font script="Bopo" typeface="Microsoft JhengHei"/>
-        <a:font script="Java" typeface="Javanese Text"/>
-        <a:font script="Lisu" typeface="Segoe UI"/>
-        <a:font script="Mymr" typeface="Myanmar Text"/>
-        <a:font script="Nkoo" typeface="Ebrima"/>
-        <a:font script="Olck" typeface="Nirmala UI"/>
-        <a:font script="Osma" typeface="Ebrima"/>
-        <a:font script="Phag" typeface="Phagspa"/>
-        <a:font script="Syrn" typeface="Estrangelo Edessa"/>
-        <a:font script="Syrj" typeface="Estrangelo Edessa"/>
-        <a:font script="Syre" typeface="Estrangelo Edessa"/>
-        <a:font script="Sora" typeface="Nirmala UI"/>
-        <a:font script="Tale" typeface="Microsoft Tai Le"/>
-        <a:font script="Talu" typeface="Microsoft New Tai Lue"/>
-        <a:font script="Tfng" typeface="Ebrima"/>
       </a:minorFont>
     </a:fontScheme>
-    <a:fmtScheme name="Office">
+    <a:fmtScheme name="Ion">
       <a:fillStyleLst>
         <a:solidFill>
           <a:schemeClr val="phClr"/>
@@ -5251,23 +8721,15 @@
           <a:gsLst>
             <a:gs pos="0">
               <a:schemeClr val="phClr">
-                <a:lumMod val="110000"/>
-                <a:satMod val="105000"/>
-                <a:tint val="67000"/>
-              </a:schemeClr>
-            </a:gs>
-            <a:gs pos="50000">
-              <a:schemeClr val="phClr">
-                <a:lumMod val="105000"/>
-                <a:satMod val="103000"/>
-                <a:tint val="73000"/>
+                <a:tint val="64000"/>
+                <a:lumMod val="118000"/>
               </a:schemeClr>
             </a:gs>
             <a:gs pos="100000">
               <a:schemeClr val="phClr">
-                <a:lumMod val="105000"/>
-                <a:satMod val="109000"/>
-                <a:tint val="81000"/>
+                <a:tint val="92000"/>
+                <a:alpha val="100000"/>
+                <a:lumMod val="110000"/>
               </a:schemeClr>
             </a:gs>
           </a:gsLst>
@@ -5277,23 +8739,14 @@
           <a:gsLst>
             <a:gs pos="0">
               <a:schemeClr val="phClr">
-                <a:satMod val="103000"/>
-                <a:lumMod val="102000"/>
-                <a:tint val="94000"/>
-              </a:schemeClr>
-            </a:gs>
-            <a:gs pos="50000">
-              <a:schemeClr val="phClr">
-                <a:satMod val="110000"/>
-                <a:lumMod val="100000"/>
-                <a:shade val="100000"/>
+                <a:tint val="98000"/>
+                <a:lumMod val="114000"/>
               </a:schemeClr>
             </a:gs>
             <a:gs pos="100000">
               <a:schemeClr val="phClr">
-                <a:lumMod val="99000"/>
-                <a:satMod val="120000"/>
-                <a:shade val="78000"/>
+                <a:shade val="90000"/>
+                <a:lumMod val="84000"/>
               </a:schemeClr>
             </a:gs>
           </a:gsLst>
@@ -5301,26 +8754,23 @@
         </a:gradFill>
       </a:fillStyleLst>
       <a:lnStyleLst>
-        <a:ln w="6350" cap="flat" cmpd="sng" algn="ctr">
+        <a:ln w="9525" cap="rnd" cmpd="sng" algn="ctr">
           <a:solidFill>
             <a:schemeClr val="phClr"/>
           </a:solidFill>
           <a:prstDash val="solid"/>
-          <a:miter lim="800000"/>
         </a:ln>
-        <a:ln w="12700" cap="flat" cmpd="sng" algn="ctr">
+        <a:ln w="19050" cap="rnd" cmpd="sng" algn="ctr">
           <a:solidFill>
             <a:schemeClr val="phClr"/>
           </a:solidFill>
           <a:prstDash val="solid"/>
-          <a:miter lim="800000"/>
         </a:ln>
-        <a:ln w="19050" cap="flat" cmpd="sng" algn="ctr">
+        <a:ln w="28575" cap="rnd" cmpd="sng" algn="ctr">
           <a:solidFill>
             <a:schemeClr val="phClr"/>
           </a:solidFill>
           <a:prstDash val="solid"/>
-          <a:miter lim="800000"/>
         </a:ln>
       </a:lnStyleLst>
       <a:effectStyleLst>
@@ -5328,55 +8778,80 @@
           <a:effectLst/>
         </a:effectStyle>
         <a:effectStyle>
-          <a:effectLst/>
+          <a:effectLst>
+            <a:outerShdw blurRad="38100" dist="25400" dir="5400000" rotWithShape="0">
+              <a:srgbClr val="000000">
+                <a:alpha val="45000"/>
+              </a:srgbClr>
+            </a:outerShdw>
+          </a:effectLst>
         </a:effectStyle>
         <a:effectStyle>
           <a:effectLst>
-            <a:outerShdw blurRad="57150" dist="19050" dir="5400000" algn="ctr" rotWithShape="0">
+            <a:outerShdw blurRad="63500" dist="38100" dir="5400000" rotWithShape="0">
               <a:srgbClr val="000000">
-                <a:alpha val="63000"/>
+                <a:alpha val="60000"/>
               </a:srgbClr>
             </a:outerShdw>
           </a:effectLst>
+          <a:scene3d>
+            <a:camera prst="orthographicFront">
+              <a:rot lat="0" lon="0" rev="0"/>
+            </a:camera>
+            <a:lightRig rig="threePt" dir="tl"/>
+          </a:scene3d>
+          <a:sp3d prstMaterial="plastic">
+            <a:bevelT w="0" h="0"/>
+          </a:sp3d>
         </a:effectStyle>
       </a:effectStyleLst>
       <a:bgFillStyleLst>
         <a:solidFill>
           <a:schemeClr val="phClr"/>
         </a:solidFill>
-        <a:solidFill>
-          <a:schemeClr val="phClr">
-            <a:tint val="95000"/>
-            <a:satMod val="170000"/>
-          </a:schemeClr>
-        </a:solidFill>
         <a:gradFill rotWithShape="1">
           <a:gsLst>
             <a:gs pos="0">
               <a:schemeClr val="phClr">
-                <a:tint val="93000"/>
-                <a:satMod val="150000"/>
-                <a:shade val="98000"/>
-                <a:lumMod val="102000"/>
-              </a:schemeClr>
-            </a:gs>
-            <a:gs pos="50000">
-              <a:schemeClr val="phClr">
-                <a:tint val="98000"/>
+                <a:tint val="97000"/>
+                <a:hueMod val="88000"/>
                 <a:satMod val="130000"/>
-                <a:shade val="90000"/>
-                <a:lumMod val="103000"/>
+                <a:lumMod val="124000"/>
               </a:schemeClr>
             </a:gs>
             <a:gs pos="100000">
               <a:schemeClr val="phClr">
-                <a:shade val="63000"/>
-                <a:satMod val="120000"/>
+                <a:tint val="96000"/>
+                <a:shade val="88000"/>
+                <a:hueMod val="108000"/>
+                <a:satMod val="164000"/>
+                <a:lumMod val="76000"/>
               </a:schemeClr>
             </a:gs>
           </a:gsLst>
-          <a:lin ang="5400000" scaled="0"/>
+          <a:path path="circle">
+            <a:fillToRect l="45000" t="65000" r="125000" b="100000"/>
+          </a:path>
         </a:gradFill>
+        <a:blipFill rotWithShape="1">
+          <a:blip xmlns:r="http://schemas.openxmlformats.org/officeDocument/2006/relationships" r:embed="rId1">
+            <a:duotone>
+              <a:schemeClr val="phClr">
+                <a:shade val="69000"/>
+                <a:hueMod val="108000"/>
+                <a:satMod val="164000"/>
+                <a:lumMod val="74000"/>
+              </a:schemeClr>
+              <a:schemeClr val="phClr">
+                <a:tint val="96000"/>
+                <a:hueMod val="88000"/>
+                <a:satMod val="140000"/>
+                <a:lumMod val="132000"/>
+              </a:schemeClr>
+            </a:duotone>
+          </a:blip>
+          <a:stretch/>
+        </a:blipFill>
       </a:bgFillStyleLst>
     </a:fmtScheme>
   </a:themeElements>
@@ -5384,7 +8859,7 @@
   <a:extraClrSchemeLst/>
   <a:extLst>
     <a:ext uri="{05A4C25C-085E-4340-85A3-A5531E510DB2}">
-      <thm15:themeFamily xmlns:thm15="http://schemas.microsoft.com/office/thememl/2012/main" name="Office Theme" id="{62F939B6-93AF-4DB8-9C6B-D6C7DFDC589F}" vid="{4A3C46E8-61CC-4603-A589-7422A47A8E4A}"/>
+      <thm15:themeFamily xmlns:thm15="http://schemas.microsoft.com/office/thememl/2012/main" name="Ion" id="{B8441ADB-2E43-4AF7-B97A-BD870242C6A8}" vid="{292E63A9-BB86-4E3D-B92A-7223C6510D2E}"/>
     </a:ext>
   </a:extLst>
 </a:theme>

--- a/DS202-FinalPresentation.pptx
+++ b/DS202-FinalPresentation.pptx
@@ -312,7 +312,7 @@
           <a:p>
             <a:fld id="{30B9BDC6-9212-AA4A-B1DD-31ED212B226C}" type="datetimeFigureOut">
               <a:rPr lang="en-US" smtClean="0"/>
-              <a:t>12/10/2023</a:t>
+              <a:t>12/11/23</a:t>
             </a:fld>
             <a:endParaRPr lang="en-US"/>
           </a:p>
@@ -587,7 +587,7 @@
           <a:p>
             <a:fld id="{30B9BDC6-9212-AA4A-B1DD-31ED212B226C}" type="datetimeFigureOut">
               <a:rPr lang="en-US" smtClean="0"/>
-              <a:t>12/10/2023</a:t>
+              <a:t>12/11/23</a:t>
             </a:fld>
             <a:endParaRPr lang="en-US"/>
           </a:p>
@@ -781,7 +781,7 @@
           <a:p>
             <a:fld id="{30B9BDC6-9212-AA4A-B1DD-31ED212B226C}" type="datetimeFigureOut">
               <a:rPr lang="en-US" smtClean="0"/>
-              <a:t>12/10/2023</a:t>
+              <a:t>12/11/23</a:t>
             </a:fld>
             <a:endParaRPr lang="en-US"/>
           </a:p>
@@ -1054,7 +1054,7 @@
           <a:p>
             <a:fld id="{30B9BDC6-9212-AA4A-B1DD-31ED212B226C}" type="datetimeFigureOut">
               <a:rPr lang="en-US" smtClean="0"/>
-              <a:t>12/10/2023</a:t>
+              <a:t>12/11/23</a:t>
             </a:fld>
             <a:endParaRPr lang="en-US"/>
           </a:p>
@@ -1395,7 +1395,7 @@
           <a:p>
             <a:fld id="{30B9BDC6-9212-AA4A-B1DD-31ED212B226C}" type="datetimeFigureOut">
               <a:rPr lang="en-US" smtClean="0"/>
-              <a:t>12/10/2023</a:t>
+              <a:t>12/11/23</a:t>
             </a:fld>
             <a:endParaRPr lang="en-US"/>
           </a:p>
@@ -2018,7 +2018,7 @@
           <a:p>
             <a:fld id="{30B9BDC6-9212-AA4A-B1DD-31ED212B226C}" type="datetimeFigureOut">
               <a:rPr lang="en-US" smtClean="0"/>
-              <a:t>12/10/2023</a:t>
+              <a:t>12/11/23</a:t>
             </a:fld>
             <a:endParaRPr lang="en-US"/>
           </a:p>
@@ -2878,7 +2878,7 @@
           <a:p>
             <a:fld id="{30B9BDC6-9212-AA4A-B1DD-31ED212B226C}" type="datetimeFigureOut">
               <a:rPr lang="en-US" smtClean="0"/>
-              <a:t>12/10/2023</a:t>
+              <a:t>12/11/23</a:t>
             </a:fld>
             <a:endParaRPr lang="en-US"/>
           </a:p>
@@ -3048,7 +3048,7 @@
           <a:p>
             <a:fld id="{30B9BDC6-9212-AA4A-B1DD-31ED212B226C}" type="datetimeFigureOut">
               <a:rPr lang="en-US" smtClean="0"/>
-              <a:t>12/10/2023</a:t>
+              <a:t>12/11/23</a:t>
             </a:fld>
             <a:endParaRPr lang="en-US"/>
           </a:p>
@@ -3228,7 +3228,7 @@
           <a:p>
             <a:fld id="{30B9BDC6-9212-AA4A-B1DD-31ED212B226C}" type="datetimeFigureOut">
               <a:rPr lang="en-US" smtClean="0"/>
-              <a:t>12/10/2023</a:t>
+              <a:t>12/11/23</a:t>
             </a:fld>
             <a:endParaRPr lang="en-US"/>
           </a:p>
@@ -3398,7 +3398,7 @@
           <a:p>
             <a:fld id="{30B9BDC6-9212-AA4A-B1DD-31ED212B226C}" type="datetimeFigureOut">
               <a:rPr lang="en-US" smtClean="0"/>
-              <a:t>12/10/2023</a:t>
+              <a:t>12/11/23</a:t>
             </a:fld>
             <a:endParaRPr lang="en-US"/>
           </a:p>
@@ -3645,7 +3645,7 @@
           <a:p>
             <a:fld id="{30B9BDC6-9212-AA4A-B1DD-31ED212B226C}" type="datetimeFigureOut">
               <a:rPr lang="en-US" smtClean="0"/>
-              <a:t>12/10/2023</a:t>
+              <a:t>12/11/23</a:t>
             </a:fld>
             <a:endParaRPr lang="en-US"/>
           </a:p>
@@ -3937,7 +3937,7 @@
           <a:p>
             <a:fld id="{30B9BDC6-9212-AA4A-B1DD-31ED212B226C}" type="datetimeFigureOut">
               <a:rPr lang="en-US" smtClean="0"/>
-              <a:t>12/10/2023</a:t>
+              <a:t>12/11/23</a:t>
             </a:fld>
             <a:endParaRPr lang="en-US"/>
           </a:p>
@@ -4381,7 +4381,7 @@
           <a:p>
             <a:fld id="{30B9BDC6-9212-AA4A-B1DD-31ED212B226C}" type="datetimeFigureOut">
               <a:rPr lang="en-US" smtClean="0"/>
-              <a:t>12/10/2023</a:t>
+              <a:t>12/11/23</a:t>
             </a:fld>
             <a:endParaRPr lang="en-US"/>
           </a:p>
@@ -4499,7 +4499,7 @@
           <a:p>
             <a:fld id="{30B9BDC6-9212-AA4A-B1DD-31ED212B226C}" type="datetimeFigureOut">
               <a:rPr lang="en-US" smtClean="0"/>
-              <a:t>12/10/2023</a:t>
+              <a:t>12/11/23</a:t>
             </a:fld>
             <a:endParaRPr lang="en-US"/>
           </a:p>
@@ -4594,7 +4594,7 @@
           <a:p>
             <a:fld id="{30B9BDC6-9212-AA4A-B1DD-31ED212B226C}" type="datetimeFigureOut">
               <a:rPr lang="en-US" smtClean="0"/>
-              <a:t>12/10/2023</a:t>
+              <a:t>12/11/23</a:t>
             </a:fld>
             <a:endParaRPr lang="en-US"/>
           </a:p>
@@ -4873,7 +4873,7 @@
           <a:p>
             <a:fld id="{30B9BDC6-9212-AA4A-B1DD-31ED212B226C}" type="datetimeFigureOut">
               <a:rPr lang="en-US" smtClean="0"/>
-              <a:t>12/10/2023</a:t>
+              <a:t>12/11/23</a:t>
             </a:fld>
             <a:endParaRPr lang="en-US"/>
           </a:p>
@@ -5148,7 +5148,7 @@
           <a:p>
             <a:fld id="{30B9BDC6-9212-AA4A-B1DD-31ED212B226C}" type="datetimeFigureOut">
               <a:rPr lang="en-US" smtClean="0"/>
-              <a:t>12/10/2023</a:t>
+              <a:t>12/11/23</a:t>
             </a:fld>
             <a:endParaRPr lang="en-US"/>
           </a:p>
@@ -5577,7 +5577,7 @@
           <a:p>
             <a:fld id="{30B9BDC6-9212-AA4A-B1DD-31ED212B226C}" type="datetimeFigureOut">
               <a:rPr lang="en-US" smtClean="0"/>
-              <a:t>12/10/2023</a:t>
+              <a:t>12/11/23</a:t>
             </a:fld>
             <a:endParaRPr lang="en-US"/>
           </a:p>
@@ -6262,7 +6262,7 @@
         </p:blipFill>
         <p:spPr>
           <a:xfrm>
-            <a:off x="838199" y="1690687"/>
+            <a:off x="646111" y="1690687"/>
             <a:ext cx="5257163" cy="3247071"/>
           </a:xfrm>
           <a:prstGeom prst="rect">
@@ -6292,7 +6292,7 @@
         </p:blipFill>
         <p:spPr>
           <a:xfrm>
-            <a:off x="6096635" y="1690688"/>
+            <a:off x="6096000" y="1690686"/>
             <a:ext cx="5257165" cy="3247072"/>
           </a:xfrm>
           <a:prstGeom prst="rect">
@@ -6380,7 +6380,7 @@
         </p:blipFill>
         <p:spPr>
           <a:xfrm>
-            <a:off x="6096637" y="1690688"/>
+            <a:off x="6209797" y="1690688"/>
             <a:ext cx="5257165" cy="3247072"/>
           </a:xfrm>
           <a:prstGeom prst="rect">
@@ -6410,7 +6410,7 @@
         </p:blipFill>
         <p:spPr>
           <a:xfrm>
-            <a:off x="838199" y="1690687"/>
+            <a:off x="646111" y="1690688"/>
             <a:ext cx="5257163" cy="3247071"/>
           </a:xfrm>
           <a:prstGeom prst="rect">
@@ -6432,8 +6432,8 @@
         </p:nvSpPr>
         <p:spPr>
           <a:xfrm>
-            <a:off x="838199" y="5167312"/>
-            <a:ext cx="10743197" cy="1323439"/>
+            <a:off x="531675" y="5167312"/>
+            <a:ext cx="10935287" cy="1631216"/>
           </a:xfrm>
           <a:prstGeom prst="rect">
             <a:avLst/>
@@ -6441,7 +6441,7 @@
           <a:noFill/>
         </p:spPr>
         <p:txBody>
-          <a:bodyPr wrap="none" rtlCol="0">
+          <a:bodyPr wrap="square" rtlCol="0">
             <a:spAutoFit/>
           </a:bodyPr>
           <a:lstStyle/>
@@ -6625,7 +6625,7 @@
           <a:p>
             <a:r>
               <a:rPr lang="en-US" dirty="0"/>
-              <a:t>Analysis: Explaining Temperature Trends</a:t>
+              <a:t>Exploring Temperature Trends</a:t>
             </a:r>
           </a:p>
         </p:txBody>
@@ -6791,21 +6791,63 @@
         </p:nvSpPr>
         <p:spPr/>
         <p:txBody>
-          <a:bodyPr/>
+          <a:bodyPr>
+            <a:normAutofit fontScale="92500" lnSpcReduction="10000"/>
+          </a:bodyPr>
           <a:lstStyle/>
           <a:p>
+            <a:pPr>
+              <a:lnSpc>
+                <a:spcPct val="200000"/>
+              </a:lnSpc>
+            </a:pPr>
             <a:r>
               <a:rPr lang="en-US" dirty="0"/>
-              <a:t>Clear indication of annual temperature increase annually</a:t>
-            </a:r>
-          </a:p>
-          <a:p>
-            <a:endParaRPr lang="en-US" dirty="0"/>
-          </a:p>
-          <a:p>
+              <a:t>What is the longest-recorded weather data, globally?</a:t>
+            </a:r>
+          </a:p>
+          <a:p>
+            <a:pPr lvl="1">
+              <a:lnSpc>
+                <a:spcPct val="200000"/>
+              </a:lnSpc>
+            </a:pPr>
             <a:r>
               <a:rPr lang="en-US" dirty="0"/>
-              <a:t>Explanations and defining events to correlate with data found</a:t>
+              <a:t>Milan, Italy, 241 years (as of last official update)</a:t>
+            </a:r>
+          </a:p>
+          <a:p>
+            <a:pPr>
+              <a:lnSpc>
+                <a:spcPct val="200000"/>
+              </a:lnSpc>
+            </a:pPr>
+            <a:r>
+              <a:rPr lang="en-US" dirty="0"/>
+              <a:t>Using this data, can we detect any trends?</a:t>
+            </a:r>
+          </a:p>
+          <a:p>
+            <a:pPr lvl="1">
+              <a:lnSpc>
+                <a:spcPct val="200000"/>
+              </a:lnSpc>
+            </a:pPr>
+            <a:r>
+              <a:rPr lang="en-US" dirty="0"/>
+              <a:t>Clear correlation between economic success and annual temperature increase</a:t>
+            </a:r>
+          </a:p>
+          <a:p>
+            <a:pPr lvl="1">
+              <a:lnSpc>
+                <a:spcPct val="200000"/>
+              </a:lnSpc>
+            </a:pPr>
+            <a:r>
+              <a:rPr lang="en-US" dirty="0"/>
+              <a:t>Global industrialization (and local) correlated to the first major increase in temperatures</a:t>
             </a:r>
           </a:p>
         </p:txBody>
@@ -6905,12 +6947,28 @@
           </a:p>
           <a:p>
             <a:r>
-              <a:rPr lang="en-US" dirty="0" err="1"/>
-              <a:t>abc</a:t>
+              <a:rPr lang="en-US" dirty="0"/>
+              <a:t>Industrial Revolution of Milan, Italy </a:t>
+            </a:r>
+            <a:r>
+              <a:rPr lang="en-US" dirty="0">
+                <a:hlinkClick r:id="rId3"/>
+              </a:rPr>
+              <a:t>https://www.erih.net/how-it-started/industrial-history-of-european-countries/italy#:~:text=The%20Industrial%20Revolution%20swept%20the,plant%20near%20Naples%20in%201908</a:t>
             </a:r>
             <a:endParaRPr lang="en-US" dirty="0"/>
           </a:p>
           <a:p>
+            <a:r>
+              <a:rPr lang="en-US" dirty="0"/>
+              <a:t>Economic Growth of Italy </a:t>
+            </a:r>
+            <a:r>
+              <a:rPr lang="en-US" dirty="0">
+                <a:hlinkClick r:id="rId4"/>
+              </a:rPr>
+              <a:t>https://ideas.repec.org/p/pra/mprapa/12817.html</a:t>
+            </a:r>
             <a:endParaRPr lang="en-US" dirty="0"/>
           </a:p>
         </p:txBody>
@@ -6991,7 +7049,9 @@
         </p:nvSpPr>
         <p:spPr/>
         <p:txBody>
-          <a:bodyPr/>
+          <a:bodyPr>
+            <a:normAutofit/>
+          </a:bodyPr>
           <a:lstStyle/>
           <a:p>
             <a:pPr>
@@ -7001,7 +7061,7 @@
             </a:pPr>
             <a:r>
               <a:rPr lang="en-US" dirty="0"/>
-              <a:t>Is climate change occurring?</a:t>
+              <a:t>What is the longest-recorded weather data, globally?</a:t>
             </a:r>
           </a:p>
           <a:p>
@@ -7012,7 +7072,7 @@
             </a:pPr>
             <a:r>
               <a:rPr lang="en-US" dirty="0"/>
-              <a:t>Why not look at data to get clues</a:t>
+              <a:t>How can older data tell us more about climate trends?</a:t>
             </a:r>
           </a:p>
           <a:p>
@@ -7023,7 +7083,7 @@
             </a:pPr>
             <a:r>
               <a:rPr lang="en-US" dirty="0"/>
-              <a:t>Wanted to learn more about climate change</a:t>
+              <a:t>Using this data, can we detect any trends?</a:t>
             </a:r>
           </a:p>
           <a:p>
@@ -7034,7 +7094,7 @@
             </a:pPr>
             <a:r>
               <a:rPr lang="en-US" dirty="0"/>
-              <a:t>Why might it be happening?</a:t>
+              <a:t>What sources affect the trends we see?</a:t>
             </a:r>
           </a:p>
           <a:p>
@@ -7045,7 +7105,7 @@
             </a:pPr>
             <a:r>
               <a:rPr lang="en-US" dirty="0"/>
-              <a:t>Is it only in America, or is it a global threat?</a:t>
+              <a:t>Do trends correlate to local or global events?</a:t>
             </a:r>
           </a:p>
         </p:txBody>
@@ -7129,7 +7189,7 @@
           <a:bodyPr/>
           <a:lstStyle/>
           <a:p>
-            <a:pPr algn="ctr">
+            <a:pPr>
               <a:lnSpc>
                 <a:spcPct val="200000"/>
               </a:lnSpc>
@@ -7140,25 +7200,36 @@
             </a:r>
           </a:p>
           <a:p>
-            <a:pPr algn="ctr">
+            <a:pPr>
               <a:lnSpc>
                 <a:spcPct val="200000"/>
               </a:lnSpc>
             </a:pPr>
             <a:r>
               <a:rPr lang="en-US" dirty="0"/>
-              <a:t>National Centers for Environmental Information (NCEI)</a:t>
-            </a:r>
-          </a:p>
-          <a:p>
-            <a:pPr algn="ctr">
+              <a:t>Sourced from National Centers for Environmental Information (NCEI)</a:t>
+            </a:r>
+          </a:p>
+          <a:p>
+            <a:pPr>
               <a:lnSpc>
                 <a:spcPct val="200000"/>
               </a:lnSpc>
             </a:pPr>
             <a:r>
               <a:rPr lang="en-US" dirty="0"/>
-              <a:t>Is for date range (Y/M/D) of 1763-01-01 to 2008-11-30</a:t>
+              <a:t>Recorded by government of Italy</a:t>
+            </a:r>
+          </a:p>
+          <a:p>
+            <a:pPr>
+              <a:lnSpc>
+                <a:spcPct val="200000"/>
+              </a:lnSpc>
+            </a:pPr>
+            <a:r>
+              <a:rPr lang="en-US" dirty="0"/>
+              <a:t>241 years of data (1767-2008)</a:t>
             </a:r>
           </a:p>
         </p:txBody>
@@ -8235,7 +8306,7 @@
         </p:blipFill>
         <p:spPr>
           <a:xfrm>
-            <a:off x="5110162" y="1690688"/>
+            <a:off x="4641811" y="1621430"/>
             <a:ext cx="7081838" cy="5058455"/>
           </a:xfrm>
           <a:prstGeom prst="rect">
@@ -8296,7 +8367,7 @@
           <a:p>
             <a:r>
               <a:rPr lang="en-US" dirty="0"/>
-              <a:t>Analysis: Monthly Temperatures with Trend Line</a:t>
+              <a:t>Analysis: Average Monthly Temperatures</a:t>
             </a:r>
           </a:p>
         </p:txBody>
@@ -8338,10 +8409,10 @@
       </p:sp>
       <p:pic>
         <p:nvPicPr>
-          <p:cNvPr id="4" name="Picture 3">
+          <p:cNvPr id="5" name="Picture 4">
             <a:extLst>
               <a:ext uri="{FF2B5EF4-FFF2-40B4-BE49-F238E27FC236}">
-                <a16:creationId xmlns:a16="http://schemas.microsoft.com/office/drawing/2014/main" id="{73C1CE57-8DE1-8F2F-3F66-4F073AF671A0}"/>
+                <a16:creationId xmlns:a16="http://schemas.microsoft.com/office/drawing/2014/main" id="{35A22109-55C5-741E-8FD2-6E8777E051AB}"/>
               </a:ext>
             </a:extLst>
           </p:cNvPr>
@@ -8358,37 +8429,7 @@
         </p:blipFill>
         <p:spPr>
           <a:xfrm>
-            <a:off x="5110162" y="1690688"/>
-            <a:ext cx="7081838" cy="5058455"/>
-          </a:xfrm>
-          <a:prstGeom prst="rect">
-            <a:avLst/>
-          </a:prstGeom>
-        </p:spPr>
-      </p:pic>
-      <p:pic>
-        <p:nvPicPr>
-          <p:cNvPr id="5" name="Picture 4">
-            <a:extLst>
-              <a:ext uri="{FF2B5EF4-FFF2-40B4-BE49-F238E27FC236}">
-                <a16:creationId xmlns:a16="http://schemas.microsoft.com/office/drawing/2014/main" id="{35A22109-55C5-741E-8FD2-6E8777E051AB}"/>
-              </a:ext>
-            </a:extLst>
-          </p:cNvPr>
-          <p:cNvPicPr>
-            <a:picLocks noChangeAspect="1"/>
-          </p:cNvPicPr>
-          <p:nvPr/>
-        </p:nvPicPr>
-        <p:blipFill>
-          <a:blip r:embed="rId3"/>
-          <a:stretch>
-            <a:fillRect/>
-          </a:stretch>
-        </p:blipFill>
-        <p:spPr>
-          <a:xfrm>
-            <a:off x="5110163" y="1690688"/>
+            <a:off x="4731021" y="1621430"/>
             <a:ext cx="7081837" cy="5058455"/>
           </a:xfrm>
           <a:prstGeom prst="rect">
@@ -8449,7 +8490,7 @@
           <a:p>
             <a:r>
               <a:rPr lang="en-US" dirty="0"/>
-              <a:t>Analysis: Annual Temperatures with Trend Line</a:t>
+              <a:t>Analysis: Average Annual Temperatures</a:t>
             </a:r>
           </a:p>
         </p:txBody>
@@ -8498,10 +8539,10 @@
       </p:sp>
       <p:pic>
         <p:nvPicPr>
-          <p:cNvPr id="4" name="Picture 3">
+          <p:cNvPr id="6" name="Picture 5">
             <a:extLst>
               <a:ext uri="{FF2B5EF4-FFF2-40B4-BE49-F238E27FC236}">
-                <a16:creationId xmlns:a16="http://schemas.microsoft.com/office/drawing/2014/main" id="{73C1CE57-8DE1-8F2F-3F66-4F073AF671A0}"/>
+                <a16:creationId xmlns:a16="http://schemas.microsoft.com/office/drawing/2014/main" id="{5F9F9F00-5171-65E3-EB31-5121F2463B45}"/>
               </a:ext>
             </a:extLst>
           </p:cNvPr>
@@ -8518,67 +8559,7 @@
         </p:blipFill>
         <p:spPr>
           <a:xfrm>
-            <a:off x="5110162" y="1690688"/>
-            <a:ext cx="7081838" cy="5058455"/>
-          </a:xfrm>
-          <a:prstGeom prst="rect">
-            <a:avLst/>
-          </a:prstGeom>
-        </p:spPr>
-      </p:pic>
-      <p:pic>
-        <p:nvPicPr>
-          <p:cNvPr id="5" name="Picture 4">
-            <a:extLst>
-              <a:ext uri="{FF2B5EF4-FFF2-40B4-BE49-F238E27FC236}">
-                <a16:creationId xmlns:a16="http://schemas.microsoft.com/office/drawing/2014/main" id="{35A22109-55C5-741E-8FD2-6E8777E051AB}"/>
-              </a:ext>
-            </a:extLst>
-          </p:cNvPr>
-          <p:cNvPicPr>
-            <a:picLocks noChangeAspect="1"/>
-          </p:cNvPicPr>
-          <p:nvPr/>
-        </p:nvPicPr>
-        <p:blipFill>
-          <a:blip r:embed="rId3"/>
-          <a:stretch>
-            <a:fillRect/>
-          </a:stretch>
-        </p:blipFill>
-        <p:spPr>
-          <a:xfrm>
-            <a:off x="5110163" y="1690688"/>
-            <a:ext cx="7081837" cy="5058455"/>
-          </a:xfrm>
-          <a:prstGeom prst="rect">
-            <a:avLst/>
-          </a:prstGeom>
-        </p:spPr>
-      </p:pic>
-      <p:pic>
-        <p:nvPicPr>
-          <p:cNvPr id="6" name="Picture 5">
-            <a:extLst>
-              <a:ext uri="{FF2B5EF4-FFF2-40B4-BE49-F238E27FC236}">
-                <a16:creationId xmlns:a16="http://schemas.microsoft.com/office/drawing/2014/main" id="{5F9F9F00-5171-65E3-EB31-5121F2463B45}"/>
-              </a:ext>
-            </a:extLst>
-          </p:cNvPr>
-          <p:cNvPicPr>
-            <a:picLocks noChangeAspect="1"/>
-          </p:cNvPicPr>
-          <p:nvPr/>
-        </p:nvPicPr>
-        <p:blipFill>
-          <a:blip r:embed="rId4"/>
-          <a:stretch>
-            <a:fillRect/>
-          </a:stretch>
-        </p:blipFill>
-        <p:spPr>
-          <a:xfrm>
-            <a:off x="5110160" y="1690688"/>
+            <a:off x="4809077" y="1690687"/>
             <a:ext cx="7081839" cy="5058456"/>
           </a:xfrm>
           <a:prstGeom prst="rect">
